--- a/ppt/Socket/2_ServerListen.pptx
+++ b/ppt/Socket/2_ServerListen.pptx
@@ -5,7 +5,7 @@
     <p:sldMasterId id="2147483648" r:id="rId1"/>
   </p:sldMasterIdLst>
   <p:notesMasterIdLst>
-    <p:notesMasterId r:id="rId26"/>
+    <p:notesMasterId r:id="rId62"/>
   </p:notesMasterIdLst>
   <p:sldIdLst>
     <p:sldId id="292" r:id="rId2"/>
@@ -32,6 +32,42 @@
     <p:sldId id="733" r:id="rId23"/>
     <p:sldId id="734" r:id="rId24"/>
     <p:sldId id="735" r:id="rId25"/>
+    <p:sldId id="736" r:id="rId26"/>
+    <p:sldId id="737" r:id="rId27"/>
+    <p:sldId id="740" r:id="rId28"/>
+    <p:sldId id="738" r:id="rId29"/>
+    <p:sldId id="739" r:id="rId30"/>
+    <p:sldId id="741" r:id="rId31"/>
+    <p:sldId id="742" r:id="rId32"/>
+    <p:sldId id="743" r:id="rId33"/>
+    <p:sldId id="744" r:id="rId34"/>
+    <p:sldId id="745" r:id="rId35"/>
+    <p:sldId id="746" r:id="rId36"/>
+    <p:sldId id="747" r:id="rId37"/>
+    <p:sldId id="748" r:id="rId38"/>
+    <p:sldId id="749" r:id="rId39"/>
+    <p:sldId id="750" r:id="rId40"/>
+    <p:sldId id="751" r:id="rId41"/>
+    <p:sldId id="752" r:id="rId42"/>
+    <p:sldId id="753" r:id="rId43"/>
+    <p:sldId id="754" r:id="rId44"/>
+    <p:sldId id="755" r:id="rId45"/>
+    <p:sldId id="756" r:id="rId46"/>
+    <p:sldId id="757" r:id="rId47"/>
+    <p:sldId id="758" r:id="rId48"/>
+    <p:sldId id="759" r:id="rId49"/>
+    <p:sldId id="760" r:id="rId50"/>
+    <p:sldId id="761" r:id="rId51"/>
+    <p:sldId id="762" r:id="rId52"/>
+    <p:sldId id="763" r:id="rId53"/>
+    <p:sldId id="764" r:id="rId54"/>
+    <p:sldId id="765" r:id="rId55"/>
+    <p:sldId id="766" r:id="rId56"/>
+    <p:sldId id="770" r:id="rId57"/>
+    <p:sldId id="767" r:id="rId58"/>
+    <p:sldId id="768" r:id="rId59"/>
+    <p:sldId id="769" r:id="rId60"/>
+    <p:sldId id="771" r:id="rId61"/>
   </p:sldIdLst>
   <p:sldSz cx="12192000" cy="6858000"/>
   <p:notesSz cx="6858000" cy="9144000"/>
@@ -130,6 +166,11 @@
       </a:defRPr>
     </a:lvl9pPr>
   </p:defaultTextStyle>
+  <p:extLst>
+    <p:ext uri="{EFAFB233-063F-42B5-8137-9DF3F51BA10A}">
+      <p15:sldGuideLst xmlns:p15="http://schemas.microsoft.com/office/powerpoint/2012/main"/>
+    </p:ext>
+  </p:extLst>
 </p:presentation>
 </file>
 
@@ -215,7 +256,7 @@
           <a:p>
             <a:fld id="{D0136E34-7A20-4C6D-B7CB-0728DEC3F3C2}" type="datetimeFigureOut">
               <a:rPr lang="ko-KR" altLang="en-US" smtClean="0"/>
-              <a:t>2024-09-18</a:t>
+              <a:t>2024-09-19</a:t>
             </a:fld>
             <a:endParaRPr lang="ko-KR" altLang="en-US"/>
           </a:p>
@@ -713,7 +754,7 @@
           <a:p>
             <a:fld id="{031B7EF8-5180-4D59-B2FC-1BE1157B5EA8}" type="datetimeFigureOut">
               <a:rPr lang="ko-KR" altLang="en-US" smtClean="0"/>
-              <a:t>2024-09-18</a:t>
+              <a:t>2024-09-19</a:t>
             </a:fld>
             <a:endParaRPr lang="ko-KR" altLang="en-US"/>
           </a:p>
@@ -911,7 +952,7 @@
           <a:p>
             <a:fld id="{031B7EF8-5180-4D59-B2FC-1BE1157B5EA8}" type="datetimeFigureOut">
               <a:rPr lang="ko-KR" altLang="en-US" smtClean="0"/>
-              <a:t>2024-09-18</a:t>
+              <a:t>2024-09-19</a:t>
             </a:fld>
             <a:endParaRPr lang="ko-KR" altLang="en-US"/>
           </a:p>
@@ -1119,7 +1160,7 @@
           <a:p>
             <a:fld id="{031B7EF8-5180-4D59-B2FC-1BE1157B5EA8}" type="datetimeFigureOut">
               <a:rPr lang="ko-KR" altLang="en-US" smtClean="0"/>
-              <a:t>2024-09-18</a:t>
+              <a:t>2024-09-19</a:t>
             </a:fld>
             <a:endParaRPr lang="ko-KR" altLang="en-US"/>
           </a:p>
@@ -1317,7 +1358,7 @@
           <a:p>
             <a:fld id="{031B7EF8-5180-4D59-B2FC-1BE1157B5EA8}" type="datetimeFigureOut">
               <a:rPr lang="ko-KR" altLang="en-US" smtClean="0"/>
-              <a:t>2024-09-18</a:t>
+              <a:t>2024-09-19</a:t>
             </a:fld>
             <a:endParaRPr lang="ko-KR" altLang="en-US"/>
           </a:p>
@@ -1592,7 +1633,7 @@
           <a:p>
             <a:fld id="{031B7EF8-5180-4D59-B2FC-1BE1157B5EA8}" type="datetimeFigureOut">
               <a:rPr lang="ko-KR" altLang="en-US" smtClean="0"/>
-              <a:t>2024-09-18</a:t>
+              <a:t>2024-09-19</a:t>
             </a:fld>
             <a:endParaRPr lang="ko-KR" altLang="en-US"/>
           </a:p>
@@ -1857,7 +1898,7 @@
           <a:p>
             <a:fld id="{031B7EF8-5180-4D59-B2FC-1BE1157B5EA8}" type="datetimeFigureOut">
               <a:rPr lang="ko-KR" altLang="en-US" smtClean="0"/>
-              <a:t>2024-09-18</a:t>
+              <a:t>2024-09-19</a:t>
             </a:fld>
             <a:endParaRPr lang="ko-KR" altLang="en-US"/>
           </a:p>
@@ -2269,7 +2310,7 @@
           <a:p>
             <a:fld id="{031B7EF8-5180-4D59-B2FC-1BE1157B5EA8}" type="datetimeFigureOut">
               <a:rPr lang="ko-KR" altLang="en-US" smtClean="0"/>
-              <a:t>2024-09-18</a:t>
+              <a:t>2024-09-19</a:t>
             </a:fld>
             <a:endParaRPr lang="ko-KR" altLang="en-US"/>
           </a:p>
@@ -2410,7 +2451,7 @@
           <a:p>
             <a:fld id="{031B7EF8-5180-4D59-B2FC-1BE1157B5EA8}" type="datetimeFigureOut">
               <a:rPr lang="ko-KR" altLang="en-US" smtClean="0"/>
-              <a:t>2024-09-18</a:t>
+              <a:t>2024-09-19</a:t>
             </a:fld>
             <a:endParaRPr lang="ko-KR" altLang="en-US"/>
           </a:p>
@@ -2523,7 +2564,7 @@
           <a:p>
             <a:fld id="{031B7EF8-5180-4D59-B2FC-1BE1157B5EA8}" type="datetimeFigureOut">
               <a:rPr lang="ko-KR" altLang="en-US" smtClean="0"/>
-              <a:t>2024-09-18</a:t>
+              <a:t>2024-09-19</a:t>
             </a:fld>
             <a:endParaRPr lang="ko-KR" altLang="en-US"/>
           </a:p>
@@ -2834,7 +2875,7 @@
           <a:p>
             <a:fld id="{031B7EF8-5180-4D59-B2FC-1BE1157B5EA8}" type="datetimeFigureOut">
               <a:rPr lang="ko-KR" altLang="en-US" smtClean="0"/>
-              <a:t>2024-09-18</a:t>
+              <a:t>2024-09-19</a:t>
             </a:fld>
             <a:endParaRPr lang="ko-KR" altLang="en-US"/>
           </a:p>
@@ -3122,7 +3163,7 @@
           <a:p>
             <a:fld id="{031B7EF8-5180-4D59-B2FC-1BE1157B5EA8}" type="datetimeFigureOut">
               <a:rPr lang="ko-KR" altLang="en-US" smtClean="0"/>
-              <a:t>2024-09-18</a:t>
+              <a:t>2024-09-19</a:t>
             </a:fld>
             <a:endParaRPr lang="ko-KR" altLang="en-US"/>
           </a:p>
@@ -3363,7 +3404,7 @@
           <a:p>
             <a:fld id="{031B7EF8-5180-4D59-B2FC-1BE1157B5EA8}" type="datetimeFigureOut">
               <a:rPr lang="ko-KR" altLang="en-US" smtClean="0"/>
-              <a:t>2024-09-18</a:t>
+              <a:t>2024-09-19</a:t>
             </a:fld>
             <a:endParaRPr lang="ko-KR" altLang="en-US"/>
           </a:p>
@@ -6166,6 +6207,751 @@
 </p:sld>
 </file>
 
+<file path=ppt/slides/slide25.xml><?xml version="1.0" encoding="utf-8"?>
+<p:sld xmlns:a="http://schemas.openxmlformats.org/drawingml/2006/main" xmlns:r="http://schemas.openxmlformats.org/officeDocument/2006/relationships" xmlns:p="http://schemas.openxmlformats.org/presentationml/2006/main">
+  <p:cSld>
+    <p:spTree>
+      <p:nvGrpSpPr>
+        <p:cNvPr id="1" name=""/>
+        <p:cNvGrpSpPr/>
+        <p:nvPr/>
+      </p:nvGrpSpPr>
+      <p:grpSpPr>
+        <a:xfrm>
+          <a:off x="0" y="0"/>
+          <a:ext cx="0" cy="0"/>
+          <a:chOff x="0" y="0"/>
+          <a:chExt cx="0" cy="0"/>
+        </a:xfrm>
+      </p:grpSpPr>
+      <p:sp>
+        <p:nvSpPr>
+          <p:cNvPr id="2" name="제목 1">
+            <a:extLst>
+              <a:ext uri="{FF2B5EF4-FFF2-40B4-BE49-F238E27FC236}">
+                <a16:creationId xmlns:a16="http://schemas.microsoft.com/office/drawing/2014/main" id="{CFCDF4F8-40F6-C9DA-6B35-22C2B45B77EF}"/>
+              </a:ext>
+            </a:extLst>
+          </p:cNvPr>
+          <p:cNvSpPr txBox="1">
+            <a:spLocks/>
+          </p:cNvSpPr>
+          <p:nvPr/>
+        </p:nvSpPr>
+        <p:spPr>
+          <a:xfrm>
+            <a:off x="213360" y="412222"/>
+            <a:ext cx="10515600" cy="776498"/>
+          </a:xfrm>
+          <a:prstGeom prst="rect">
+            <a:avLst/>
+          </a:prstGeom>
+        </p:spPr>
+        <p:txBody>
+          <a:bodyPr vert="horz" lIns="91440" tIns="45720" rIns="91440" bIns="45720" rtlCol="0" anchor="ctr">
+            <a:normAutofit/>
+          </a:bodyPr>
+          <a:lstStyle>
+            <a:lvl1pPr algn="l" defTabSz="914400" rtl="0" eaLnBrk="1" latinLnBrk="1" hangingPunct="1">
+              <a:lnSpc>
+                <a:spcPct val="90000"/>
+              </a:lnSpc>
+              <a:spcBef>
+                <a:spcPct val="0"/>
+              </a:spcBef>
+              <a:buNone/>
+              <a:defRPr sz="4400" kern="1200">
+                <a:solidFill>
+                  <a:schemeClr val="tx1"/>
+                </a:solidFill>
+                <a:latin typeface="+mj-lt"/>
+                <a:ea typeface="+mj-ea"/>
+                <a:cs typeface="+mj-cs"/>
+              </a:defRPr>
+            </a:lvl1pPr>
+          </a:lstStyle>
+          <a:p>
+            <a:r>
+              <a:rPr lang="en-US" altLang="ko-KR" dirty="0" err="1"/>
+              <a:t>UNetDriver</a:t>
+            </a:r>
+            <a:r>
+              <a:rPr lang="en-US" altLang="ko-KR" dirty="0"/>
+              <a:t> </a:t>
+            </a:r>
+            <a:r>
+              <a:rPr lang="en-US" altLang="ko-KR" dirty="0" err="1"/>
+              <a:t>InitBase</a:t>
+            </a:r>
+            <a:r>
+              <a:rPr lang="en-US" altLang="ko-KR" dirty="0"/>
+              <a:t> 011</a:t>
+            </a:r>
+            <a:endParaRPr lang="ko-KR" altLang="en-US" dirty="0"/>
+          </a:p>
+        </p:txBody>
+      </p:sp>
+      <p:pic>
+        <p:nvPicPr>
+          <p:cNvPr id="4" name="그림 3">
+            <a:extLst>
+              <a:ext uri="{FF2B5EF4-FFF2-40B4-BE49-F238E27FC236}">
+                <a16:creationId xmlns:a16="http://schemas.microsoft.com/office/drawing/2014/main" id="{D82A9D23-3815-6098-33A2-42B58ABDCD00}"/>
+              </a:ext>
+            </a:extLst>
+          </p:cNvPr>
+          <p:cNvPicPr>
+            <a:picLocks noChangeAspect="1"/>
+          </p:cNvPicPr>
+          <p:nvPr/>
+        </p:nvPicPr>
+        <p:blipFill>
+          <a:blip r:embed="rId2"/>
+          <a:stretch>
+            <a:fillRect/>
+          </a:stretch>
+        </p:blipFill>
+        <p:spPr>
+          <a:xfrm>
+            <a:off x="213360" y="1188720"/>
+            <a:ext cx="9926435" cy="4972744"/>
+          </a:xfrm>
+          <a:prstGeom prst="rect">
+            <a:avLst/>
+          </a:prstGeom>
+        </p:spPr>
+      </p:pic>
+    </p:spTree>
+    <p:extLst>
+      <p:ext uri="{BB962C8B-B14F-4D97-AF65-F5344CB8AC3E}">
+        <p14:creationId xmlns:p14="http://schemas.microsoft.com/office/powerpoint/2010/main" val="4043784209"/>
+      </p:ext>
+    </p:extLst>
+  </p:cSld>
+  <p:clrMapOvr>
+    <a:masterClrMapping/>
+  </p:clrMapOvr>
+</p:sld>
+</file>
+
+<file path=ppt/slides/slide26.xml><?xml version="1.0" encoding="utf-8"?>
+<p:sld xmlns:a="http://schemas.openxmlformats.org/drawingml/2006/main" xmlns:r="http://schemas.openxmlformats.org/officeDocument/2006/relationships" xmlns:p="http://schemas.openxmlformats.org/presentationml/2006/main">
+  <p:cSld>
+    <p:spTree>
+      <p:nvGrpSpPr>
+        <p:cNvPr id="1" name=""/>
+        <p:cNvGrpSpPr/>
+        <p:nvPr/>
+      </p:nvGrpSpPr>
+      <p:grpSpPr>
+        <a:xfrm>
+          <a:off x="0" y="0"/>
+          <a:ext cx="0" cy="0"/>
+          <a:chOff x="0" y="0"/>
+          <a:chExt cx="0" cy="0"/>
+        </a:xfrm>
+      </p:grpSpPr>
+      <p:sp>
+        <p:nvSpPr>
+          <p:cNvPr id="2" name="제목 1">
+            <a:extLst>
+              <a:ext uri="{FF2B5EF4-FFF2-40B4-BE49-F238E27FC236}">
+                <a16:creationId xmlns:a16="http://schemas.microsoft.com/office/drawing/2014/main" id="{CFCDF4F8-40F6-C9DA-6B35-22C2B45B77EF}"/>
+              </a:ext>
+            </a:extLst>
+          </p:cNvPr>
+          <p:cNvSpPr txBox="1">
+            <a:spLocks/>
+          </p:cNvSpPr>
+          <p:nvPr/>
+        </p:nvSpPr>
+        <p:spPr>
+          <a:xfrm>
+            <a:off x="213360" y="412222"/>
+            <a:ext cx="10515600" cy="776498"/>
+          </a:xfrm>
+          <a:prstGeom prst="rect">
+            <a:avLst/>
+          </a:prstGeom>
+        </p:spPr>
+        <p:txBody>
+          <a:bodyPr vert="horz" lIns="91440" tIns="45720" rIns="91440" bIns="45720" rtlCol="0" anchor="ctr">
+            <a:normAutofit/>
+          </a:bodyPr>
+          <a:lstStyle>
+            <a:lvl1pPr algn="l" defTabSz="914400" rtl="0" eaLnBrk="1" latinLnBrk="1" hangingPunct="1">
+              <a:lnSpc>
+                <a:spcPct val="90000"/>
+              </a:lnSpc>
+              <a:spcBef>
+                <a:spcPct val="0"/>
+              </a:spcBef>
+              <a:buNone/>
+              <a:defRPr sz="4400" kern="1200">
+                <a:solidFill>
+                  <a:schemeClr val="tx1"/>
+                </a:solidFill>
+                <a:latin typeface="+mj-lt"/>
+                <a:ea typeface="+mj-ea"/>
+                <a:cs typeface="+mj-cs"/>
+              </a:defRPr>
+            </a:lvl1pPr>
+          </a:lstStyle>
+          <a:p>
+            <a:r>
+              <a:rPr lang="en-US" altLang="ko-KR" dirty="0" err="1"/>
+              <a:t>UNetDriver</a:t>
+            </a:r>
+            <a:r>
+              <a:rPr lang="en-US" altLang="ko-KR" dirty="0"/>
+              <a:t> </a:t>
+            </a:r>
+            <a:r>
+              <a:rPr lang="en-US" altLang="ko-KR" dirty="0" err="1"/>
+              <a:t>InitBase</a:t>
+            </a:r>
+            <a:r>
+              <a:rPr lang="en-US" altLang="ko-KR" dirty="0"/>
+              <a:t> 011</a:t>
+            </a:r>
+            <a:endParaRPr lang="ko-KR" altLang="en-US" dirty="0"/>
+          </a:p>
+        </p:txBody>
+      </p:sp>
+      <p:pic>
+        <p:nvPicPr>
+          <p:cNvPr id="5" name="그림 4">
+            <a:extLst>
+              <a:ext uri="{FF2B5EF4-FFF2-40B4-BE49-F238E27FC236}">
+                <a16:creationId xmlns:a16="http://schemas.microsoft.com/office/drawing/2014/main" id="{6BD3A17E-83A7-DA50-BFBD-1FEA1CE2A91C}"/>
+              </a:ext>
+            </a:extLst>
+          </p:cNvPr>
+          <p:cNvPicPr>
+            <a:picLocks noChangeAspect="1"/>
+          </p:cNvPicPr>
+          <p:nvPr/>
+        </p:nvPicPr>
+        <p:blipFill>
+          <a:blip r:embed="rId2"/>
+          <a:stretch>
+            <a:fillRect/>
+          </a:stretch>
+        </p:blipFill>
+        <p:spPr>
+          <a:xfrm>
+            <a:off x="213360" y="1173480"/>
+            <a:ext cx="8487960" cy="5391902"/>
+          </a:xfrm>
+          <a:prstGeom prst="rect">
+            <a:avLst/>
+          </a:prstGeom>
+        </p:spPr>
+      </p:pic>
+    </p:spTree>
+    <p:extLst>
+      <p:ext uri="{BB962C8B-B14F-4D97-AF65-F5344CB8AC3E}">
+        <p14:creationId xmlns:p14="http://schemas.microsoft.com/office/powerpoint/2010/main" val="998598726"/>
+      </p:ext>
+    </p:extLst>
+  </p:cSld>
+  <p:clrMapOvr>
+    <a:masterClrMapping/>
+  </p:clrMapOvr>
+</p:sld>
+</file>
+
+<file path=ppt/slides/slide27.xml><?xml version="1.0" encoding="utf-8"?>
+<p:sld xmlns:a="http://schemas.openxmlformats.org/drawingml/2006/main" xmlns:r="http://schemas.openxmlformats.org/officeDocument/2006/relationships" xmlns:p="http://schemas.openxmlformats.org/presentationml/2006/main">
+  <p:cSld>
+    <p:spTree>
+      <p:nvGrpSpPr>
+        <p:cNvPr id="1" name=""/>
+        <p:cNvGrpSpPr/>
+        <p:nvPr/>
+      </p:nvGrpSpPr>
+      <p:grpSpPr>
+        <a:xfrm>
+          <a:off x="0" y="0"/>
+          <a:ext cx="0" cy="0"/>
+          <a:chOff x="0" y="0"/>
+          <a:chExt cx="0" cy="0"/>
+        </a:xfrm>
+      </p:grpSpPr>
+      <p:sp>
+        <p:nvSpPr>
+          <p:cNvPr id="2" name="제목 1">
+            <a:extLst>
+              <a:ext uri="{FF2B5EF4-FFF2-40B4-BE49-F238E27FC236}">
+                <a16:creationId xmlns:a16="http://schemas.microsoft.com/office/drawing/2014/main" id="{CFCDF4F8-40F6-C9DA-6B35-22C2B45B77EF}"/>
+              </a:ext>
+            </a:extLst>
+          </p:cNvPr>
+          <p:cNvSpPr txBox="1">
+            <a:spLocks/>
+          </p:cNvSpPr>
+          <p:nvPr/>
+        </p:nvSpPr>
+        <p:spPr>
+          <a:xfrm>
+            <a:off x="213360" y="412222"/>
+            <a:ext cx="10515600" cy="776498"/>
+          </a:xfrm>
+          <a:prstGeom prst="rect">
+            <a:avLst/>
+          </a:prstGeom>
+        </p:spPr>
+        <p:txBody>
+          <a:bodyPr vert="horz" lIns="91440" tIns="45720" rIns="91440" bIns="45720" rtlCol="0" anchor="ctr">
+            <a:normAutofit/>
+          </a:bodyPr>
+          <a:lstStyle>
+            <a:lvl1pPr algn="l" defTabSz="914400" rtl="0" eaLnBrk="1" latinLnBrk="1" hangingPunct="1">
+              <a:lnSpc>
+                <a:spcPct val="90000"/>
+              </a:lnSpc>
+              <a:spcBef>
+                <a:spcPct val="0"/>
+              </a:spcBef>
+              <a:buNone/>
+              <a:defRPr sz="4400" kern="1200">
+                <a:solidFill>
+                  <a:schemeClr val="tx1"/>
+                </a:solidFill>
+                <a:latin typeface="+mj-lt"/>
+                <a:ea typeface="+mj-ea"/>
+                <a:cs typeface="+mj-cs"/>
+              </a:defRPr>
+            </a:lvl1pPr>
+          </a:lstStyle>
+          <a:p>
+            <a:r>
+              <a:rPr lang="en-US" altLang="ko-KR" dirty="0" err="1"/>
+              <a:t>UNetDriver</a:t>
+            </a:r>
+            <a:r>
+              <a:rPr lang="en-US" altLang="ko-KR" dirty="0"/>
+              <a:t> </a:t>
+            </a:r>
+            <a:r>
+              <a:rPr lang="en-US" altLang="ko-KR" dirty="0" err="1"/>
+              <a:t>InitBase</a:t>
+            </a:r>
+            <a:r>
+              <a:rPr lang="en-US" altLang="ko-KR" dirty="0"/>
+              <a:t> 011</a:t>
+            </a:r>
+            <a:endParaRPr lang="ko-KR" altLang="en-US" dirty="0"/>
+          </a:p>
+        </p:txBody>
+      </p:sp>
+      <p:pic>
+        <p:nvPicPr>
+          <p:cNvPr id="4" name="그림 3">
+            <a:extLst>
+              <a:ext uri="{FF2B5EF4-FFF2-40B4-BE49-F238E27FC236}">
+                <a16:creationId xmlns:a16="http://schemas.microsoft.com/office/drawing/2014/main" id="{DC5C6D75-C0C0-CD96-8940-3F5BE8C62FB9}"/>
+              </a:ext>
+            </a:extLst>
+          </p:cNvPr>
+          <p:cNvPicPr>
+            <a:picLocks noChangeAspect="1"/>
+          </p:cNvPicPr>
+          <p:nvPr/>
+        </p:nvPicPr>
+        <p:blipFill>
+          <a:blip r:embed="rId2">
+            <a:extLst>
+              <a:ext uri="{28A0092B-C50C-407E-A947-70E740481C1C}">
+                <a14:useLocalDpi xmlns:a14="http://schemas.microsoft.com/office/drawing/2010/main" val="0"/>
+              </a:ext>
+            </a:extLst>
+          </a:blip>
+          <a:stretch>
+            <a:fillRect/>
+          </a:stretch>
+        </p:blipFill>
+        <p:spPr>
+          <a:xfrm>
+            <a:off x="213360" y="0"/>
+            <a:ext cx="6884142" cy="6858000"/>
+          </a:xfrm>
+          <a:prstGeom prst="rect">
+            <a:avLst/>
+          </a:prstGeom>
+        </p:spPr>
+      </p:pic>
+    </p:spTree>
+    <p:extLst>
+      <p:ext uri="{BB962C8B-B14F-4D97-AF65-F5344CB8AC3E}">
+        <p14:creationId xmlns:p14="http://schemas.microsoft.com/office/powerpoint/2010/main" val="3425572876"/>
+      </p:ext>
+    </p:extLst>
+  </p:cSld>
+  <p:clrMapOvr>
+    <a:masterClrMapping/>
+  </p:clrMapOvr>
+</p:sld>
+</file>
+
+<file path=ppt/slides/slide28.xml><?xml version="1.0" encoding="utf-8"?>
+<p:sld xmlns:a="http://schemas.openxmlformats.org/drawingml/2006/main" xmlns:r="http://schemas.openxmlformats.org/officeDocument/2006/relationships" xmlns:p="http://schemas.openxmlformats.org/presentationml/2006/main">
+  <p:cSld>
+    <p:spTree>
+      <p:nvGrpSpPr>
+        <p:cNvPr id="1" name=""/>
+        <p:cNvGrpSpPr/>
+        <p:nvPr/>
+      </p:nvGrpSpPr>
+      <p:grpSpPr>
+        <a:xfrm>
+          <a:off x="0" y="0"/>
+          <a:ext cx="0" cy="0"/>
+          <a:chOff x="0" y="0"/>
+          <a:chExt cx="0" cy="0"/>
+        </a:xfrm>
+      </p:grpSpPr>
+      <p:sp>
+        <p:nvSpPr>
+          <p:cNvPr id="2" name="제목 1">
+            <a:extLst>
+              <a:ext uri="{FF2B5EF4-FFF2-40B4-BE49-F238E27FC236}">
+                <a16:creationId xmlns:a16="http://schemas.microsoft.com/office/drawing/2014/main" id="{CFCDF4F8-40F6-C9DA-6B35-22C2B45B77EF}"/>
+              </a:ext>
+            </a:extLst>
+          </p:cNvPr>
+          <p:cNvSpPr txBox="1">
+            <a:spLocks/>
+          </p:cNvSpPr>
+          <p:nvPr/>
+        </p:nvSpPr>
+        <p:spPr>
+          <a:xfrm>
+            <a:off x="213360" y="412222"/>
+            <a:ext cx="10515600" cy="776498"/>
+          </a:xfrm>
+          <a:prstGeom prst="rect">
+            <a:avLst/>
+          </a:prstGeom>
+        </p:spPr>
+        <p:txBody>
+          <a:bodyPr vert="horz" lIns="91440" tIns="45720" rIns="91440" bIns="45720" rtlCol="0" anchor="ctr">
+            <a:normAutofit/>
+          </a:bodyPr>
+          <a:lstStyle>
+            <a:lvl1pPr algn="l" defTabSz="914400" rtl="0" eaLnBrk="1" latinLnBrk="1" hangingPunct="1">
+              <a:lnSpc>
+                <a:spcPct val="90000"/>
+              </a:lnSpc>
+              <a:spcBef>
+                <a:spcPct val="0"/>
+              </a:spcBef>
+              <a:buNone/>
+              <a:defRPr sz="4400" kern="1200">
+                <a:solidFill>
+                  <a:schemeClr val="tx1"/>
+                </a:solidFill>
+                <a:latin typeface="+mj-lt"/>
+                <a:ea typeface="+mj-ea"/>
+                <a:cs typeface="+mj-cs"/>
+              </a:defRPr>
+            </a:lvl1pPr>
+          </a:lstStyle>
+          <a:p>
+            <a:r>
+              <a:rPr lang="en-US" altLang="ko-KR" dirty="0" err="1"/>
+              <a:t>UNetDriver</a:t>
+            </a:r>
+            <a:r>
+              <a:rPr lang="en-US" altLang="ko-KR" dirty="0"/>
+              <a:t> </a:t>
+            </a:r>
+            <a:r>
+              <a:rPr lang="en-US" altLang="ko-KR" dirty="0" err="1"/>
+              <a:t>InitBase</a:t>
+            </a:r>
+            <a:r>
+              <a:rPr lang="en-US" altLang="ko-KR" dirty="0"/>
+              <a:t> 011</a:t>
+            </a:r>
+            <a:endParaRPr lang="ko-KR" altLang="en-US" dirty="0"/>
+          </a:p>
+        </p:txBody>
+      </p:sp>
+      <p:pic>
+        <p:nvPicPr>
+          <p:cNvPr id="7" name="그림 6">
+            <a:extLst>
+              <a:ext uri="{FF2B5EF4-FFF2-40B4-BE49-F238E27FC236}">
+                <a16:creationId xmlns:a16="http://schemas.microsoft.com/office/drawing/2014/main" id="{C6D46330-35C2-AAB4-6A8C-8782C7D9C011}"/>
+              </a:ext>
+            </a:extLst>
+          </p:cNvPr>
+          <p:cNvPicPr>
+            <a:picLocks noChangeAspect="1"/>
+          </p:cNvPicPr>
+          <p:nvPr/>
+        </p:nvPicPr>
+        <p:blipFill>
+          <a:blip r:embed="rId2"/>
+          <a:stretch>
+            <a:fillRect/>
+          </a:stretch>
+        </p:blipFill>
+        <p:spPr>
+          <a:xfrm>
+            <a:off x="213360" y="1188720"/>
+            <a:ext cx="8373644" cy="3419952"/>
+          </a:xfrm>
+          <a:prstGeom prst="rect">
+            <a:avLst/>
+          </a:prstGeom>
+        </p:spPr>
+      </p:pic>
+    </p:spTree>
+    <p:extLst>
+      <p:ext uri="{BB962C8B-B14F-4D97-AF65-F5344CB8AC3E}">
+        <p14:creationId xmlns:p14="http://schemas.microsoft.com/office/powerpoint/2010/main" val="3883184591"/>
+      </p:ext>
+    </p:extLst>
+  </p:cSld>
+  <p:clrMapOvr>
+    <a:masterClrMapping/>
+  </p:clrMapOvr>
+</p:sld>
+</file>
+
+<file path=ppt/slides/slide29.xml><?xml version="1.0" encoding="utf-8"?>
+<p:sld xmlns:a="http://schemas.openxmlformats.org/drawingml/2006/main" xmlns:r="http://schemas.openxmlformats.org/officeDocument/2006/relationships" xmlns:p="http://schemas.openxmlformats.org/presentationml/2006/main">
+  <p:cSld>
+    <p:spTree>
+      <p:nvGrpSpPr>
+        <p:cNvPr id="1" name=""/>
+        <p:cNvGrpSpPr/>
+        <p:nvPr/>
+      </p:nvGrpSpPr>
+      <p:grpSpPr>
+        <a:xfrm>
+          <a:off x="0" y="0"/>
+          <a:ext cx="0" cy="0"/>
+          <a:chOff x="0" y="0"/>
+          <a:chExt cx="0" cy="0"/>
+        </a:xfrm>
+      </p:grpSpPr>
+      <p:sp>
+        <p:nvSpPr>
+          <p:cNvPr id="2" name="제목 1">
+            <a:extLst>
+              <a:ext uri="{FF2B5EF4-FFF2-40B4-BE49-F238E27FC236}">
+                <a16:creationId xmlns:a16="http://schemas.microsoft.com/office/drawing/2014/main" id="{CFCDF4F8-40F6-C9DA-6B35-22C2B45B77EF}"/>
+              </a:ext>
+            </a:extLst>
+          </p:cNvPr>
+          <p:cNvSpPr txBox="1">
+            <a:spLocks/>
+          </p:cNvSpPr>
+          <p:nvPr/>
+        </p:nvSpPr>
+        <p:spPr>
+          <a:xfrm>
+            <a:off x="213360" y="412222"/>
+            <a:ext cx="10515600" cy="776498"/>
+          </a:xfrm>
+          <a:prstGeom prst="rect">
+            <a:avLst/>
+          </a:prstGeom>
+        </p:spPr>
+        <p:txBody>
+          <a:bodyPr vert="horz" lIns="91440" tIns="45720" rIns="91440" bIns="45720" rtlCol="0" anchor="ctr">
+            <a:normAutofit/>
+          </a:bodyPr>
+          <a:lstStyle>
+            <a:lvl1pPr algn="l" defTabSz="914400" rtl="0" eaLnBrk="1" latinLnBrk="1" hangingPunct="1">
+              <a:lnSpc>
+                <a:spcPct val="90000"/>
+              </a:lnSpc>
+              <a:spcBef>
+                <a:spcPct val="0"/>
+              </a:spcBef>
+              <a:buNone/>
+              <a:defRPr sz="4400" kern="1200">
+                <a:solidFill>
+                  <a:schemeClr val="tx1"/>
+                </a:solidFill>
+                <a:latin typeface="+mj-lt"/>
+                <a:ea typeface="+mj-ea"/>
+                <a:cs typeface="+mj-cs"/>
+              </a:defRPr>
+            </a:lvl1pPr>
+          </a:lstStyle>
+          <a:p>
+            <a:r>
+              <a:rPr lang="en-US" altLang="ko-KR" dirty="0" err="1"/>
+              <a:t>UNetDriver</a:t>
+            </a:r>
+            <a:r>
+              <a:rPr lang="en-US" altLang="ko-KR" dirty="0"/>
+              <a:t> </a:t>
+            </a:r>
+            <a:r>
+              <a:rPr lang="en-US" altLang="ko-KR" dirty="0" err="1"/>
+              <a:t>InitBase</a:t>
+            </a:r>
+            <a:r>
+              <a:rPr lang="en-US" altLang="ko-KR" dirty="0"/>
+              <a:t> 011</a:t>
+            </a:r>
+            <a:endParaRPr lang="ko-KR" altLang="en-US" dirty="0"/>
+          </a:p>
+        </p:txBody>
+      </p:sp>
+      <p:pic>
+        <p:nvPicPr>
+          <p:cNvPr id="9" name="그림 8">
+            <a:extLst>
+              <a:ext uri="{FF2B5EF4-FFF2-40B4-BE49-F238E27FC236}">
+                <a16:creationId xmlns:a16="http://schemas.microsoft.com/office/drawing/2014/main" id="{7EC5DF19-561C-A949-99BF-90E49A5CF688}"/>
+              </a:ext>
+            </a:extLst>
+          </p:cNvPr>
+          <p:cNvPicPr>
+            <a:picLocks noChangeAspect="1"/>
+          </p:cNvPicPr>
+          <p:nvPr/>
+        </p:nvPicPr>
+        <p:blipFill>
+          <a:blip r:embed="rId2"/>
+          <a:stretch>
+            <a:fillRect/>
+          </a:stretch>
+        </p:blipFill>
+        <p:spPr>
+          <a:xfrm>
+            <a:off x="302265" y="1188720"/>
+            <a:ext cx="8297433" cy="5611008"/>
+          </a:xfrm>
+          <a:prstGeom prst="rect">
+            <a:avLst/>
+          </a:prstGeom>
+        </p:spPr>
+      </p:pic>
+      <p:sp>
+        <p:nvSpPr>
+          <p:cNvPr id="4" name="직사각형 3">
+            <a:extLst>
+              <a:ext uri="{FF2B5EF4-FFF2-40B4-BE49-F238E27FC236}">
+                <a16:creationId xmlns:a16="http://schemas.microsoft.com/office/drawing/2014/main" id="{709761BC-978E-4F1B-58DD-91F6FDCFC136}"/>
+              </a:ext>
+            </a:extLst>
+          </p:cNvPr>
+          <p:cNvSpPr/>
+          <p:nvPr/>
+        </p:nvSpPr>
+        <p:spPr>
+          <a:xfrm>
+            <a:off x="739140" y="3368040"/>
+            <a:ext cx="3421380" cy="426720"/>
+          </a:xfrm>
+          <a:prstGeom prst="rect">
+            <a:avLst/>
+          </a:prstGeom>
+          <a:noFill/>
+          <a:ln w="38100">
+            <a:solidFill>
+              <a:srgbClr val="FF0000"/>
+            </a:solidFill>
+          </a:ln>
+        </p:spPr>
+        <p:style>
+          <a:lnRef idx="2">
+            <a:schemeClr val="accent1">
+              <a:shade val="15000"/>
+            </a:schemeClr>
+          </a:lnRef>
+          <a:fillRef idx="1">
+            <a:schemeClr val="accent1"/>
+          </a:fillRef>
+          <a:effectRef idx="0">
+            <a:schemeClr val="accent1"/>
+          </a:effectRef>
+          <a:fontRef idx="minor">
+            <a:schemeClr val="lt1"/>
+          </a:fontRef>
+        </p:style>
+        <p:txBody>
+          <a:bodyPr rtlCol="0" anchor="ctr"/>
+          <a:lstStyle/>
+          <a:p>
+            <a:pPr algn="ctr"/>
+            <a:endParaRPr lang="ko-KR" altLang="en-US"/>
+          </a:p>
+        </p:txBody>
+      </p:sp>
+      <p:sp>
+        <p:nvSpPr>
+          <p:cNvPr id="5" name="직사각형 4">
+            <a:extLst>
+              <a:ext uri="{FF2B5EF4-FFF2-40B4-BE49-F238E27FC236}">
+                <a16:creationId xmlns:a16="http://schemas.microsoft.com/office/drawing/2014/main" id="{2023A324-3E2A-B2E3-90A6-6AAED29923DB}"/>
+              </a:ext>
+            </a:extLst>
+          </p:cNvPr>
+          <p:cNvSpPr/>
+          <p:nvPr/>
+        </p:nvSpPr>
+        <p:spPr>
+          <a:xfrm>
+            <a:off x="800100" y="5722620"/>
+            <a:ext cx="2880360" cy="518160"/>
+          </a:xfrm>
+          <a:prstGeom prst="rect">
+            <a:avLst/>
+          </a:prstGeom>
+          <a:noFill/>
+          <a:ln w="38100">
+            <a:solidFill>
+              <a:srgbClr val="FF0000"/>
+            </a:solidFill>
+          </a:ln>
+        </p:spPr>
+        <p:style>
+          <a:lnRef idx="2">
+            <a:schemeClr val="accent1">
+              <a:shade val="15000"/>
+            </a:schemeClr>
+          </a:lnRef>
+          <a:fillRef idx="1">
+            <a:schemeClr val="accent1"/>
+          </a:fillRef>
+          <a:effectRef idx="0">
+            <a:schemeClr val="accent1"/>
+          </a:effectRef>
+          <a:fontRef idx="minor">
+            <a:schemeClr val="lt1"/>
+          </a:fontRef>
+        </p:style>
+        <p:txBody>
+          <a:bodyPr rtlCol="0" anchor="ctr"/>
+          <a:lstStyle/>
+          <a:p>
+            <a:pPr algn="ctr"/>
+            <a:endParaRPr lang="ko-KR" altLang="en-US"/>
+          </a:p>
+        </p:txBody>
+      </p:sp>
+    </p:spTree>
+    <p:extLst>
+      <p:ext uri="{BB962C8B-B14F-4D97-AF65-F5344CB8AC3E}">
+        <p14:creationId xmlns:p14="http://schemas.microsoft.com/office/powerpoint/2010/main" val="2584754984"/>
+      </p:ext>
+    </p:extLst>
+  </p:cSld>
+  <p:clrMapOvr>
+    <a:masterClrMapping/>
+  </p:clrMapOvr>
+</p:sld>
+</file>
+
 <file path=ppt/slides/slide3.xml><?xml version="1.0" encoding="utf-8"?>
 <p:sld xmlns:a="http://schemas.openxmlformats.org/drawingml/2006/main" xmlns:r="http://schemas.openxmlformats.org/officeDocument/2006/relationships" xmlns:p="http://schemas.openxmlformats.org/presentationml/2006/main">
   <p:cSld>
@@ -6284,6 +7070,1574 @@
     <p:extLst>
       <p:ext uri="{BB962C8B-B14F-4D97-AF65-F5344CB8AC3E}">
         <p14:creationId xmlns:p14="http://schemas.microsoft.com/office/powerpoint/2010/main" val="3613348325"/>
+      </p:ext>
+    </p:extLst>
+  </p:cSld>
+  <p:clrMapOvr>
+    <a:masterClrMapping/>
+  </p:clrMapOvr>
+</p:sld>
+</file>
+
+<file path=ppt/slides/slide30.xml><?xml version="1.0" encoding="utf-8"?>
+<p:sld xmlns:a="http://schemas.openxmlformats.org/drawingml/2006/main" xmlns:r="http://schemas.openxmlformats.org/officeDocument/2006/relationships" xmlns:p="http://schemas.openxmlformats.org/presentationml/2006/main">
+  <p:cSld>
+    <p:spTree>
+      <p:nvGrpSpPr>
+        <p:cNvPr id="1" name=""/>
+        <p:cNvGrpSpPr/>
+        <p:nvPr/>
+      </p:nvGrpSpPr>
+      <p:grpSpPr>
+        <a:xfrm>
+          <a:off x="0" y="0"/>
+          <a:ext cx="0" cy="0"/>
+          <a:chOff x="0" y="0"/>
+          <a:chExt cx="0" cy="0"/>
+        </a:xfrm>
+      </p:grpSpPr>
+      <p:sp>
+        <p:nvSpPr>
+          <p:cNvPr id="2" name="제목 1">
+            <a:extLst>
+              <a:ext uri="{FF2B5EF4-FFF2-40B4-BE49-F238E27FC236}">
+                <a16:creationId xmlns:a16="http://schemas.microsoft.com/office/drawing/2014/main" id="{CFCDF4F8-40F6-C9DA-6B35-22C2B45B77EF}"/>
+              </a:ext>
+            </a:extLst>
+          </p:cNvPr>
+          <p:cNvSpPr txBox="1">
+            <a:spLocks/>
+          </p:cNvSpPr>
+          <p:nvPr/>
+        </p:nvSpPr>
+        <p:spPr>
+          <a:xfrm>
+            <a:off x="213360" y="412222"/>
+            <a:ext cx="10515600" cy="776498"/>
+          </a:xfrm>
+          <a:prstGeom prst="rect">
+            <a:avLst/>
+          </a:prstGeom>
+        </p:spPr>
+        <p:txBody>
+          <a:bodyPr vert="horz" lIns="91440" tIns="45720" rIns="91440" bIns="45720" rtlCol="0" anchor="ctr">
+            <a:normAutofit/>
+          </a:bodyPr>
+          <a:lstStyle>
+            <a:lvl1pPr algn="l" defTabSz="914400" rtl="0" eaLnBrk="1" latinLnBrk="1" hangingPunct="1">
+              <a:lnSpc>
+                <a:spcPct val="90000"/>
+              </a:lnSpc>
+              <a:spcBef>
+                <a:spcPct val="0"/>
+              </a:spcBef>
+              <a:buNone/>
+              <a:defRPr sz="4400" kern="1200">
+                <a:solidFill>
+                  <a:schemeClr val="tx1"/>
+                </a:solidFill>
+                <a:latin typeface="+mj-lt"/>
+                <a:ea typeface="+mj-ea"/>
+                <a:cs typeface="+mj-cs"/>
+              </a:defRPr>
+            </a:lvl1pPr>
+          </a:lstStyle>
+          <a:p>
+            <a:r>
+              <a:rPr lang="en-US" altLang="ko-KR" dirty="0" err="1"/>
+              <a:t>UNetDriver</a:t>
+            </a:r>
+            <a:r>
+              <a:rPr lang="en-US" altLang="ko-KR" dirty="0"/>
+              <a:t> </a:t>
+            </a:r>
+            <a:r>
+              <a:rPr lang="en-US" altLang="ko-KR" dirty="0" err="1"/>
+              <a:t>InitBase</a:t>
+            </a:r>
+            <a:r>
+              <a:rPr lang="en-US" altLang="ko-KR" dirty="0"/>
+              <a:t> 011</a:t>
+            </a:r>
+            <a:endParaRPr lang="ko-KR" altLang="en-US" dirty="0"/>
+          </a:p>
+        </p:txBody>
+      </p:sp>
+      <p:pic>
+        <p:nvPicPr>
+          <p:cNvPr id="6" name="그림 5">
+            <a:extLst>
+              <a:ext uri="{FF2B5EF4-FFF2-40B4-BE49-F238E27FC236}">
+                <a16:creationId xmlns:a16="http://schemas.microsoft.com/office/drawing/2014/main" id="{BF784911-5A2C-4ABA-A550-FF0A6E4C834B}"/>
+              </a:ext>
+            </a:extLst>
+          </p:cNvPr>
+          <p:cNvPicPr>
+            <a:picLocks noChangeAspect="1"/>
+          </p:cNvPicPr>
+          <p:nvPr/>
+        </p:nvPicPr>
+        <p:blipFill>
+          <a:blip r:embed="rId2"/>
+          <a:stretch>
+            <a:fillRect/>
+          </a:stretch>
+        </p:blipFill>
+        <p:spPr>
+          <a:xfrm>
+            <a:off x="213360" y="1188720"/>
+            <a:ext cx="8478433" cy="3505689"/>
+          </a:xfrm>
+          <a:prstGeom prst="rect">
+            <a:avLst/>
+          </a:prstGeom>
+        </p:spPr>
+      </p:pic>
+      <p:pic>
+        <p:nvPicPr>
+          <p:cNvPr id="8" name="그림 7">
+            <a:extLst>
+              <a:ext uri="{FF2B5EF4-FFF2-40B4-BE49-F238E27FC236}">
+                <a16:creationId xmlns:a16="http://schemas.microsoft.com/office/drawing/2014/main" id="{5DF8366E-88A1-C37A-DC9A-156A65383A9E}"/>
+              </a:ext>
+            </a:extLst>
+          </p:cNvPr>
+          <p:cNvPicPr>
+            <a:picLocks noChangeAspect="1"/>
+          </p:cNvPicPr>
+          <p:nvPr/>
+        </p:nvPicPr>
+        <p:blipFill>
+          <a:blip r:embed="rId3"/>
+          <a:stretch>
+            <a:fillRect/>
+          </a:stretch>
+        </p:blipFill>
+        <p:spPr>
+          <a:xfrm>
+            <a:off x="213360" y="4743155"/>
+            <a:ext cx="9678751" cy="2114845"/>
+          </a:xfrm>
+          <a:prstGeom prst="rect">
+            <a:avLst/>
+          </a:prstGeom>
+        </p:spPr>
+      </p:pic>
+    </p:spTree>
+    <p:extLst>
+      <p:ext uri="{BB962C8B-B14F-4D97-AF65-F5344CB8AC3E}">
+        <p14:creationId xmlns:p14="http://schemas.microsoft.com/office/powerpoint/2010/main" val="2440936985"/>
+      </p:ext>
+    </p:extLst>
+  </p:cSld>
+  <p:clrMapOvr>
+    <a:masterClrMapping/>
+  </p:clrMapOvr>
+</p:sld>
+</file>
+
+<file path=ppt/slides/slide31.xml><?xml version="1.0" encoding="utf-8"?>
+<p:sld xmlns:a="http://schemas.openxmlformats.org/drawingml/2006/main" xmlns:r="http://schemas.openxmlformats.org/officeDocument/2006/relationships" xmlns:p="http://schemas.openxmlformats.org/presentationml/2006/main">
+  <p:cSld>
+    <p:spTree>
+      <p:nvGrpSpPr>
+        <p:cNvPr id="1" name=""/>
+        <p:cNvGrpSpPr/>
+        <p:nvPr/>
+      </p:nvGrpSpPr>
+      <p:grpSpPr>
+        <a:xfrm>
+          <a:off x="0" y="0"/>
+          <a:ext cx="0" cy="0"/>
+          <a:chOff x="0" y="0"/>
+          <a:chExt cx="0" cy="0"/>
+        </a:xfrm>
+      </p:grpSpPr>
+      <p:sp>
+        <p:nvSpPr>
+          <p:cNvPr id="2" name="제목 1">
+            <a:extLst>
+              <a:ext uri="{FF2B5EF4-FFF2-40B4-BE49-F238E27FC236}">
+                <a16:creationId xmlns:a16="http://schemas.microsoft.com/office/drawing/2014/main" id="{CFCDF4F8-40F6-C9DA-6B35-22C2B45B77EF}"/>
+              </a:ext>
+            </a:extLst>
+          </p:cNvPr>
+          <p:cNvSpPr txBox="1">
+            <a:spLocks/>
+          </p:cNvSpPr>
+          <p:nvPr/>
+        </p:nvSpPr>
+        <p:spPr>
+          <a:xfrm>
+            <a:off x="213360" y="412222"/>
+            <a:ext cx="10515600" cy="776498"/>
+          </a:xfrm>
+          <a:prstGeom prst="rect">
+            <a:avLst/>
+          </a:prstGeom>
+        </p:spPr>
+        <p:txBody>
+          <a:bodyPr vert="horz" lIns="91440" tIns="45720" rIns="91440" bIns="45720" rtlCol="0" anchor="ctr">
+            <a:normAutofit/>
+          </a:bodyPr>
+          <a:lstStyle>
+            <a:lvl1pPr algn="l" defTabSz="914400" rtl="0" eaLnBrk="1" latinLnBrk="1" hangingPunct="1">
+              <a:lnSpc>
+                <a:spcPct val="90000"/>
+              </a:lnSpc>
+              <a:spcBef>
+                <a:spcPct val="0"/>
+              </a:spcBef>
+              <a:buNone/>
+              <a:defRPr sz="4400" kern="1200">
+                <a:solidFill>
+                  <a:schemeClr val="tx1"/>
+                </a:solidFill>
+                <a:latin typeface="+mj-lt"/>
+                <a:ea typeface="+mj-ea"/>
+                <a:cs typeface="+mj-cs"/>
+              </a:defRPr>
+            </a:lvl1pPr>
+          </a:lstStyle>
+          <a:p>
+            <a:r>
+              <a:rPr lang="en-US" altLang="ko-KR" dirty="0" err="1"/>
+              <a:t>UIpNetDriver</a:t>
+            </a:r>
+            <a:r>
+              <a:rPr lang="en-US" altLang="ko-KR" dirty="0"/>
+              <a:t> </a:t>
+            </a:r>
+            <a:r>
+              <a:rPr lang="en-US" altLang="ko-KR" dirty="0" err="1"/>
+              <a:t>CreateAndBindSocket</a:t>
+            </a:r>
+            <a:r>
+              <a:rPr lang="en-US" altLang="ko-KR" dirty="0"/>
+              <a:t> 012</a:t>
+            </a:r>
+            <a:endParaRPr lang="ko-KR" altLang="en-US" dirty="0"/>
+          </a:p>
+        </p:txBody>
+      </p:sp>
+      <p:pic>
+        <p:nvPicPr>
+          <p:cNvPr id="4" name="그림 3">
+            <a:extLst>
+              <a:ext uri="{FF2B5EF4-FFF2-40B4-BE49-F238E27FC236}">
+                <a16:creationId xmlns:a16="http://schemas.microsoft.com/office/drawing/2014/main" id="{19A1A2D6-6F49-49A2-B01F-85324BFBD76C}"/>
+              </a:ext>
+            </a:extLst>
+          </p:cNvPr>
+          <p:cNvPicPr>
+            <a:picLocks noChangeAspect="1"/>
+          </p:cNvPicPr>
+          <p:nvPr/>
+        </p:nvPicPr>
+        <p:blipFill>
+          <a:blip r:embed="rId2"/>
+          <a:stretch>
+            <a:fillRect/>
+          </a:stretch>
+        </p:blipFill>
+        <p:spPr>
+          <a:xfrm>
+            <a:off x="75360" y="1188720"/>
+            <a:ext cx="12041280" cy="3400900"/>
+          </a:xfrm>
+          <a:prstGeom prst="rect">
+            <a:avLst/>
+          </a:prstGeom>
+        </p:spPr>
+      </p:pic>
+    </p:spTree>
+    <p:extLst>
+      <p:ext uri="{BB962C8B-B14F-4D97-AF65-F5344CB8AC3E}">
+        <p14:creationId xmlns:p14="http://schemas.microsoft.com/office/powerpoint/2010/main" val="1715064477"/>
+      </p:ext>
+    </p:extLst>
+  </p:cSld>
+  <p:clrMapOvr>
+    <a:masterClrMapping/>
+  </p:clrMapOvr>
+</p:sld>
+</file>
+
+<file path=ppt/slides/slide32.xml><?xml version="1.0" encoding="utf-8"?>
+<p:sld xmlns:a="http://schemas.openxmlformats.org/drawingml/2006/main" xmlns:r="http://schemas.openxmlformats.org/officeDocument/2006/relationships" xmlns:p="http://schemas.openxmlformats.org/presentationml/2006/main">
+  <p:cSld>
+    <p:spTree>
+      <p:nvGrpSpPr>
+        <p:cNvPr id="1" name=""/>
+        <p:cNvGrpSpPr/>
+        <p:nvPr/>
+      </p:nvGrpSpPr>
+      <p:grpSpPr>
+        <a:xfrm>
+          <a:off x="0" y="0"/>
+          <a:ext cx="0" cy="0"/>
+          <a:chOff x="0" y="0"/>
+          <a:chExt cx="0" cy="0"/>
+        </a:xfrm>
+      </p:grpSpPr>
+      <p:sp>
+        <p:nvSpPr>
+          <p:cNvPr id="2" name="제목 1">
+            <a:extLst>
+              <a:ext uri="{FF2B5EF4-FFF2-40B4-BE49-F238E27FC236}">
+                <a16:creationId xmlns:a16="http://schemas.microsoft.com/office/drawing/2014/main" id="{CFCDF4F8-40F6-C9DA-6B35-22C2B45B77EF}"/>
+              </a:ext>
+            </a:extLst>
+          </p:cNvPr>
+          <p:cNvSpPr txBox="1">
+            <a:spLocks/>
+          </p:cNvSpPr>
+          <p:nvPr/>
+        </p:nvSpPr>
+        <p:spPr>
+          <a:xfrm>
+            <a:off x="213360" y="412222"/>
+            <a:ext cx="10515600" cy="776498"/>
+          </a:xfrm>
+          <a:prstGeom prst="rect">
+            <a:avLst/>
+          </a:prstGeom>
+        </p:spPr>
+        <p:txBody>
+          <a:bodyPr vert="horz" lIns="91440" tIns="45720" rIns="91440" bIns="45720" rtlCol="0" anchor="ctr">
+            <a:normAutofit/>
+          </a:bodyPr>
+          <a:lstStyle>
+            <a:lvl1pPr algn="l" defTabSz="914400" rtl="0" eaLnBrk="1" latinLnBrk="1" hangingPunct="1">
+              <a:lnSpc>
+                <a:spcPct val="90000"/>
+              </a:lnSpc>
+              <a:spcBef>
+                <a:spcPct val="0"/>
+              </a:spcBef>
+              <a:buNone/>
+              <a:defRPr sz="4400" kern="1200">
+                <a:solidFill>
+                  <a:schemeClr val="tx1"/>
+                </a:solidFill>
+                <a:latin typeface="+mj-lt"/>
+                <a:ea typeface="+mj-ea"/>
+                <a:cs typeface="+mj-cs"/>
+              </a:defRPr>
+            </a:lvl1pPr>
+          </a:lstStyle>
+          <a:p>
+            <a:r>
+              <a:rPr lang="en-US" altLang="ko-KR" dirty="0" err="1"/>
+              <a:t>UIpNetDriver</a:t>
+            </a:r>
+            <a:r>
+              <a:rPr lang="en-US" altLang="ko-KR" dirty="0"/>
+              <a:t> </a:t>
+            </a:r>
+            <a:r>
+              <a:rPr lang="en-US" altLang="ko-KR" dirty="0" err="1"/>
+              <a:t>CreateAndBindSocket</a:t>
+            </a:r>
+            <a:r>
+              <a:rPr lang="en-US" altLang="ko-KR" dirty="0"/>
+              <a:t> 012</a:t>
+            </a:r>
+            <a:endParaRPr lang="ko-KR" altLang="en-US" dirty="0"/>
+          </a:p>
+        </p:txBody>
+      </p:sp>
+      <p:pic>
+        <p:nvPicPr>
+          <p:cNvPr id="5" name="그림 4">
+            <a:extLst>
+              <a:ext uri="{FF2B5EF4-FFF2-40B4-BE49-F238E27FC236}">
+                <a16:creationId xmlns:a16="http://schemas.microsoft.com/office/drawing/2014/main" id="{9994BE09-FAE3-7A03-11B6-111E788ECBA5}"/>
+              </a:ext>
+            </a:extLst>
+          </p:cNvPr>
+          <p:cNvPicPr>
+            <a:picLocks noChangeAspect="1"/>
+          </p:cNvPicPr>
+          <p:nvPr/>
+        </p:nvPicPr>
+        <p:blipFill>
+          <a:blip r:embed="rId2"/>
+          <a:stretch>
+            <a:fillRect/>
+          </a:stretch>
+        </p:blipFill>
+        <p:spPr>
+          <a:xfrm>
+            <a:off x="213360" y="1188720"/>
+            <a:ext cx="11012437" cy="3562847"/>
+          </a:xfrm>
+          <a:prstGeom prst="rect">
+            <a:avLst/>
+          </a:prstGeom>
+        </p:spPr>
+      </p:pic>
+    </p:spTree>
+    <p:extLst>
+      <p:ext uri="{BB962C8B-B14F-4D97-AF65-F5344CB8AC3E}">
+        <p14:creationId xmlns:p14="http://schemas.microsoft.com/office/powerpoint/2010/main" val="1343848163"/>
+      </p:ext>
+    </p:extLst>
+  </p:cSld>
+  <p:clrMapOvr>
+    <a:masterClrMapping/>
+  </p:clrMapOvr>
+</p:sld>
+</file>
+
+<file path=ppt/slides/slide33.xml><?xml version="1.0" encoding="utf-8"?>
+<p:sld xmlns:a="http://schemas.openxmlformats.org/drawingml/2006/main" xmlns:r="http://schemas.openxmlformats.org/officeDocument/2006/relationships" xmlns:p="http://schemas.openxmlformats.org/presentationml/2006/main">
+  <p:cSld>
+    <p:spTree>
+      <p:nvGrpSpPr>
+        <p:cNvPr id="1" name=""/>
+        <p:cNvGrpSpPr/>
+        <p:nvPr/>
+      </p:nvGrpSpPr>
+      <p:grpSpPr>
+        <a:xfrm>
+          <a:off x="0" y="0"/>
+          <a:ext cx="0" cy="0"/>
+          <a:chOff x="0" y="0"/>
+          <a:chExt cx="0" cy="0"/>
+        </a:xfrm>
+      </p:grpSpPr>
+      <p:sp>
+        <p:nvSpPr>
+          <p:cNvPr id="2" name="제목 1">
+            <a:extLst>
+              <a:ext uri="{FF2B5EF4-FFF2-40B4-BE49-F238E27FC236}">
+                <a16:creationId xmlns:a16="http://schemas.microsoft.com/office/drawing/2014/main" id="{CFCDF4F8-40F6-C9DA-6B35-22C2B45B77EF}"/>
+              </a:ext>
+            </a:extLst>
+          </p:cNvPr>
+          <p:cNvSpPr txBox="1">
+            <a:spLocks/>
+          </p:cNvSpPr>
+          <p:nvPr/>
+        </p:nvSpPr>
+        <p:spPr>
+          <a:xfrm>
+            <a:off x="213360" y="412222"/>
+            <a:ext cx="10515600" cy="776498"/>
+          </a:xfrm>
+          <a:prstGeom prst="rect">
+            <a:avLst/>
+          </a:prstGeom>
+        </p:spPr>
+        <p:txBody>
+          <a:bodyPr vert="horz" lIns="91440" tIns="45720" rIns="91440" bIns="45720" rtlCol="0" anchor="ctr">
+            <a:normAutofit/>
+          </a:bodyPr>
+          <a:lstStyle>
+            <a:lvl1pPr algn="l" defTabSz="914400" rtl="0" eaLnBrk="1" latinLnBrk="1" hangingPunct="1">
+              <a:lnSpc>
+                <a:spcPct val="90000"/>
+              </a:lnSpc>
+              <a:spcBef>
+                <a:spcPct val="0"/>
+              </a:spcBef>
+              <a:buNone/>
+              <a:defRPr sz="4400" kern="1200">
+                <a:solidFill>
+                  <a:schemeClr val="tx1"/>
+                </a:solidFill>
+                <a:latin typeface="+mj-lt"/>
+                <a:ea typeface="+mj-ea"/>
+                <a:cs typeface="+mj-cs"/>
+              </a:defRPr>
+            </a:lvl1pPr>
+          </a:lstStyle>
+          <a:p>
+            <a:r>
+              <a:rPr lang="en-US" altLang="ko-KR" dirty="0" err="1"/>
+              <a:t>UIpNetDriver</a:t>
+            </a:r>
+            <a:r>
+              <a:rPr lang="en-US" altLang="ko-KR" dirty="0"/>
+              <a:t> </a:t>
+            </a:r>
+            <a:r>
+              <a:rPr lang="en-US" altLang="ko-KR" dirty="0" err="1"/>
+              <a:t>InitBase</a:t>
+            </a:r>
+            <a:r>
+              <a:rPr lang="en-US" altLang="ko-KR" dirty="0"/>
+              <a:t> 010</a:t>
+            </a:r>
+            <a:endParaRPr lang="ko-KR" altLang="en-US" dirty="0"/>
+          </a:p>
+        </p:txBody>
+      </p:sp>
+      <p:pic>
+        <p:nvPicPr>
+          <p:cNvPr id="5" name="그림 4">
+            <a:extLst>
+              <a:ext uri="{FF2B5EF4-FFF2-40B4-BE49-F238E27FC236}">
+                <a16:creationId xmlns:a16="http://schemas.microsoft.com/office/drawing/2014/main" id="{69AE8554-284E-8721-544A-9A98FC750951}"/>
+              </a:ext>
+            </a:extLst>
+          </p:cNvPr>
+          <p:cNvPicPr>
+            <a:picLocks noChangeAspect="1"/>
+          </p:cNvPicPr>
+          <p:nvPr/>
+        </p:nvPicPr>
+        <p:blipFill>
+          <a:blip r:embed="rId2"/>
+          <a:stretch>
+            <a:fillRect/>
+          </a:stretch>
+        </p:blipFill>
+        <p:spPr>
+          <a:xfrm>
+            <a:off x="213360" y="1139085"/>
+            <a:ext cx="9137117" cy="5718915"/>
+          </a:xfrm>
+          <a:prstGeom prst="rect">
+            <a:avLst/>
+          </a:prstGeom>
+        </p:spPr>
+      </p:pic>
+      <p:sp>
+        <p:nvSpPr>
+          <p:cNvPr id="3" name="직사각형 2">
+            <a:extLst>
+              <a:ext uri="{FF2B5EF4-FFF2-40B4-BE49-F238E27FC236}">
+                <a16:creationId xmlns:a16="http://schemas.microsoft.com/office/drawing/2014/main" id="{A2E2959D-AF28-5BA6-955B-3BC05C04F1C9}"/>
+              </a:ext>
+            </a:extLst>
+          </p:cNvPr>
+          <p:cNvSpPr/>
+          <p:nvPr/>
+        </p:nvSpPr>
+        <p:spPr>
+          <a:xfrm>
+            <a:off x="678180" y="4747260"/>
+            <a:ext cx="8549640" cy="1219200"/>
+          </a:xfrm>
+          <a:prstGeom prst="rect">
+            <a:avLst/>
+          </a:prstGeom>
+          <a:noFill/>
+          <a:ln w="38100">
+            <a:solidFill>
+              <a:srgbClr val="FF0000"/>
+            </a:solidFill>
+          </a:ln>
+        </p:spPr>
+        <p:style>
+          <a:lnRef idx="2">
+            <a:schemeClr val="accent1">
+              <a:shade val="15000"/>
+            </a:schemeClr>
+          </a:lnRef>
+          <a:fillRef idx="1">
+            <a:schemeClr val="accent1"/>
+          </a:fillRef>
+          <a:effectRef idx="0">
+            <a:schemeClr val="accent1"/>
+          </a:effectRef>
+          <a:fontRef idx="minor">
+            <a:schemeClr val="lt1"/>
+          </a:fontRef>
+        </p:style>
+        <p:txBody>
+          <a:bodyPr rtlCol="0" anchor="ctr"/>
+          <a:lstStyle/>
+          <a:p>
+            <a:pPr algn="ctr"/>
+            <a:endParaRPr lang="ko-KR" altLang="en-US"/>
+          </a:p>
+        </p:txBody>
+      </p:sp>
+    </p:spTree>
+    <p:extLst>
+      <p:ext uri="{BB962C8B-B14F-4D97-AF65-F5344CB8AC3E}">
+        <p14:creationId xmlns:p14="http://schemas.microsoft.com/office/powerpoint/2010/main" val="439606032"/>
+      </p:ext>
+    </p:extLst>
+  </p:cSld>
+  <p:clrMapOvr>
+    <a:masterClrMapping/>
+  </p:clrMapOvr>
+</p:sld>
+</file>
+
+<file path=ppt/slides/slide34.xml><?xml version="1.0" encoding="utf-8"?>
+<p:sld xmlns:a="http://schemas.openxmlformats.org/drawingml/2006/main" xmlns:r="http://schemas.openxmlformats.org/officeDocument/2006/relationships" xmlns:p="http://schemas.openxmlformats.org/presentationml/2006/main">
+  <p:cSld>
+    <p:spTree>
+      <p:nvGrpSpPr>
+        <p:cNvPr id="1" name=""/>
+        <p:cNvGrpSpPr/>
+        <p:nvPr/>
+      </p:nvGrpSpPr>
+      <p:grpSpPr>
+        <a:xfrm>
+          <a:off x="0" y="0"/>
+          <a:ext cx="0" cy="0"/>
+          <a:chOff x="0" y="0"/>
+          <a:chExt cx="0" cy="0"/>
+        </a:xfrm>
+      </p:grpSpPr>
+      <p:sp>
+        <p:nvSpPr>
+          <p:cNvPr id="2" name="제목 1">
+            <a:extLst>
+              <a:ext uri="{FF2B5EF4-FFF2-40B4-BE49-F238E27FC236}">
+                <a16:creationId xmlns:a16="http://schemas.microsoft.com/office/drawing/2014/main" id="{CFCDF4F8-40F6-C9DA-6B35-22C2B45B77EF}"/>
+              </a:ext>
+            </a:extLst>
+          </p:cNvPr>
+          <p:cNvSpPr txBox="1">
+            <a:spLocks/>
+          </p:cNvSpPr>
+          <p:nvPr/>
+        </p:nvSpPr>
+        <p:spPr>
+          <a:xfrm>
+            <a:off x="213360" y="412222"/>
+            <a:ext cx="10515600" cy="776498"/>
+          </a:xfrm>
+          <a:prstGeom prst="rect">
+            <a:avLst/>
+          </a:prstGeom>
+        </p:spPr>
+        <p:txBody>
+          <a:bodyPr vert="horz" lIns="91440" tIns="45720" rIns="91440" bIns="45720" rtlCol="0" anchor="ctr">
+            <a:normAutofit fontScale="77500" lnSpcReduction="20000"/>
+          </a:bodyPr>
+          <a:lstStyle>
+            <a:lvl1pPr algn="l" defTabSz="914400" rtl="0" eaLnBrk="1" latinLnBrk="1" hangingPunct="1">
+              <a:lnSpc>
+                <a:spcPct val="90000"/>
+              </a:lnSpc>
+              <a:spcBef>
+                <a:spcPct val="0"/>
+              </a:spcBef>
+              <a:buNone/>
+              <a:defRPr sz="4400" kern="1200">
+                <a:solidFill>
+                  <a:schemeClr val="tx1"/>
+                </a:solidFill>
+                <a:latin typeface="+mj-lt"/>
+                <a:ea typeface="+mj-ea"/>
+                <a:cs typeface="+mj-cs"/>
+              </a:defRPr>
+            </a:lvl1pPr>
+          </a:lstStyle>
+          <a:p>
+            <a:r>
+              <a:rPr lang="en-US" altLang="ko-KR" dirty="0" err="1"/>
+              <a:t>NetDriverAddressResolution</a:t>
+            </a:r>
+            <a:r>
+              <a:rPr lang="en-US" altLang="ko-KR" dirty="0"/>
+              <a:t> </a:t>
+            </a:r>
+            <a:r>
+              <a:rPr lang="en-US" altLang="ko-KR" dirty="0" err="1"/>
+              <a:t>InitBinddSockets</a:t>
+            </a:r>
+            <a:r>
+              <a:rPr lang="en-US" altLang="ko-KR" dirty="0"/>
+              <a:t> 013</a:t>
+            </a:r>
+            <a:endParaRPr lang="ko-KR" altLang="en-US" dirty="0"/>
+          </a:p>
+        </p:txBody>
+      </p:sp>
+      <p:pic>
+        <p:nvPicPr>
+          <p:cNvPr id="6" name="그림 5">
+            <a:extLst>
+              <a:ext uri="{FF2B5EF4-FFF2-40B4-BE49-F238E27FC236}">
+                <a16:creationId xmlns:a16="http://schemas.microsoft.com/office/drawing/2014/main" id="{6F731D3B-0040-A806-80DE-30D9B7440EAA}"/>
+              </a:ext>
+            </a:extLst>
+          </p:cNvPr>
+          <p:cNvPicPr>
+            <a:picLocks noChangeAspect="1"/>
+          </p:cNvPicPr>
+          <p:nvPr/>
+        </p:nvPicPr>
+        <p:blipFill>
+          <a:blip r:embed="rId2"/>
+          <a:stretch>
+            <a:fillRect/>
+          </a:stretch>
+        </p:blipFill>
+        <p:spPr>
+          <a:xfrm>
+            <a:off x="295451" y="985520"/>
+            <a:ext cx="8350583" cy="5872480"/>
+          </a:xfrm>
+          <a:prstGeom prst="rect">
+            <a:avLst/>
+          </a:prstGeom>
+        </p:spPr>
+      </p:pic>
+    </p:spTree>
+    <p:extLst>
+      <p:ext uri="{BB962C8B-B14F-4D97-AF65-F5344CB8AC3E}">
+        <p14:creationId xmlns:p14="http://schemas.microsoft.com/office/powerpoint/2010/main" val="3277716719"/>
+      </p:ext>
+    </p:extLst>
+  </p:cSld>
+  <p:clrMapOvr>
+    <a:masterClrMapping/>
+  </p:clrMapOvr>
+</p:sld>
+</file>
+
+<file path=ppt/slides/slide35.xml><?xml version="1.0" encoding="utf-8"?>
+<p:sld xmlns:a="http://schemas.openxmlformats.org/drawingml/2006/main" xmlns:r="http://schemas.openxmlformats.org/officeDocument/2006/relationships" xmlns:p="http://schemas.openxmlformats.org/presentationml/2006/main">
+  <p:cSld>
+    <p:spTree>
+      <p:nvGrpSpPr>
+        <p:cNvPr id="1" name=""/>
+        <p:cNvGrpSpPr/>
+        <p:nvPr/>
+      </p:nvGrpSpPr>
+      <p:grpSpPr>
+        <a:xfrm>
+          <a:off x="0" y="0"/>
+          <a:ext cx="0" cy="0"/>
+          <a:chOff x="0" y="0"/>
+          <a:chExt cx="0" cy="0"/>
+        </a:xfrm>
+      </p:grpSpPr>
+      <p:sp>
+        <p:nvSpPr>
+          <p:cNvPr id="2" name="제목 1">
+            <a:extLst>
+              <a:ext uri="{FF2B5EF4-FFF2-40B4-BE49-F238E27FC236}">
+                <a16:creationId xmlns:a16="http://schemas.microsoft.com/office/drawing/2014/main" id="{CFCDF4F8-40F6-C9DA-6B35-22C2B45B77EF}"/>
+              </a:ext>
+            </a:extLst>
+          </p:cNvPr>
+          <p:cNvSpPr txBox="1">
+            <a:spLocks/>
+          </p:cNvSpPr>
+          <p:nvPr/>
+        </p:nvSpPr>
+        <p:spPr>
+          <a:xfrm>
+            <a:off x="213360" y="412222"/>
+            <a:ext cx="10515600" cy="776498"/>
+          </a:xfrm>
+          <a:prstGeom prst="rect">
+            <a:avLst/>
+          </a:prstGeom>
+        </p:spPr>
+        <p:txBody>
+          <a:bodyPr vert="horz" lIns="91440" tIns="45720" rIns="91440" bIns="45720" rtlCol="0" anchor="ctr">
+            <a:normAutofit fontScale="92500"/>
+          </a:bodyPr>
+          <a:lstStyle>
+            <a:lvl1pPr algn="l" defTabSz="914400" rtl="0" eaLnBrk="1" latinLnBrk="1" hangingPunct="1">
+              <a:lnSpc>
+                <a:spcPct val="90000"/>
+              </a:lnSpc>
+              <a:spcBef>
+                <a:spcPct val="0"/>
+              </a:spcBef>
+              <a:buNone/>
+              <a:defRPr sz="4400" kern="1200">
+                <a:solidFill>
+                  <a:schemeClr val="tx1"/>
+                </a:solidFill>
+                <a:latin typeface="+mj-lt"/>
+                <a:ea typeface="+mj-ea"/>
+                <a:cs typeface="+mj-cs"/>
+              </a:defRPr>
+            </a:lvl1pPr>
+          </a:lstStyle>
+          <a:p>
+            <a:r>
+              <a:rPr lang="en-US" altLang="ko-KR" dirty="0" err="1"/>
+              <a:t>IPNetDriver</a:t>
+            </a:r>
+            <a:r>
+              <a:rPr lang="en-US" altLang="ko-KR" dirty="0"/>
+              <a:t> </a:t>
+            </a:r>
+            <a:r>
+              <a:rPr lang="en-US" altLang="ko-KR" dirty="0" err="1"/>
+              <a:t>SetSocketAndLocalAddress</a:t>
+            </a:r>
+            <a:r>
+              <a:rPr lang="en-US" altLang="ko-KR" dirty="0"/>
+              <a:t> 014</a:t>
+            </a:r>
+            <a:endParaRPr lang="ko-KR" altLang="en-US" dirty="0"/>
+          </a:p>
+        </p:txBody>
+      </p:sp>
+      <p:pic>
+        <p:nvPicPr>
+          <p:cNvPr id="4" name="그림 3">
+            <a:extLst>
+              <a:ext uri="{FF2B5EF4-FFF2-40B4-BE49-F238E27FC236}">
+                <a16:creationId xmlns:a16="http://schemas.microsoft.com/office/drawing/2014/main" id="{78F5BB69-6DC4-8CDF-F46A-02A1CCF2F41E}"/>
+              </a:ext>
+            </a:extLst>
+          </p:cNvPr>
+          <p:cNvPicPr>
+            <a:picLocks noChangeAspect="1"/>
+          </p:cNvPicPr>
+          <p:nvPr/>
+        </p:nvPicPr>
+        <p:blipFill>
+          <a:blip r:embed="rId2"/>
+          <a:stretch>
+            <a:fillRect/>
+          </a:stretch>
+        </p:blipFill>
+        <p:spPr>
+          <a:xfrm>
+            <a:off x="213360" y="1080565"/>
+            <a:ext cx="10336067" cy="5029902"/>
+          </a:xfrm>
+          <a:prstGeom prst="rect">
+            <a:avLst/>
+          </a:prstGeom>
+        </p:spPr>
+      </p:pic>
+      <p:pic>
+        <p:nvPicPr>
+          <p:cNvPr id="7" name="그림 6">
+            <a:extLst>
+              <a:ext uri="{FF2B5EF4-FFF2-40B4-BE49-F238E27FC236}">
+                <a16:creationId xmlns:a16="http://schemas.microsoft.com/office/drawing/2014/main" id="{F67F6AA5-8D1E-FB6A-A4C8-05698E3813EE}"/>
+              </a:ext>
+            </a:extLst>
+          </p:cNvPr>
+          <p:cNvPicPr>
+            <a:picLocks noChangeAspect="1"/>
+          </p:cNvPicPr>
+          <p:nvPr/>
+        </p:nvPicPr>
+        <p:blipFill>
+          <a:blip r:embed="rId3"/>
+          <a:stretch>
+            <a:fillRect/>
+          </a:stretch>
+        </p:blipFill>
+        <p:spPr>
+          <a:xfrm>
+            <a:off x="371185" y="6211535"/>
+            <a:ext cx="4134427" cy="552527"/>
+          </a:xfrm>
+          <a:prstGeom prst="rect">
+            <a:avLst/>
+          </a:prstGeom>
+        </p:spPr>
+      </p:pic>
+      <p:pic>
+        <p:nvPicPr>
+          <p:cNvPr id="9" name="그림 8">
+            <a:extLst>
+              <a:ext uri="{FF2B5EF4-FFF2-40B4-BE49-F238E27FC236}">
+                <a16:creationId xmlns:a16="http://schemas.microsoft.com/office/drawing/2014/main" id="{400AB2AA-AB01-85DA-219D-F754B4B0AAE1}"/>
+              </a:ext>
+            </a:extLst>
+          </p:cNvPr>
+          <p:cNvPicPr>
+            <a:picLocks noChangeAspect="1"/>
+          </p:cNvPicPr>
+          <p:nvPr/>
+        </p:nvPicPr>
+        <p:blipFill>
+          <a:blip r:embed="rId4"/>
+          <a:stretch>
+            <a:fillRect/>
+          </a:stretch>
+        </p:blipFill>
+        <p:spPr>
+          <a:xfrm>
+            <a:off x="6028807" y="5599092"/>
+            <a:ext cx="5792008" cy="1152686"/>
+          </a:xfrm>
+          <a:prstGeom prst="rect">
+            <a:avLst/>
+          </a:prstGeom>
+        </p:spPr>
+      </p:pic>
+    </p:spTree>
+    <p:extLst>
+      <p:ext uri="{BB962C8B-B14F-4D97-AF65-F5344CB8AC3E}">
+        <p14:creationId xmlns:p14="http://schemas.microsoft.com/office/powerpoint/2010/main" val="689947811"/>
+      </p:ext>
+    </p:extLst>
+  </p:cSld>
+  <p:clrMapOvr>
+    <a:masterClrMapping/>
+  </p:clrMapOvr>
+</p:sld>
+</file>
+
+<file path=ppt/slides/slide36.xml><?xml version="1.0" encoding="utf-8"?>
+<p:sld xmlns:a="http://schemas.openxmlformats.org/drawingml/2006/main" xmlns:r="http://schemas.openxmlformats.org/officeDocument/2006/relationships" xmlns:p="http://schemas.openxmlformats.org/presentationml/2006/main">
+  <p:cSld>
+    <p:spTree>
+      <p:nvGrpSpPr>
+        <p:cNvPr id="1" name=""/>
+        <p:cNvGrpSpPr/>
+        <p:nvPr/>
+      </p:nvGrpSpPr>
+      <p:grpSpPr>
+        <a:xfrm>
+          <a:off x="0" y="0"/>
+          <a:ext cx="0" cy="0"/>
+          <a:chOff x="0" y="0"/>
+          <a:chExt cx="0" cy="0"/>
+        </a:xfrm>
+      </p:grpSpPr>
+      <p:sp>
+        <p:nvSpPr>
+          <p:cNvPr id="2" name="제목 1">
+            <a:extLst>
+              <a:ext uri="{FF2B5EF4-FFF2-40B4-BE49-F238E27FC236}">
+                <a16:creationId xmlns:a16="http://schemas.microsoft.com/office/drawing/2014/main" id="{CFCDF4F8-40F6-C9DA-6B35-22C2B45B77EF}"/>
+              </a:ext>
+            </a:extLst>
+          </p:cNvPr>
+          <p:cNvSpPr txBox="1">
+            <a:spLocks/>
+          </p:cNvSpPr>
+          <p:nvPr/>
+        </p:nvSpPr>
+        <p:spPr>
+          <a:xfrm>
+            <a:off x="213360" y="412222"/>
+            <a:ext cx="10515600" cy="776498"/>
+          </a:xfrm>
+          <a:prstGeom prst="rect">
+            <a:avLst/>
+          </a:prstGeom>
+        </p:spPr>
+        <p:txBody>
+          <a:bodyPr vert="horz" lIns="91440" tIns="45720" rIns="91440" bIns="45720" rtlCol="0" anchor="ctr">
+            <a:normAutofit/>
+          </a:bodyPr>
+          <a:lstStyle>
+            <a:lvl1pPr algn="l" defTabSz="914400" rtl="0" eaLnBrk="1" latinLnBrk="1" hangingPunct="1">
+              <a:lnSpc>
+                <a:spcPct val="90000"/>
+              </a:lnSpc>
+              <a:spcBef>
+                <a:spcPct val="0"/>
+              </a:spcBef>
+              <a:buNone/>
+              <a:defRPr sz="4400" kern="1200">
+                <a:solidFill>
+                  <a:schemeClr val="tx1"/>
+                </a:solidFill>
+                <a:latin typeface="+mj-lt"/>
+                <a:ea typeface="+mj-ea"/>
+                <a:cs typeface="+mj-cs"/>
+              </a:defRPr>
+            </a:lvl1pPr>
+          </a:lstStyle>
+          <a:p>
+            <a:r>
+              <a:rPr lang="en-US" altLang="ko-KR" dirty="0" err="1"/>
+              <a:t>UIpNetDriver</a:t>
+            </a:r>
+            <a:r>
+              <a:rPr lang="en-US" altLang="ko-KR" dirty="0"/>
+              <a:t> </a:t>
+            </a:r>
+            <a:r>
+              <a:rPr lang="en-US" altLang="ko-KR" dirty="0" err="1"/>
+              <a:t>InitListen</a:t>
+            </a:r>
+            <a:r>
+              <a:rPr lang="en-US" altLang="ko-KR" dirty="0"/>
+              <a:t> 009</a:t>
+            </a:r>
+            <a:endParaRPr lang="ko-KR" altLang="en-US" dirty="0"/>
+          </a:p>
+        </p:txBody>
+      </p:sp>
+      <p:pic>
+        <p:nvPicPr>
+          <p:cNvPr id="5" name="그림 4">
+            <a:extLst>
+              <a:ext uri="{FF2B5EF4-FFF2-40B4-BE49-F238E27FC236}">
+                <a16:creationId xmlns:a16="http://schemas.microsoft.com/office/drawing/2014/main" id="{770FA334-A34C-F289-EEAC-5AF9CCCFB5BE}"/>
+              </a:ext>
+            </a:extLst>
+          </p:cNvPr>
+          <p:cNvPicPr>
+            <a:picLocks noChangeAspect="1"/>
+          </p:cNvPicPr>
+          <p:nvPr/>
+        </p:nvPicPr>
+        <p:blipFill>
+          <a:blip r:embed="rId2"/>
+          <a:stretch>
+            <a:fillRect/>
+          </a:stretch>
+        </p:blipFill>
+        <p:spPr>
+          <a:xfrm>
+            <a:off x="213360" y="1042219"/>
+            <a:ext cx="7141335" cy="5815781"/>
+          </a:xfrm>
+          <a:prstGeom prst="rect">
+            <a:avLst/>
+          </a:prstGeom>
+        </p:spPr>
+      </p:pic>
+      <p:sp>
+        <p:nvSpPr>
+          <p:cNvPr id="3" name="직사각형 2">
+            <a:extLst>
+              <a:ext uri="{FF2B5EF4-FFF2-40B4-BE49-F238E27FC236}">
+                <a16:creationId xmlns:a16="http://schemas.microsoft.com/office/drawing/2014/main" id="{797E1AD1-2E5A-7C35-9D53-5FBBF5DC5022}"/>
+              </a:ext>
+            </a:extLst>
+          </p:cNvPr>
+          <p:cNvSpPr/>
+          <p:nvPr/>
+        </p:nvSpPr>
+        <p:spPr>
+          <a:xfrm>
+            <a:off x="632460" y="5699760"/>
+            <a:ext cx="3230880" cy="358140"/>
+          </a:xfrm>
+          <a:prstGeom prst="rect">
+            <a:avLst/>
+          </a:prstGeom>
+          <a:noFill/>
+          <a:ln>
+            <a:solidFill>
+              <a:srgbClr val="FF0000"/>
+            </a:solidFill>
+          </a:ln>
+        </p:spPr>
+        <p:style>
+          <a:lnRef idx="2">
+            <a:schemeClr val="accent1">
+              <a:shade val="15000"/>
+            </a:schemeClr>
+          </a:lnRef>
+          <a:fillRef idx="1">
+            <a:schemeClr val="accent1"/>
+          </a:fillRef>
+          <a:effectRef idx="0">
+            <a:schemeClr val="accent1"/>
+          </a:effectRef>
+          <a:fontRef idx="minor">
+            <a:schemeClr val="lt1"/>
+          </a:fontRef>
+        </p:style>
+        <p:txBody>
+          <a:bodyPr rtlCol="0" anchor="ctr"/>
+          <a:lstStyle/>
+          <a:p>
+            <a:pPr algn="ctr"/>
+            <a:endParaRPr lang="ko-KR" altLang="en-US"/>
+          </a:p>
+        </p:txBody>
+      </p:sp>
+    </p:spTree>
+    <p:extLst>
+      <p:ext uri="{BB962C8B-B14F-4D97-AF65-F5344CB8AC3E}">
+        <p14:creationId xmlns:p14="http://schemas.microsoft.com/office/powerpoint/2010/main" val="788943236"/>
+      </p:ext>
+    </p:extLst>
+  </p:cSld>
+  <p:clrMapOvr>
+    <a:masterClrMapping/>
+  </p:clrMapOvr>
+</p:sld>
+</file>
+
+<file path=ppt/slides/slide37.xml><?xml version="1.0" encoding="utf-8"?>
+<p:sld xmlns:a="http://schemas.openxmlformats.org/drawingml/2006/main" xmlns:r="http://schemas.openxmlformats.org/officeDocument/2006/relationships" xmlns:p="http://schemas.openxmlformats.org/presentationml/2006/main">
+  <p:cSld>
+    <p:spTree>
+      <p:nvGrpSpPr>
+        <p:cNvPr id="1" name=""/>
+        <p:cNvGrpSpPr/>
+        <p:nvPr/>
+      </p:nvGrpSpPr>
+      <p:grpSpPr>
+        <a:xfrm>
+          <a:off x="0" y="0"/>
+          <a:ext cx="0" cy="0"/>
+          <a:chOff x="0" y="0"/>
+          <a:chExt cx="0" cy="0"/>
+        </a:xfrm>
+      </p:grpSpPr>
+      <p:sp>
+        <p:nvSpPr>
+          <p:cNvPr id="2" name="제목 1">
+            <a:extLst>
+              <a:ext uri="{FF2B5EF4-FFF2-40B4-BE49-F238E27FC236}">
+                <a16:creationId xmlns:a16="http://schemas.microsoft.com/office/drawing/2014/main" id="{CFCDF4F8-40F6-C9DA-6B35-22C2B45B77EF}"/>
+              </a:ext>
+            </a:extLst>
+          </p:cNvPr>
+          <p:cNvSpPr txBox="1">
+            <a:spLocks/>
+          </p:cNvSpPr>
+          <p:nvPr/>
+        </p:nvSpPr>
+        <p:spPr>
+          <a:xfrm>
+            <a:off x="213360" y="412222"/>
+            <a:ext cx="10515600" cy="776498"/>
+          </a:xfrm>
+          <a:prstGeom prst="rect">
+            <a:avLst/>
+          </a:prstGeom>
+        </p:spPr>
+        <p:txBody>
+          <a:bodyPr vert="horz" lIns="91440" tIns="45720" rIns="91440" bIns="45720" rtlCol="0" anchor="ctr">
+            <a:normAutofit fontScale="85000" lnSpcReduction="10000"/>
+          </a:bodyPr>
+          <a:lstStyle>
+            <a:lvl1pPr algn="l" defTabSz="914400" rtl="0" eaLnBrk="1" latinLnBrk="1" hangingPunct="1">
+              <a:lnSpc>
+                <a:spcPct val="90000"/>
+              </a:lnSpc>
+              <a:spcBef>
+                <a:spcPct val="0"/>
+              </a:spcBef>
+              <a:buNone/>
+              <a:defRPr sz="4400" kern="1200">
+                <a:solidFill>
+                  <a:schemeClr val="tx1"/>
+                </a:solidFill>
+                <a:latin typeface="+mj-lt"/>
+                <a:ea typeface="+mj-ea"/>
+                <a:cs typeface="+mj-cs"/>
+              </a:defRPr>
+            </a:lvl1pPr>
+          </a:lstStyle>
+          <a:p>
+            <a:r>
+              <a:rPr lang="en-US" altLang="ko-KR" dirty="0" err="1"/>
+              <a:t>UIpNetDriver</a:t>
+            </a:r>
+            <a:r>
+              <a:rPr lang="en-US" altLang="ko-KR" dirty="0"/>
+              <a:t> </a:t>
+            </a:r>
+            <a:r>
+              <a:rPr lang="en-US" altLang="ko-KR" dirty="0" err="1"/>
+              <a:t>InitConnectionlessHandler</a:t>
+            </a:r>
+            <a:r>
+              <a:rPr lang="en-US" altLang="ko-KR" dirty="0"/>
+              <a:t> 015</a:t>
+            </a:r>
+            <a:endParaRPr lang="ko-KR" altLang="en-US" dirty="0"/>
+          </a:p>
+        </p:txBody>
+      </p:sp>
+      <p:sp>
+        <p:nvSpPr>
+          <p:cNvPr id="3" name="직사각형 2">
+            <a:extLst>
+              <a:ext uri="{FF2B5EF4-FFF2-40B4-BE49-F238E27FC236}">
+                <a16:creationId xmlns:a16="http://schemas.microsoft.com/office/drawing/2014/main" id="{797E1AD1-2E5A-7C35-9D53-5FBBF5DC5022}"/>
+              </a:ext>
+            </a:extLst>
+          </p:cNvPr>
+          <p:cNvSpPr/>
+          <p:nvPr/>
+        </p:nvSpPr>
+        <p:spPr>
+          <a:xfrm>
+            <a:off x="632460" y="5699760"/>
+            <a:ext cx="3230880" cy="358140"/>
+          </a:xfrm>
+          <a:prstGeom prst="rect">
+            <a:avLst/>
+          </a:prstGeom>
+          <a:noFill/>
+          <a:ln>
+            <a:solidFill>
+              <a:srgbClr val="FF0000"/>
+            </a:solidFill>
+          </a:ln>
+        </p:spPr>
+        <p:style>
+          <a:lnRef idx="2">
+            <a:schemeClr val="accent1">
+              <a:shade val="15000"/>
+            </a:schemeClr>
+          </a:lnRef>
+          <a:fillRef idx="1">
+            <a:schemeClr val="accent1"/>
+          </a:fillRef>
+          <a:effectRef idx="0">
+            <a:schemeClr val="accent1"/>
+          </a:effectRef>
+          <a:fontRef idx="minor">
+            <a:schemeClr val="lt1"/>
+          </a:fontRef>
+        </p:style>
+        <p:txBody>
+          <a:bodyPr rtlCol="0" anchor="ctr"/>
+          <a:lstStyle/>
+          <a:p>
+            <a:pPr algn="ctr"/>
+            <a:endParaRPr lang="ko-KR" altLang="en-US"/>
+          </a:p>
+        </p:txBody>
+      </p:sp>
+      <p:pic>
+        <p:nvPicPr>
+          <p:cNvPr id="8" name="그림 7">
+            <a:extLst>
+              <a:ext uri="{FF2B5EF4-FFF2-40B4-BE49-F238E27FC236}">
+                <a16:creationId xmlns:a16="http://schemas.microsoft.com/office/drawing/2014/main" id="{7A703D24-E3D4-1F06-B227-1B15EEEDBA0B}"/>
+              </a:ext>
+            </a:extLst>
+          </p:cNvPr>
+          <p:cNvPicPr>
+            <a:picLocks noChangeAspect="1"/>
+          </p:cNvPicPr>
+          <p:nvPr/>
+        </p:nvPicPr>
+        <p:blipFill>
+          <a:blip r:embed="rId2"/>
+          <a:stretch>
+            <a:fillRect/>
+          </a:stretch>
+        </p:blipFill>
+        <p:spPr>
+          <a:xfrm>
+            <a:off x="213360" y="989781"/>
+            <a:ext cx="10345594" cy="5868219"/>
+          </a:xfrm>
+          <a:prstGeom prst="rect">
+            <a:avLst/>
+          </a:prstGeom>
+        </p:spPr>
+      </p:pic>
+    </p:spTree>
+    <p:extLst>
+      <p:ext uri="{BB962C8B-B14F-4D97-AF65-F5344CB8AC3E}">
+        <p14:creationId xmlns:p14="http://schemas.microsoft.com/office/powerpoint/2010/main" val="1100208142"/>
+      </p:ext>
+    </p:extLst>
+  </p:cSld>
+  <p:clrMapOvr>
+    <a:masterClrMapping/>
+  </p:clrMapOvr>
+</p:sld>
+</file>
+
+<file path=ppt/slides/slide38.xml><?xml version="1.0" encoding="utf-8"?>
+<p:sld xmlns:a="http://schemas.openxmlformats.org/drawingml/2006/main" xmlns:r="http://schemas.openxmlformats.org/officeDocument/2006/relationships" xmlns:p="http://schemas.openxmlformats.org/presentationml/2006/main">
+  <p:cSld>
+    <p:spTree>
+      <p:nvGrpSpPr>
+        <p:cNvPr id="1" name=""/>
+        <p:cNvGrpSpPr/>
+        <p:nvPr/>
+      </p:nvGrpSpPr>
+      <p:grpSpPr>
+        <a:xfrm>
+          <a:off x="0" y="0"/>
+          <a:ext cx="0" cy="0"/>
+          <a:chOff x="0" y="0"/>
+          <a:chExt cx="0" cy="0"/>
+        </a:xfrm>
+      </p:grpSpPr>
+      <p:sp>
+        <p:nvSpPr>
+          <p:cNvPr id="2" name="제목 1">
+            <a:extLst>
+              <a:ext uri="{FF2B5EF4-FFF2-40B4-BE49-F238E27FC236}">
+                <a16:creationId xmlns:a16="http://schemas.microsoft.com/office/drawing/2014/main" id="{CFCDF4F8-40F6-C9DA-6B35-22C2B45B77EF}"/>
+              </a:ext>
+            </a:extLst>
+          </p:cNvPr>
+          <p:cNvSpPr txBox="1">
+            <a:spLocks/>
+          </p:cNvSpPr>
+          <p:nvPr/>
+        </p:nvSpPr>
+        <p:spPr>
+          <a:xfrm>
+            <a:off x="213360" y="412222"/>
+            <a:ext cx="10515600" cy="776498"/>
+          </a:xfrm>
+          <a:prstGeom prst="rect">
+            <a:avLst/>
+          </a:prstGeom>
+        </p:spPr>
+        <p:txBody>
+          <a:bodyPr vert="horz" lIns="91440" tIns="45720" rIns="91440" bIns="45720" rtlCol="0" anchor="ctr">
+            <a:normAutofit fontScale="85000" lnSpcReduction="10000"/>
+          </a:bodyPr>
+          <a:lstStyle>
+            <a:lvl1pPr algn="l" defTabSz="914400" rtl="0" eaLnBrk="1" latinLnBrk="1" hangingPunct="1">
+              <a:lnSpc>
+                <a:spcPct val="90000"/>
+              </a:lnSpc>
+              <a:spcBef>
+                <a:spcPct val="0"/>
+              </a:spcBef>
+              <a:buNone/>
+              <a:defRPr sz="4400" kern="1200">
+                <a:solidFill>
+                  <a:schemeClr val="tx1"/>
+                </a:solidFill>
+                <a:latin typeface="+mj-lt"/>
+                <a:ea typeface="+mj-ea"/>
+                <a:cs typeface="+mj-cs"/>
+              </a:defRPr>
+            </a:lvl1pPr>
+          </a:lstStyle>
+          <a:p>
+            <a:r>
+              <a:rPr lang="en-US" altLang="ko-KR" dirty="0" err="1"/>
+              <a:t>UIpNetDriver</a:t>
+            </a:r>
+            <a:r>
+              <a:rPr lang="en-US" altLang="ko-KR" dirty="0"/>
+              <a:t> </a:t>
+            </a:r>
+            <a:r>
+              <a:rPr lang="en-US" altLang="ko-KR" dirty="0" err="1"/>
+              <a:t>InitConnectionlessHandler</a:t>
+            </a:r>
+            <a:r>
+              <a:rPr lang="en-US" altLang="ko-KR" dirty="0"/>
+              <a:t> 015</a:t>
+            </a:r>
+            <a:endParaRPr lang="ko-KR" altLang="en-US" dirty="0"/>
+          </a:p>
+        </p:txBody>
+      </p:sp>
+      <p:sp>
+        <p:nvSpPr>
+          <p:cNvPr id="3" name="직사각형 2">
+            <a:extLst>
+              <a:ext uri="{FF2B5EF4-FFF2-40B4-BE49-F238E27FC236}">
+                <a16:creationId xmlns:a16="http://schemas.microsoft.com/office/drawing/2014/main" id="{797E1AD1-2E5A-7C35-9D53-5FBBF5DC5022}"/>
+              </a:ext>
+            </a:extLst>
+          </p:cNvPr>
+          <p:cNvSpPr/>
+          <p:nvPr/>
+        </p:nvSpPr>
+        <p:spPr>
+          <a:xfrm>
+            <a:off x="632460" y="5699760"/>
+            <a:ext cx="3230880" cy="358140"/>
+          </a:xfrm>
+          <a:prstGeom prst="rect">
+            <a:avLst/>
+          </a:prstGeom>
+          <a:noFill/>
+          <a:ln>
+            <a:solidFill>
+              <a:srgbClr val="FF0000"/>
+            </a:solidFill>
+          </a:ln>
+        </p:spPr>
+        <p:style>
+          <a:lnRef idx="2">
+            <a:schemeClr val="accent1">
+              <a:shade val="15000"/>
+            </a:schemeClr>
+          </a:lnRef>
+          <a:fillRef idx="1">
+            <a:schemeClr val="accent1"/>
+          </a:fillRef>
+          <a:effectRef idx="0">
+            <a:schemeClr val="accent1"/>
+          </a:effectRef>
+          <a:fontRef idx="minor">
+            <a:schemeClr val="lt1"/>
+          </a:fontRef>
+        </p:style>
+        <p:txBody>
+          <a:bodyPr rtlCol="0" anchor="ctr"/>
+          <a:lstStyle/>
+          <a:p>
+            <a:pPr algn="ctr"/>
+            <a:endParaRPr lang="ko-KR" altLang="en-US"/>
+          </a:p>
+        </p:txBody>
+      </p:sp>
+      <p:pic>
+        <p:nvPicPr>
+          <p:cNvPr id="5" name="그림 4">
+            <a:extLst>
+              <a:ext uri="{FF2B5EF4-FFF2-40B4-BE49-F238E27FC236}">
+                <a16:creationId xmlns:a16="http://schemas.microsoft.com/office/drawing/2014/main" id="{5390429E-BF78-CA7B-F5D1-702EC6C7AD2E}"/>
+              </a:ext>
+            </a:extLst>
+          </p:cNvPr>
+          <p:cNvPicPr>
+            <a:picLocks noChangeAspect="1"/>
+          </p:cNvPicPr>
+          <p:nvPr/>
+        </p:nvPicPr>
+        <p:blipFill>
+          <a:blip r:embed="rId2"/>
+          <a:stretch>
+            <a:fillRect/>
+          </a:stretch>
+        </p:blipFill>
+        <p:spPr>
+          <a:xfrm>
+            <a:off x="213360" y="0"/>
+            <a:ext cx="10368134" cy="6858000"/>
+          </a:xfrm>
+          <a:prstGeom prst="rect">
+            <a:avLst/>
+          </a:prstGeom>
+        </p:spPr>
+      </p:pic>
+    </p:spTree>
+    <p:extLst>
+      <p:ext uri="{BB962C8B-B14F-4D97-AF65-F5344CB8AC3E}">
+        <p14:creationId xmlns:p14="http://schemas.microsoft.com/office/powerpoint/2010/main" val="2426771115"/>
+      </p:ext>
+    </p:extLst>
+  </p:cSld>
+  <p:clrMapOvr>
+    <a:masterClrMapping/>
+  </p:clrMapOvr>
+</p:sld>
+</file>
+
+<file path=ppt/slides/slide39.xml><?xml version="1.0" encoding="utf-8"?>
+<p:sld xmlns:a="http://schemas.openxmlformats.org/drawingml/2006/main" xmlns:r="http://schemas.openxmlformats.org/officeDocument/2006/relationships" xmlns:p="http://schemas.openxmlformats.org/presentationml/2006/main">
+  <p:cSld>
+    <p:spTree>
+      <p:nvGrpSpPr>
+        <p:cNvPr id="1" name=""/>
+        <p:cNvGrpSpPr/>
+        <p:nvPr/>
+      </p:nvGrpSpPr>
+      <p:grpSpPr>
+        <a:xfrm>
+          <a:off x="0" y="0"/>
+          <a:ext cx="0" cy="0"/>
+          <a:chOff x="0" y="0"/>
+          <a:chExt cx="0" cy="0"/>
+        </a:xfrm>
+      </p:grpSpPr>
+      <p:sp>
+        <p:nvSpPr>
+          <p:cNvPr id="2" name="제목 1">
+            <a:extLst>
+              <a:ext uri="{FF2B5EF4-FFF2-40B4-BE49-F238E27FC236}">
+                <a16:creationId xmlns:a16="http://schemas.microsoft.com/office/drawing/2014/main" id="{CFCDF4F8-40F6-C9DA-6B35-22C2B45B77EF}"/>
+              </a:ext>
+            </a:extLst>
+          </p:cNvPr>
+          <p:cNvSpPr txBox="1">
+            <a:spLocks/>
+          </p:cNvSpPr>
+          <p:nvPr/>
+        </p:nvSpPr>
+        <p:spPr>
+          <a:xfrm>
+            <a:off x="213360" y="412222"/>
+            <a:ext cx="10515600" cy="776498"/>
+          </a:xfrm>
+          <a:prstGeom prst="rect">
+            <a:avLst/>
+          </a:prstGeom>
+        </p:spPr>
+        <p:txBody>
+          <a:bodyPr vert="horz" lIns="91440" tIns="45720" rIns="91440" bIns="45720" rtlCol="0" anchor="ctr">
+            <a:normAutofit fontScale="85000" lnSpcReduction="10000"/>
+          </a:bodyPr>
+          <a:lstStyle>
+            <a:lvl1pPr algn="l" defTabSz="914400" rtl="0" eaLnBrk="1" latinLnBrk="1" hangingPunct="1">
+              <a:lnSpc>
+                <a:spcPct val="90000"/>
+              </a:lnSpc>
+              <a:spcBef>
+                <a:spcPct val="0"/>
+              </a:spcBef>
+              <a:buNone/>
+              <a:defRPr sz="4400" kern="1200">
+                <a:solidFill>
+                  <a:schemeClr val="tx1"/>
+                </a:solidFill>
+                <a:latin typeface="+mj-lt"/>
+                <a:ea typeface="+mj-ea"/>
+                <a:cs typeface="+mj-cs"/>
+              </a:defRPr>
+            </a:lvl1pPr>
+          </a:lstStyle>
+          <a:p>
+            <a:r>
+              <a:rPr lang="en-US" altLang="ko-KR" dirty="0" err="1"/>
+              <a:t>UIpNetDriver</a:t>
+            </a:r>
+            <a:r>
+              <a:rPr lang="en-US" altLang="ko-KR" dirty="0"/>
+              <a:t> </a:t>
+            </a:r>
+            <a:r>
+              <a:rPr lang="en-US" altLang="ko-KR" dirty="0" err="1"/>
+              <a:t>InitConnectionlessHandler</a:t>
+            </a:r>
+            <a:r>
+              <a:rPr lang="en-US" altLang="ko-KR" dirty="0"/>
+              <a:t> 015</a:t>
+            </a:r>
+            <a:endParaRPr lang="ko-KR" altLang="en-US" dirty="0"/>
+          </a:p>
+        </p:txBody>
+      </p:sp>
+      <p:pic>
+        <p:nvPicPr>
+          <p:cNvPr id="6" name="그림 5">
+            <a:extLst>
+              <a:ext uri="{FF2B5EF4-FFF2-40B4-BE49-F238E27FC236}">
+                <a16:creationId xmlns:a16="http://schemas.microsoft.com/office/drawing/2014/main" id="{A065422D-C7DD-3C09-3D09-0CAAE663A1DB}"/>
+              </a:ext>
+            </a:extLst>
+          </p:cNvPr>
+          <p:cNvPicPr>
+            <a:picLocks noChangeAspect="1"/>
+          </p:cNvPicPr>
+          <p:nvPr/>
+        </p:nvPicPr>
+        <p:blipFill>
+          <a:blip r:embed="rId2"/>
+          <a:stretch>
+            <a:fillRect/>
+          </a:stretch>
+        </p:blipFill>
+        <p:spPr>
+          <a:xfrm>
+            <a:off x="213360" y="1188720"/>
+            <a:ext cx="11145805" cy="3162741"/>
+          </a:xfrm>
+          <a:prstGeom prst="rect">
+            <a:avLst/>
+          </a:prstGeom>
+        </p:spPr>
+      </p:pic>
+    </p:spTree>
+    <p:extLst>
+      <p:ext uri="{BB962C8B-B14F-4D97-AF65-F5344CB8AC3E}">
+        <p14:creationId xmlns:p14="http://schemas.microsoft.com/office/powerpoint/2010/main" val="3133792133"/>
       </p:ext>
     </p:extLst>
   </p:cSld>
@@ -6426,6 +8780,1340 @@
 </p:sld>
 </file>
 
+<file path=ppt/slides/slide40.xml><?xml version="1.0" encoding="utf-8"?>
+<p:sld xmlns:a="http://schemas.openxmlformats.org/drawingml/2006/main" xmlns:r="http://schemas.openxmlformats.org/officeDocument/2006/relationships" xmlns:p="http://schemas.openxmlformats.org/presentationml/2006/main">
+  <p:cSld>
+    <p:spTree>
+      <p:nvGrpSpPr>
+        <p:cNvPr id="1" name=""/>
+        <p:cNvGrpSpPr/>
+        <p:nvPr/>
+      </p:nvGrpSpPr>
+      <p:grpSpPr>
+        <a:xfrm>
+          <a:off x="0" y="0"/>
+          <a:ext cx="0" cy="0"/>
+          <a:chOff x="0" y="0"/>
+          <a:chExt cx="0" cy="0"/>
+        </a:xfrm>
+      </p:grpSpPr>
+      <p:sp>
+        <p:nvSpPr>
+          <p:cNvPr id="2" name="제목 1">
+            <a:extLst>
+              <a:ext uri="{FF2B5EF4-FFF2-40B4-BE49-F238E27FC236}">
+                <a16:creationId xmlns:a16="http://schemas.microsoft.com/office/drawing/2014/main" id="{CFCDF4F8-40F6-C9DA-6B35-22C2B45B77EF}"/>
+              </a:ext>
+            </a:extLst>
+          </p:cNvPr>
+          <p:cNvSpPr txBox="1">
+            <a:spLocks/>
+          </p:cNvSpPr>
+          <p:nvPr/>
+        </p:nvSpPr>
+        <p:spPr>
+          <a:xfrm>
+            <a:off x="213360" y="412222"/>
+            <a:ext cx="10515600" cy="776498"/>
+          </a:xfrm>
+          <a:prstGeom prst="rect">
+            <a:avLst/>
+          </a:prstGeom>
+        </p:spPr>
+        <p:txBody>
+          <a:bodyPr vert="horz" lIns="91440" tIns="45720" rIns="91440" bIns="45720" rtlCol="0" anchor="ctr">
+            <a:normAutofit fontScale="85000" lnSpcReduction="10000"/>
+          </a:bodyPr>
+          <a:lstStyle>
+            <a:lvl1pPr algn="l" defTabSz="914400" rtl="0" eaLnBrk="1" latinLnBrk="1" hangingPunct="1">
+              <a:lnSpc>
+                <a:spcPct val="90000"/>
+              </a:lnSpc>
+              <a:spcBef>
+                <a:spcPct val="0"/>
+              </a:spcBef>
+              <a:buNone/>
+              <a:defRPr sz="4400" kern="1200">
+                <a:solidFill>
+                  <a:schemeClr val="tx1"/>
+                </a:solidFill>
+                <a:latin typeface="+mj-lt"/>
+                <a:ea typeface="+mj-ea"/>
+                <a:cs typeface="+mj-cs"/>
+              </a:defRPr>
+            </a:lvl1pPr>
+          </a:lstStyle>
+          <a:p>
+            <a:r>
+              <a:rPr lang="en-US" altLang="ko-KR" dirty="0" err="1"/>
+              <a:t>UIpNetDriver</a:t>
+            </a:r>
+            <a:r>
+              <a:rPr lang="en-US" altLang="ko-KR" dirty="0"/>
+              <a:t> </a:t>
+            </a:r>
+            <a:r>
+              <a:rPr lang="en-US" altLang="ko-KR" dirty="0" err="1"/>
+              <a:t>InitConnectionlessHandler</a:t>
+            </a:r>
+            <a:r>
+              <a:rPr lang="en-US" altLang="ko-KR" dirty="0"/>
+              <a:t> 015</a:t>
+            </a:r>
+            <a:endParaRPr lang="ko-KR" altLang="en-US" dirty="0"/>
+          </a:p>
+        </p:txBody>
+      </p:sp>
+      <p:pic>
+        <p:nvPicPr>
+          <p:cNvPr id="5" name="그림 4">
+            <a:extLst>
+              <a:ext uri="{FF2B5EF4-FFF2-40B4-BE49-F238E27FC236}">
+                <a16:creationId xmlns:a16="http://schemas.microsoft.com/office/drawing/2014/main" id="{43A4676D-8B6F-CE53-CD82-3373D5B1C32B}"/>
+              </a:ext>
+            </a:extLst>
+          </p:cNvPr>
+          <p:cNvPicPr>
+            <a:picLocks noChangeAspect="1"/>
+          </p:cNvPicPr>
+          <p:nvPr/>
+        </p:nvPicPr>
+        <p:blipFill>
+          <a:blip r:embed="rId2">
+            <a:extLst>
+              <a:ext uri="{28A0092B-C50C-407E-A947-70E740481C1C}">
+                <a14:useLocalDpi xmlns:a14="http://schemas.microsoft.com/office/drawing/2010/main" val="0"/>
+              </a:ext>
+            </a:extLst>
+          </a:blip>
+          <a:stretch>
+            <a:fillRect/>
+          </a:stretch>
+        </p:blipFill>
+        <p:spPr>
+          <a:xfrm>
+            <a:off x="1328737" y="319087"/>
+            <a:ext cx="9534525" cy="6219825"/>
+          </a:xfrm>
+          <a:prstGeom prst="rect">
+            <a:avLst/>
+          </a:prstGeom>
+        </p:spPr>
+      </p:pic>
+    </p:spTree>
+    <p:extLst>
+      <p:ext uri="{BB962C8B-B14F-4D97-AF65-F5344CB8AC3E}">
+        <p14:creationId xmlns:p14="http://schemas.microsoft.com/office/powerpoint/2010/main" val="3358597581"/>
+      </p:ext>
+    </p:extLst>
+  </p:cSld>
+  <p:clrMapOvr>
+    <a:masterClrMapping/>
+  </p:clrMapOvr>
+</p:sld>
+</file>
+
+<file path=ppt/slides/slide41.xml><?xml version="1.0" encoding="utf-8"?>
+<p:sld xmlns:a="http://schemas.openxmlformats.org/drawingml/2006/main" xmlns:r="http://schemas.openxmlformats.org/officeDocument/2006/relationships" xmlns:p="http://schemas.openxmlformats.org/presentationml/2006/main">
+  <p:cSld>
+    <p:spTree>
+      <p:nvGrpSpPr>
+        <p:cNvPr id="1" name=""/>
+        <p:cNvGrpSpPr/>
+        <p:nvPr/>
+      </p:nvGrpSpPr>
+      <p:grpSpPr>
+        <a:xfrm>
+          <a:off x="0" y="0"/>
+          <a:ext cx="0" cy="0"/>
+          <a:chOff x="0" y="0"/>
+          <a:chExt cx="0" cy="0"/>
+        </a:xfrm>
+      </p:grpSpPr>
+      <p:sp>
+        <p:nvSpPr>
+          <p:cNvPr id="2" name="제목 1">
+            <a:extLst>
+              <a:ext uri="{FF2B5EF4-FFF2-40B4-BE49-F238E27FC236}">
+                <a16:creationId xmlns:a16="http://schemas.microsoft.com/office/drawing/2014/main" id="{CFCDF4F8-40F6-C9DA-6B35-22C2B45B77EF}"/>
+              </a:ext>
+            </a:extLst>
+          </p:cNvPr>
+          <p:cNvSpPr txBox="1">
+            <a:spLocks/>
+          </p:cNvSpPr>
+          <p:nvPr/>
+        </p:nvSpPr>
+        <p:spPr>
+          <a:xfrm>
+            <a:off x="213360" y="412222"/>
+            <a:ext cx="10515600" cy="776498"/>
+          </a:xfrm>
+          <a:prstGeom prst="rect">
+            <a:avLst/>
+          </a:prstGeom>
+        </p:spPr>
+        <p:txBody>
+          <a:bodyPr vert="horz" lIns="91440" tIns="45720" rIns="91440" bIns="45720" rtlCol="0" anchor="ctr">
+            <a:normAutofit/>
+          </a:bodyPr>
+          <a:lstStyle>
+            <a:lvl1pPr algn="l" defTabSz="914400" rtl="0" eaLnBrk="1" latinLnBrk="1" hangingPunct="1">
+              <a:lnSpc>
+                <a:spcPct val="90000"/>
+              </a:lnSpc>
+              <a:spcBef>
+                <a:spcPct val="0"/>
+              </a:spcBef>
+              <a:buNone/>
+              <a:defRPr sz="4400" kern="1200">
+                <a:solidFill>
+                  <a:schemeClr val="tx1"/>
+                </a:solidFill>
+                <a:latin typeface="+mj-lt"/>
+                <a:ea typeface="+mj-ea"/>
+                <a:cs typeface="+mj-cs"/>
+              </a:defRPr>
+            </a:lvl1pPr>
+          </a:lstStyle>
+          <a:p>
+            <a:r>
+              <a:rPr lang="en-US" altLang="ko-KR" dirty="0" err="1"/>
+              <a:t>PacketHandler</a:t>
+            </a:r>
+            <a:r>
+              <a:rPr lang="en-US" altLang="ko-KR" dirty="0"/>
+              <a:t> Initialize 016</a:t>
+            </a:r>
+            <a:endParaRPr lang="ko-KR" altLang="en-US" dirty="0"/>
+          </a:p>
+        </p:txBody>
+      </p:sp>
+      <p:pic>
+        <p:nvPicPr>
+          <p:cNvPr id="8" name="그림 7">
+            <a:extLst>
+              <a:ext uri="{FF2B5EF4-FFF2-40B4-BE49-F238E27FC236}">
+                <a16:creationId xmlns:a16="http://schemas.microsoft.com/office/drawing/2014/main" id="{9E35C44B-2563-2CE2-20D1-D0672DDA610A}"/>
+              </a:ext>
+            </a:extLst>
+          </p:cNvPr>
+          <p:cNvPicPr>
+            <a:picLocks noChangeAspect="1"/>
+          </p:cNvPicPr>
+          <p:nvPr/>
+        </p:nvPicPr>
+        <p:blipFill>
+          <a:blip r:embed="rId2"/>
+          <a:stretch>
+            <a:fillRect/>
+          </a:stretch>
+        </p:blipFill>
+        <p:spPr>
+          <a:xfrm>
+            <a:off x="213360" y="1188720"/>
+            <a:ext cx="9631119" cy="2419688"/>
+          </a:xfrm>
+          <a:prstGeom prst="rect">
+            <a:avLst/>
+          </a:prstGeom>
+        </p:spPr>
+      </p:pic>
+    </p:spTree>
+    <p:extLst>
+      <p:ext uri="{BB962C8B-B14F-4D97-AF65-F5344CB8AC3E}">
+        <p14:creationId xmlns:p14="http://schemas.microsoft.com/office/powerpoint/2010/main" val="908051159"/>
+      </p:ext>
+    </p:extLst>
+  </p:cSld>
+  <p:clrMapOvr>
+    <a:masterClrMapping/>
+  </p:clrMapOvr>
+</p:sld>
+</file>
+
+<file path=ppt/slides/slide42.xml><?xml version="1.0" encoding="utf-8"?>
+<p:sld xmlns:a="http://schemas.openxmlformats.org/drawingml/2006/main" xmlns:r="http://schemas.openxmlformats.org/officeDocument/2006/relationships" xmlns:p="http://schemas.openxmlformats.org/presentationml/2006/main">
+  <p:cSld>
+    <p:spTree>
+      <p:nvGrpSpPr>
+        <p:cNvPr id="1" name=""/>
+        <p:cNvGrpSpPr/>
+        <p:nvPr/>
+      </p:nvGrpSpPr>
+      <p:grpSpPr>
+        <a:xfrm>
+          <a:off x="0" y="0"/>
+          <a:ext cx="0" cy="0"/>
+          <a:chOff x="0" y="0"/>
+          <a:chExt cx="0" cy="0"/>
+        </a:xfrm>
+      </p:grpSpPr>
+      <p:sp>
+        <p:nvSpPr>
+          <p:cNvPr id="2" name="제목 1">
+            <a:extLst>
+              <a:ext uri="{FF2B5EF4-FFF2-40B4-BE49-F238E27FC236}">
+                <a16:creationId xmlns:a16="http://schemas.microsoft.com/office/drawing/2014/main" id="{CFCDF4F8-40F6-C9DA-6B35-22C2B45B77EF}"/>
+              </a:ext>
+            </a:extLst>
+          </p:cNvPr>
+          <p:cNvSpPr txBox="1">
+            <a:spLocks/>
+          </p:cNvSpPr>
+          <p:nvPr/>
+        </p:nvSpPr>
+        <p:spPr>
+          <a:xfrm>
+            <a:off x="213360" y="412222"/>
+            <a:ext cx="10515600" cy="776498"/>
+          </a:xfrm>
+          <a:prstGeom prst="rect">
+            <a:avLst/>
+          </a:prstGeom>
+        </p:spPr>
+        <p:txBody>
+          <a:bodyPr vert="horz" lIns="91440" tIns="45720" rIns="91440" bIns="45720" rtlCol="0" anchor="ctr">
+            <a:normAutofit/>
+          </a:bodyPr>
+          <a:lstStyle>
+            <a:lvl1pPr algn="l" defTabSz="914400" rtl="0" eaLnBrk="1" latinLnBrk="1" hangingPunct="1">
+              <a:lnSpc>
+                <a:spcPct val="90000"/>
+              </a:lnSpc>
+              <a:spcBef>
+                <a:spcPct val="0"/>
+              </a:spcBef>
+              <a:buNone/>
+              <a:defRPr sz="4400" kern="1200">
+                <a:solidFill>
+                  <a:schemeClr val="tx1"/>
+                </a:solidFill>
+                <a:latin typeface="+mj-lt"/>
+                <a:ea typeface="+mj-ea"/>
+                <a:cs typeface="+mj-cs"/>
+              </a:defRPr>
+            </a:lvl1pPr>
+          </a:lstStyle>
+          <a:p>
+            <a:r>
+              <a:rPr lang="en-US" altLang="ko-KR" dirty="0" err="1"/>
+              <a:t>PacketHandler</a:t>
+            </a:r>
+            <a:r>
+              <a:rPr lang="en-US" altLang="ko-KR" dirty="0"/>
+              <a:t> </a:t>
+            </a:r>
+            <a:r>
+              <a:rPr lang="en-US" altLang="ko-KR" dirty="0" err="1"/>
+              <a:t>AddHandler</a:t>
+            </a:r>
+            <a:r>
+              <a:rPr lang="en-US" altLang="ko-KR" dirty="0"/>
+              <a:t> 017</a:t>
+            </a:r>
+            <a:endParaRPr lang="ko-KR" altLang="en-US" dirty="0"/>
+          </a:p>
+        </p:txBody>
+      </p:sp>
+      <p:pic>
+        <p:nvPicPr>
+          <p:cNvPr id="4" name="그림 3">
+            <a:extLst>
+              <a:ext uri="{FF2B5EF4-FFF2-40B4-BE49-F238E27FC236}">
+                <a16:creationId xmlns:a16="http://schemas.microsoft.com/office/drawing/2014/main" id="{A9F6B930-B590-F651-55E4-49F2AC511504}"/>
+              </a:ext>
+            </a:extLst>
+          </p:cNvPr>
+          <p:cNvPicPr>
+            <a:picLocks noChangeAspect="1"/>
+          </p:cNvPicPr>
+          <p:nvPr/>
+        </p:nvPicPr>
+        <p:blipFill>
+          <a:blip r:embed="rId2"/>
+          <a:stretch>
+            <a:fillRect/>
+          </a:stretch>
+        </p:blipFill>
+        <p:spPr>
+          <a:xfrm>
+            <a:off x="213360" y="1188720"/>
+            <a:ext cx="8869013" cy="4515480"/>
+          </a:xfrm>
+          <a:prstGeom prst="rect">
+            <a:avLst/>
+          </a:prstGeom>
+        </p:spPr>
+      </p:pic>
+    </p:spTree>
+    <p:extLst>
+      <p:ext uri="{BB962C8B-B14F-4D97-AF65-F5344CB8AC3E}">
+        <p14:creationId xmlns:p14="http://schemas.microsoft.com/office/powerpoint/2010/main" val="2825748880"/>
+      </p:ext>
+    </p:extLst>
+  </p:cSld>
+  <p:clrMapOvr>
+    <a:masterClrMapping/>
+  </p:clrMapOvr>
+</p:sld>
+</file>
+
+<file path=ppt/slides/slide43.xml><?xml version="1.0" encoding="utf-8"?>
+<p:sld xmlns:a="http://schemas.openxmlformats.org/drawingml/2006/main" xmlns:r="http://schemas.openxmlformats.org/officeDocument/2006/relationships" xmlns:p="http://schemas.openxmlformats.org/presentationml/2006/main">
+  <p:cSld>
+    <p:spTree>
+      <p:nvGrpSpPr>
+        <p:cNvPr id="1" name=""/>
+        <p:cNvGrpSpPr/>
+        <p:nvPr/>
+      </p:nvGrpSpPr>
+      <p:grpSpPr>
+        <a:xfrm>
+          <a:off x="0" y="0"/>
+          <a:ext cx="0" cy="0"/>
+          <a:chOff x="0" y="0"/>
+          <a:chExt cx="0" cy="0"/>
+        </a:xfrm>
+      </p:grpSpPr>
+      <p:sp>
+        <p:nvSpPr>
+          <p:cNvPr id="2" name="제목 1">
+            <a:extLst>
+              <a:ext uri="{FF2B5EF4-FFF2-40B4-BE49-F238E27FC236}">
+                <a16:creationId xmlns:a16="http://schemas.microsoft.com/office/drawing/2014/main" id="{CFCDF4F8-40F6-C9DA-6B35-22C2B45B77EF}"/>
+              </a:ext>
+            </a:extLst>
+          </p:cNvPr>
+          <p:cNvSpPr txBox="1">
+            <a:spLocks/>
+          </p:cNvSpPr>
+          <p:nvPr/>
+        </p:nvSpPr>
+        <p:spPr>
+          <a:xfrm>
+            <a:off x="213360" y="412222"/>
+            <a:ext cx="10515600" cy="776498"/>
+          </a:xfrm>
+          <a:prstGeom prst="rect">
+            <a:avLst/>
+          </a:prstGeom>
+        </p:spPr>
+        <p:txBody>
+          <a:bodyPr vert="horz" lIns="91440" tIns="45720" rIns="91440" bIns="45720" rtlCol="0" anchor="ctr">
+            <a:normAutofit/>
+          </a:bodyPr>
+          <a:lstStyle>
+            <a:lvl1pPr algn="l" defTabSz="914400" rtl="0" eaLnBrk="1" latinLnBrk="1" hangingPunct="1">
+              <a:lnSpc>
+                <a:spcPct val="90000"/>
+              </a:lnSpc>
+              <a:spcBef>
+                <a:spcPct val="0"/>
+              </a:spcBef>
+              <a:buNone/>
+              <a:defRPr sz="4400" kern="1200">
+                <a:solidFill>
+                  <a:schemeClr val="tx1"/>
+                </a:solidFill>
+                <a:latin typeface="+mj-lt"/>
+                <a:ea typeface="+mj-ea"/>
+                <a:cs typeface="+mj-cs"/>
+              </a:defRPr>
+            </a:lvl1pPr>
+          </a:lstStyle>
+          <a:p>
+            <a:r>
+              <a:rPr lang="en-US" altLang="ko-KR" dirty="0" err="1"/>
+              <a:t>PacketHandler</a:t>
+            </a:r>
+            <a:r>
+              <a:rPr lang="en-US" altLang="ko-KR" dirty="0"/>
+              <a:t> </a:t>
+            </a:r>
+            <a:r>
+              <a:rPr lang="en-US" altLang="ko-KR" dirty="0" err="1"/>
+              <a:t>AddHandler</a:t>
+            </a:r>
+            <a:r>
+              <a:rPr lang="en-US" altLang="ko-KR" dirty="0"/>
+              <a:t> 017</a:t>
+            </a:r>
+            <a:endParaRPr lang="ko-KR" altLang="en-US" dirty="0"/>
+          </a:p>
+        </p:txBody>
+      </p:sp>
+      <p:pic>
+        <p:nvPicPr>
+          <p:cNvPr id="5" name="그림 4">
+            <a:extLst>
+              <a:ext uri="{FF2B5EF4-FFF2-40B4-BE49-F238E27FC236}">
+                <a16:creationId xmlns:a16="http://schemas.microsoft.com/office/drawing/2014/main" id="{53BC6CE3-0119-1301-D2FA-40EDFC89C8CE}"/>
+              </a:ext>
+            </a:extLst>
+          </p:cNvPr>
+          <p:cNvPicPr>
+            <a:picLocks noChangeAspect="1"/>
+          </p:cNvPicPr>
+          <p:nvPr/>
+        </p:nvPicPr>
+        <p:blipFill>
+          <a:blip r:embed="rId2"/>
+          <a:stretch>
+            <a:fillRect/>
+          </a:stretch>
+        </p:blipFill>
+        <p:spPr>
+          <a:xfrm>
+            <a:off x="213360" y="412222"/>
+            <a:ext cx="5096586" cy="6468378"/>
+          </a:xfrm>
+          <a:prstGeom prst="rect">
+            <a:avLst/>
+          </a:prstGeom>
+        </p:spPr>
+      </p:pic>
+    </p:spTree>
+    <p:extLst>
+      <p:ext uri="{BB962C8B-B14F-4D97-AF65-F5344CB8AC3E}">
+        <p14:creationId xmlns:p14="http://schemas.microsoft.com/office/powerpoint/2010/main" val="3929789734"/>
+      </p:ext>
+    </p:extLst>
+  </p:cSld>
+  <p:clrMapOvr>
+    <a:masterClrMapping/>
+  </p:clrMapOvr>
+</p:sld>
+</file>
+
+<file path=ppt/slides/slide44.xml><?xml version="1.0" encoding="utf-8"?>
+<p:sld xmlns:a="http://schemas.openxmlformats.org/drawingml/2006/main" xmlns:r="http://schemas.openxmlformats.org/officeDocument/2006/relationships" xmlns:p="http://schemas.openxmlformats.org/presentationml/2006/main">
+  <p:cSld>
+    <p:spTree>
+      <p:nvGrpSpPr>
+        <p:cNvPr id="1" name=""/>
+        <p:cNvGrpSpPr/>
+        <p:nvPr/>
+      </p:nvGrpSpPr>
+      <p:grpSpPr>
+        <a:xfrm>
+          <a:off x="0" y="0"/>
+          <a:ext cx="0" cy="0"/>
+          <a:chOff x="0" y="0"/>
+          <a:chExt cx="0" cy="0"/>
+        </a:xfrm>
+      </p:grpSpPr>
+      <p:sp>
+        <p:nvSpPr>
+          <p:cNvPr id="2" name="제목 1">
+            <a:extLst>
+              <a:ext uri="{FF2B5EF4-FFF2-40B4-BE49-F238E27FC236}">
+                <a16:creationId xmlns:a16="http://schemas.microsoft.com/office/drawing/2014/main" id="{CFCDF4F8-40F6-C9DA-6B35-22C2B45B77EF}"/>
+              </a:ext>
+            </a:extLst>
+          </p:cNvPr>
+          <p:cNvSpPr txBox="1">
+            <a:spLocks/>
+          </p:cNvSpPr>
+          <p:nvPr/>
+        </p:nvSpPr>
+        <p:spPr>
+          <a:xfrm>
+            <a:off x="213360" y="412222"/>
+            <a:ext cx="10515600" cy="776498"/>
+          </a:xfrm>
+          <a:prstGeom prst="rect">
+            <a:avLst/>
+          </a:prstGeom>
+        </p:spPr>
+        <p:txBody>
+          <a:bodyPr vert="horz" lIns="91440" tIns="45720" rIns="91440" bIns="45720" rtlCol="0" anchor="ctr">
+            <a:normAutofit/>
+          </a:bodyPr>
+          <a:lstStyle>
+            <a:lvl1pPr algn="l" defTabSz="914400" rtl="0" eaLnBrk="1" latinLnBrk="1" hangingPunct="1">
+              <a:lnSpc>
+                <a:spcPct val="90000"/>
+              </a:lnSpc>
+              <a:spcBef>
+                <a:spcPct val="0"/>
+              </a:spcBef>
+              <a:buNone/>
+              <a:defRPr sz="4400" kern="1200">
+                <a:solidFill>
+                  <a:schemeClr val="tx1"/>
+                </a:solidFill>
+                <a:latin typeface="+mj-lt"/>
+                <a:ea typeface="+mj-ea"/>
+                <a:cs typeface="+mj-cs"/>
+              </a:defRPr>
+            </a:lvl1pPr>
+          </a:lstStyle>
+          <a:p>
+            <a:r>
+              <a:rPr lang="en-US" altLang="ko-KR" dirty="0" err="1"/>
+              <a:t>PacketHandler</a:t>
+            </a:r>
+            <a:r>
+              <a:rPr lang="en-US" altLang="ko-KR" dirty="0"/>
+              <a:t> </a:t>
+            </a:r>
+            <a:r>
+              <a:rPr lang="en-US" altLang="ko-KR" dirty="0" err="1"/>
+              <a:t>AddHandler</a:t>
+            </a:r>
+            <a:r>
+              <a:rPr lang="en-US" altLang="ko-KR" dirty="0"/>
+              <a:t> 017</a:t>
+            </a:r>
+            <a:endParaRPr lang="ko-KR" altLang="en-US" dirty="0"/>
+          </a:p>
+        </p:txBody>
+      </p:sp>
+      <p:pic>
+        <p:nvPicPr>
+          <p:cNvPr id="4" name="그림 3">
+            <a:extLst>
+              <a:ext uri="{FF2B5EF4-FFF2-40B4-BE49-F238E27FC236}">
+                <a16:creationId xmlns:a16="http://schemas.microsoft.com/office/drawing/2014/main" id="{D550B65A-24F1-19B1-E41D-B27776EDED9E}"/>
+              </a:ext>
+            </a:extLst>
+          </p:cNvPr>
+          <p:cNvPicPr>
+            <a:picLocks noChangeAspect="1"/>
+          </p:cNvPicPr>
+          <p:nvPr/>
+        </p:nvPicPr>
+        <p:blipFill>
+          <a:blip r:embed="rId2"/>
+          <a:stretch>
+            <a:fillRect/>
+          </a:stretch>
+        </p:blipFill>
+        <p:spPr>
+          <a:xfrm>
+            <a:off x="0" y="1121654"/>
+            <a:ext cx="12192000" cy="4614691"/>
+          </a:xfrm>
+          <a:prstGeom prst="rect">
+            <a:avLst/>
+          </a:prstGeom>
+        </p:spPr>
+      </p:pic>
+      <p:sp>
+        <p:nvSpPr>
+          <p:cNvPr id="6" name="직사각형 5">
+            <a:extLst>
+              <a:ext uri="{FF2B5EF4-FFF2-40B4-BE49-F238E27FC236}">
+                <a16:creationId xmlns:a16="http://schemas.microsoft.com/office/drawing/2014/main" id="{F820A62C-E49A-2693-0C1D-7D5189A6FBEC}"/>
+              </a:ext>
+            </a:extLst>
+          </p:cNvPr>
+          <p:cNvSpPr/>
+          <p:nvPr/>
+        </p:nvSpPr>
+        <p:spPr>
+          <a:xfrm>
+            <a:off x="1180618" y="4409954"/>
+            <a:ext cx="5173883" cy="1192193"/>
+          </a:xfrm>
+          <a:prstGeom prst="rect">
+            <a:avLst/>
+          </a:prstGeom>
+          <a:noFill/>
+          <a:ln>
+            <a:solidFill>
+              <a:srgbClr val="FF0000"/>
+            </a:solidFill>
+          </a:ln>
+        </p:spPr>
+        <p:style>
+          <a:lnRef idx="2">
+            <a:schemeClr val="accent1">
+              <a:shade val="15000"/>
+            </a:schemeClr>
+          </a:lnRef>
+          <a:fillRef idx="1">
+            <a:schemeClr val="accent1"/>
+          </a:fillRef>
+          <a:effectRef idx="0">
+            <a:schemeClr val="accent1"/>
+          </a:effectRef>
+          <a:fontRef idx="minor">
+            <a:schemeClr val="lt1"/>
+          </a:fontRef>
+        </p:style>
+        <p:txBody>
+          <a:bodyPr rtlCol="0" anchor="ctr"/>
+          <a:lstStyle/>
+          <a:p>
+            <a:pPr algn="ctr"/>
+            <a:endParaRPr lang="ko-KR" altLang="en-US"/>
+          </a:p>
+        </p:txBody>
+      </p:sp>
+    </p:spTree>
+    <p:extLst>
+      <p:ext uri="{BB962C8B-B14F-4D97-AF65-F5344CB8AC3E}">
+        <p14:creationId xmlns:p14="http://schemas.microsoft.com/office/powerpoint/2010/main" val="352522624"/>
+      </p:ext>
+    </p:extLst>
+  </p:cSld>
+  <p:clrMapOvr>
+    <a:masterClrMapping/>
+  </p:clrMapOvr>
+</p:sld>
+</file>
+
+<file path=ppt/slides/slide45.xml><?xml version="1.0" encoding="utf-8"?>
+<p:sld xmlns:a="http://schemas.openxmlformats.org/drawingml/2006/main" xmlns:r="http://schemas.openxmlformats.org/officeDocument/2006/relationships" xmlns:p="http://schemas.openxmlformats.org/presentationml/2006/main">
+  <p:cSld>
+    <p:spTree>
+      <p:nvGrpSpPr>
+        <p:cNvPr id="1" name=""/>
+        <p:cNvGrpSpPr/>
+        <p:nvPr/>
+      </p:nvGrpSpPr>
+      <p:grpSpPr>
+        <a:xfrm>
+          <a:off x="0" y="0"/>
+          <a:ext cx="0" cy="0"/>
+          <a:chOff x="0" y="0"/>
+          <a:chExt cx="0" cy="0"/>
+        </a:xfrm>
+      </p:grpSpPr>
+      <p:sp>
+        <p:nvSpPr>
+          <p:cNvPr id="2" name="제목 1">
+            <a:extLst>
+              <a:ext uri="{FF2B5EF4-FFF2-40B4-BE49-F238E27FC236}">
+                <a16:creationId xmlns:a16="http://schemas.microsoft.com/office/drawing/2014/main" id="{CFCDF4F8-40F6-C9DA-6B35-22C2B45B77EF}"/>
+              </a:ext>
+            </a:extLst>
+          </p:cNvPr>
+          <p:cNvSpPr txBox="1">
+            <a:spLocks/>
+          </p:cNvSpPr>
+          <p:nvPr/>
+        </p:nvSpPr>
+        <p:spPr>
+          <a:xfrm>
+            <a:off x="213360" y="412222"/>
+            <a:ext cx="10515600" cy="776498"/>
+          </a:xfrm>
+          <a:prstGeom prst="rect">
+            <a:avLst/>
+          </a:prstGeom>
+        </p:spPr>
+        <p:txBody>
+          <a:bodyPr vert="horz" lIns="91440" tIns="45720" rIns="91440" bIns="45720" rtlCol="0" anchor="ctr">
+            <a:normAutofit/>
+          </a:bodyPr>
+          <a:lstStyle>
+            <a:lvl1pPr algn="l" defTabSz="914400" rtl="0" eaLnBrk="1" latinLnBrk="1" hangingPunct="1">
+              <a:lnSpc>
+                <a:spcPct val="90000"/>
+              </a:lnSpc>
+              <a:spcBef>
+                <a:spcPct val="0"/>
+              </a:spcBef>
+              <a:buNone/>
+              <a:defRPr sz="4400" kern="1200">
+                <a:solidFill>
+                  <a:schemeClr val="tx1"/>
+                </a:solidFill>
+                <a:latin typeface="+mj-lt"/>
+                <a:ea typeface="+mj-ea"/>
+                <a:cs typeface="+mj-cs"/>
+              </a:defRPr>
+            </a:lvl1pPr>
+          </a:lstStyle>
+          <a:p>
+            <a:r>
+              <a:rPr lang="en-US" altLang="ko-KR" dirty="0" err="1"/>
+              <a:t>PacketHandler</a:t>
+            </a:r>
+            <a:r>
+              <a:rPr lang="en-US" altLang="ko-KR" dirty="0"/>
+              <a:t> </a:t>
+            </a:r>
+            <a:r>
+              <a:rPr lang="en-US" altLang="ko-KR" dirty="0" err="1"/>
+              <a:t>AddHandler</a:t>
+            </a:r>
+            <a:r>
+              <a:rPr lang="en-US" altLang="ko-KR" dirty="0"/>
+              <a:t> 017</a:t>
+            </a:r>
+            <a:endParaRPr lang="ko-KR" altLang="en-US" dirty="0"/>
+          </a:p>
+        </p:txBody>
+      </p:sp>
+      <p:pic>
+        <p:nvPicPr>
+          <p:cNvPr id="5" name="그림 4">
+            <a:extLst>
+              <a:ext uri="{FF2B5EF4-FFF2-40B4-BE49-F238E27FC236}">
+                <a16:creationId xmlns:a16="http://schemas.microsoft.com/office/drawing/2014/main" id="{FB3981DD-8F75-258F-9A23-E249347F3CFB}"/>
+              </a:ext>
+            </a:extLst>
+          </p:cNvPr>
+          <p:cNvPicPr>
+            <a:picLocks noChangeAspect="1"/>
+          </p:cNvPicPr>
+          <p:nvPr/>
+        </p:nvPicPr>
+        <p:blipFill>
+          <a:blip r:embed="rId2"/>
+          <a:stretch>
+            <a:fillRect/>
+          </a:stretch>
+        </p:blipFill>
+        <p:spPr>
+          <a:xfrm>
+            <a:off x="213360" y="1188720"/>
+            <a:ext cx="8259328" cy="2953162"/>
+          </a:xfrm>
+          <a:prstGeom prst="rect">
+            <a:avLst/>
+          </a:prstGeom>
+        </p:spPr>
+      </p:pic>
+    </p:spTree>
+    <p:extLst>
+      <p:ext uri="{BB962C8B-B14F-4D97-AF65-F5344CB8AC3E}">
+        <p14:creationId xmlns:p14="http://schemas.microsoft.com/office/powerpoint/2010/main" val="4256323948"/>
+      </p:ext>
+    </p:extLst>
+  </p:cSld>
+  <p:clrMapOvr>
+    <a:masterClrMapping/>
+  </p:clrMapOvr>
+</p:sld>
+</file>
+
+<file path=ppt/slides/slide46.xml><?xml version="1.0" encoding="utf-8"?>
+<p:sld xmlns:a="http://schemas.openxmlformats.org/drawingml/2006/main" xmlns:r="http://schemas.openxmlformats.org/officeDocument/2006/relationships" xmlns:p="http://schemas.openxmlformats.org/presentationml/2006/main">
+  <p:cSld>
+    <p:spTree>
+      <p:nvGrpSpPr>
+        <p:cNvPr id="1" name=""/>
+        <p:cNvGrpSpPr/>
+        <p:nvPr/>
+      </p:nvGrpSpPr>
+      <p:grpSpPr>
+        <a:xfrm>
+          <a:off x="0" y="0"/>
+          <a:ext cx="0" cy="0"/>
+          <a:chOff x="0" y="0"/>
+          <a:chExt cx="0" cy="0"/>
+        </a:xfrm>
+      </p:grpSpPr>
+      <p:sp>
+        <p:nvSpPr>
+          <p:cNvPr id="2" name="제목 1">
+            <a:extLst>
+              <a:ext uri="{FF2B5EF4-FFF2-40B4-BE49-F238E27FC236}">
+                <a16:creationId xmlns:a16="http://schemas.microsoft.com/office/drawing/2014/main" id="{CFCDF4F8-40F6-C9DA-6B35-22C2B45B77EF}"/>
+              </a:ext>
+            </a:extLst>
+          </p:cNvPr>
+          <p:cNvSpPr txBox="1">
+            <a:spLocks/>
+          </p:cNvSpPr>
+          <p:nvPr/>
+        </p:nvSpPr>
+        <p:spPr>
+          <a:xfrm>
+            <a:off x="213360" y="412222"/>
+            <a:ext cx="10515600" cy="776498"/>
+          </a:xfrm>
+          <a:prstGeom prst="rect">
+            <a:avLst/>
+          </a:prstGeom>
+        </p:spPr>
+        <p:txBody>
+          <a:bodyPr vert="horz" lIns="91440" tIns="45720" rIns="91440" bIns="45720" rtlCol="0" anchor="ctr">
+            <a:normAutofit/>
+          </a:bodyPr>
+          <a:lstStyle>
+            <a:lvl1pPr algn="l" defTabSz="914400" rtl="0" eaLnBrk="1" latinLnBrk="1" hangingPunct="1">
+              <a:lnSpc>
+                <a:spcPct val="90000"/>
+              </a:lnSpc>
+              <a:spcBef>
+                <a:spcPct val="0"/>
+              </a:spcBef>
+              <a:buNone/>
+              <a:defRPr sz="4400" kern="1200">
+                <a:solidFill>
+                  <a:schemeClr val="tx1"/>
+                </a:solidFill>
+                <a:latin typeface="+mj-lt"/>
+                <a:ea typeface="+mj-ea"/>
+                <a:cs typeface="+mj-cs"/>
+              </a:defRPr>
+            </a:lvl1pPr>
+          </a:lstStyle>
+          <a:p>
+            <a:r>
+              <a:rPr lang="en-US" altLang="ko-KR" dirty="0" err="1"/>
+              <a:t>PacketHandler</a:t>
+            </a:r>
+            <a:r>
+              <a:rPr lang="en-US" altLang="ko-KR" dirty="0"/>
+              <a:t> </a:t>
+            </a:r>
+            <a:r>
+              <a:rPr lang="en-US" altLang="ko-KR" dirty="0" err="1"/>
+              <a:t>AddHandler</a:t>
+            </a:r>
+            <a:r>
+              <a:rPr lang="en-US" altLang="ko-KR" dirty="0"/>
+              <a:t> 017</a:t>
+            </a:r>
+            <a:endParaRPr lang="ko-KR" altLang="en-US" dirty="0"/>
+          </a:p>
+        </p:txBody>
+      </p:sp>
+      <p:pic>
+        <p:nvPicPr>
+          <p:cNvPr id="4" name="그림 3">
+            <a:extLst>
+              <a:ext uri="{FF2B5EF4-FFF2-40B4-BE49-F238E27FC236}">
+                <a16:creationId xmlns:a16="http://schemas.microsoft.com/office/drawing/2014/main" id="{F1FE154F-CB44-25A4-E668-31D997F945F3}"/>
+              </a:ext>
+            </a:extLst>
+          </p:cNvPr>
+          <p:cNvPicPr>
+            <a:picLocks noChangeAspect="1"/>
+          </p:cNvPicPr>
+          <p:nvPr/>
+        </p:nvPicPr>
+        <p:blipFill>
+          <a:blip r:embed="rId2"/>
+          <a:stretch>
+            <a:fillRect/>
+          </a:stretch>
+        </p:blipFill>
+        <p:spPr>
+          <a:xfrm>
+            <a:off x="213360" y="1188720"/>
+            <a:ext cx="7268589" cy="2734057"/>
+          </a:xfrm>
+          <a:prstGeom prst="rect">
+            <a:avLst/>
+          </a:prstGeom>
+        </p:spPr>
+      </p:pic>
+    </p:spTree>
+    <p:extLst>
+      <p:ext uri="{BB962C8B-B14F-4D97-AF65-F5344CB8AC3E}">
+        <p14:creationId xmlns:p14="http://schemas.microsoft.com/office/powerpoint/2010/main" val="38722603"/>
+      </p:ext>
+    </p:extLst>
+  </p:cSld>
+  <p:clrMapOvr>
+    <a:masterClrMapping/>
+  </p:clrMapOvr>
+</p:sld>
+</file>
+
+<file path=ppt/slides/slide47.xml><?xml version="1.0" encoding="utf-8"?>
+<p:sld xmlns:a="http://schemas.openxmlformats.org/drawingml/2006/main" xmlns:r="http://schemas.openxmlformats.org/officeDocument/2006/relationships" xmlns:p="http://schemas.openxmlformats.org/presentationml/2006/main">
+  <p:cSld>
+    <p:spTree>
+      <p:nvGrpSpPr>
+        <p:cNvPr id="1" name=""/>
+        <p:cNvGrpSpPr/>
+        <p:nvPr/>
+      </p:nvGrpSpPr>
+      <p:grpSpPr>
+        <a:xfrm>
+          <a:off x="0" y="0"/>
+          <a:ext cx="0" cy="0"/>
+          <a:chOff x="0" y="0"/>
+          <a:chExt cx="0" cy="0"/>
+        </a:xfrm>
+      </p:grpSpPr>
+      <p:sp>
+        <p:nvSpPr>
+          <p:cNvPr id="2" name="제목 1">
+            <a:extLst>
+              <a:ext uri="{FF2B5EF4-FFF2-40B4-BE49-F238E27FC236}">
+                <a16:creationId xmlns:a16="http://schemas.microsoft.com/office/drawing/2014/main" id="{CFCDF4F8-40F6-C9DA-6B35-22C2B45B77EF}"/>
+              </a:ext>
+            </a:extLst>
+          </p:cNvPr>
+          <p:cNvSpPr txBox="1">
+            <a:spLocks/>
+          </p:cNvSpPr>
+          <p:nvPr/>
+        </p:nvSpPr>
+        <p:spPr>
+          <a:xfrm>
+            <a:off x="213360" y="412222"/>
+            <a:ext cx="10515600" cy="776498"/>
+          </a:xfrm>
+          <a:prstGeom prst="rect">
+            <a:avLst/>
+          </a:prstGeom>
+        </p:spPr>
+        <p:txBody>
+          <a:bodyPr vert="horz" lIns="91440" tIns="45720" rIns="91440" bIns="45720" rtlCol="0" anchor="ctr">
+            <a:normAutofit fontScale="92500"/>
+          </a:bodyPr>
+          <a:lstStyle>
+            <a:lvl1pPr algn="l" defTabSz="914400" rtl="0" eaLnBrk="1" latinLnBrk="1" hangingPunct="1">
+              <a:lnSpc>
+                <a:spcPct val="90000"/>
+              </a:lnSpc>
+              <a:spcBef>
+                <a:spcPct val="0"/>
+              </a:spcBef>
+              <a:buNone/>
+              <a:defRPr sz="4400" kern="1200">
+                <a:solidFill>
+                  <a:schemeClr val="tx1"/>
+                </a:solidFill>
+                <a:latin typeface="+mj-lt"/>
+                <a:ea typeface="+mj-ea"/>
+                <a:cs typeface="+mj-cs"/>
+              </a:defRPr>
+            </a:lvl1pPr>
+          </a:lstStyle>
+          <a:p>
+            <a:r>
+              <a:rPr lang="en-US" altLang="ko-KR" dirty="0" err="1"/>
+              <a:t>StatelessConnectHandlerComponent</a:t>
+            </a:r>
+            <a:r>
+              <a:rPr lang="en-US" altLang="ko-KR" dirty="0"/>
+              <a:t> 018</a:t>
+            </a:r>
+            <a:endParaRPr lang="ko-KR" altLang="en-US" dirty="0"/>
+          </a:p>
+        </p:txBody>
+      </p:sp>
+      <p:pic>
+        <p:nvPicPr>
+          <p:cNvPr id="5" name="그림 4">
+            <a:extLst>
+              <a:ext uri="{FF2B5EF4-FFF2-40B4-BE49-F238E27FC236}">
+                <a16:creationId xmlns:a16="http://schemas.microsoft.com/office/drawing/2014/main" id="{3C872FCD-8D81-5723-694A-5184D266051F}"/>
+              </a:ext>
+            </a:extLst>
+          </p:cNvPr>
+          <p:cNvPicPr>
+            <a:picLocks noChangeAspect="1"/>
+          </p:cNvPicPr>
+          <p:nvPr/>
+        </p:nvPicPr>
+        <p:blipFill>
+          <a:blip r:embed="rId2"/>
+          <a:stretch>
+            <a:fillRect/>
+          </a:stretch>
+        </p:blipFill>
+        <p:spPr>
+          <a:xfrm>
+            <a:off x="213360" y="1188720"/>
+            <a:ext cx="9678751" cy="3505689"/>
+          </a:xfrm>
+          <a:prstGeom prst="rect">
+            <a:avLst/>
+          </a:prstGeom>
+        </p:spPr>
+      </p:pic>
+    </p:spTree>
+    <p:extLst>
+      <p:ext uri="{BB962C8B-B14F-4D97-AF65-F5344CB8AC3E}">
+        <p14:creationId xmlns:p14="http://schemas.microsoft.com/office/powerpoint/2010/main" val="2326167951"/>
+      </p:ext>
+    </p:extLst>
+  </p:cSld>
+  <p:clrMapOvr>
+    <a:masterClrMapping/>
+  </p:clrMapOvr>
+</p:sld>
+</file>
+
+<file path=ppt/slides/slide48.xml><?xml version="1.0" encoding="utf-8"?>
+<p:sld xmlns:a="http://schemas.openxmlformats.org/drawingml/2006/main" xmlns:r="http://schemas.openxmlformats.org/officeDocument/2006/relationships" xmlns:p="http://schemas.openxmlformats.org/presentationml/2006/main">
+  <p:cSld>
+    <p:spTree>
+      <p:nvGrpSpPr>
+        <p:cNvPr id="1" name=""/>
+        <p:cNvGrpSpPr/>
+        <p:nvPr/>
+      </p:nvGrpSpPr>
+      <p:grpSpPr>
+        <a:xfrm>
+          <a:off x="0" y="0"/>
+          <a:ext cx="0" cy="0"/>
+          <a:chOff x="0" y="0"/>
+          <a:chExt cx="0" cy="0"/>
+        </a:xfrm>
+      </p:grpSpPr>
+      <p:sp>
+        <p:nvSpPr>
+          <p:cNvPr id="2" name="제목 1">
+            <a:extLst>
+              <a:ext uri="{FF2B5EF4-FFF2-40B4-BE49-F238E27FC236}">
+                <a16:creationId xmlns:a16="http://schemas.microsoft.com/office/drawing/2014/main" id="{CFCDF4F8-40F6-C9DA-6B35-22C2B45B77EF}"/>
+              </a:ext>
+            </a:extLst>
+          </p:cNvPr>
+          <p:cNvSpPr txBox="1">
+            <a:spLocks/>
+          </p:cNvSpPr>
+          <p:nvPr/>
+        </p:nvSpPr>
+        <p:spPr>
+          <a:xfrm>
+            <a:off x="213360" y="412222"/>
+            <a:ext cx="10515600" cy="776498"/>
+          </a:xfrm>
+          <a:prstGeom prst="rect">
+            <a:avLst/>
+          </a:prstGeom>
+        </p:spPr>
+        <p:txBody>
+          <a:bodyPr vert="horz" lIns="91440" tIns="45720" rIns="91440" bIns="45720" rtlCol="0" anchor="ctr">
+            <a:normAutofit/>
+          </a:bodyPr>
+          <a:lstStyle>
+            <a:lvl1pPr algn="l" defTabSz="914400" rtl="0" eaLnBrk="1" latinLnBrk="1" hangingPunct="1">
+              <a:lnSpc>
+                <a:spcPct val="90000"/>
+              </a:lnSpc>
+              <a:spcBef>
+                <a:spcPct val="0"/>
+              </a:spcBef>
+              <a:buNone/>
+              <a:defRPr sz="4400" kern="1200">
+                <a:solidFill>
+                  <a:schemeClr val="tx1"/>
+                </a:solidFill>
+                <a:latin typeface="+mj-lt"/>
+                <a:ea typeface="+mj-ea"/>
+                <a:cs typeface="+mj-cs"/>
+              </a:defRPr>
+            </a:lvl1pPr>
+          </a:lstStyle>
+          <a:p>
+            <a:r>
+              <a:rPr lang="en-US" altLang="ko-KR" dirty="0" err="1"/>
+              <a:t>HandlerComponent</a:t>
+            </a:r>
+            <a:r>
+              <a:rPr lang="en-US" altLang="ko-KR" dirty="0"/>
+              <a:t> 019</a:t>
+            </a:r>
+            <a:endParaRPr lang="ko-KR" altLang="en-US" dirty="0"/>
+          </a:p>
+        </p:txBody>
+      </p:sp>
+      <p:pic>
+        <p:nvPicPr>
+          <p:cNvPr id="4" name="그림 3">
+            <a:extLst>
+              <a:ext uri="{FF2B5EF4-FFF2-40B4-BE49-F238E27FC236}">
+                <a16:creationId xmlns:a16="http://schemas.microsoft.com/office/drawing/2014/main" id="{F1EC1237-4B24-7952-A62D-ED855D192CE6}"/>
+              </a:ext>
+            </a:extLst>
+          </p:cNvPr>
+          <p:cNvPicPr>
+            <a:picLocks noChangeAspect="1"/>
+          </p:cNvPicPr>
+          <p:nvPr/>
+        </p:nvPicPr>
+        <p:blipFill>
+          <a:blip r:embed="rId2"/>
+          <a:stretch>
+            <a:fillRect/>
+          </a:stretch>
+        </p:blipFill>
+        <p:spPr>
+          <a:xfrm>
+            <a:off x="213360" y="1202531"/>
+            <a:ext cx="8502923" cy="5655469"/>
+          </a:xfrm>
+          <a:prstGeom prst="rect">
+            <a:avLst/>
+          </a:prstGeom>
+        </p:spPr>
+      </p:pic>
+    </p:spTree>
+    <p:extLst>
+      <p:ext uri="{BB962C8B-B14F-4D97-AF65-F5344CB8AC3E}">
+        <p14:creationId xmlns:p14="http://schemas.microsoft.com/office/powerpoint/2010/main" val="2258431145"/>
+      </p:ext>
+    </p:extLst>
+  </p:cSld>
+  <p:clrMapOvr>
+    <a:masterClrMapping/>
+  </p:clrMapOvr>
+</p:sld>
+</file>
+
+<file path=ppt/slides/slide49.xml><?xml version="1.0" encoding="utf-8"?>
+<p:sld xmlns:a="http://schemas.openxmlformats.org/drawingml/2006/main" xmlns:r="http://schemas.openxmlformats.org/officeDocument/2006/relationships" xmlns:p="http://schemas.openxmlformats.org/presentationml/2006/main">
+  <p:cSld>
+    <p:spTree>
+      <p:nvGrpSpPr>
+        <p:cNvPr id="1" name=""/>
+        <p:cNvGrpSpPr/>
+        <p:nvPr/>
+      </p:nvGrpSpPr>
+      <p:grpSpPr>
+        <a:xfrm>
+          <a:off x="0" y="0"/>
+          <a:ext cx="0" cy="0"/>
+          <a:chOff x="0" y="0"/>
+          <a:chExt cx="0" cy="0"/>
+        </a:xfrm>
+      </p:grpSpPr>
+      <p:sp>
+        <p:nvSpPr>
+          <p:cNvPr id="2" name="제목 1">
+            <a:extLst>
+              <a:ext uri="{FF2B5EF4-FFF2-40B4-BE49-F238E27FC236}">
+                <a16:creationId xmlns:a16="http://schemas.microsoft.com/office/drawing/2014/main" id="{CFCDF4F8-40F6-C9DA-6B35-22C2B45B77EF}"/>
+              </a:ext>
+            </a:extLst>
+          </p:cNvPr>
+          <p:cNvSpPr txBox="1">
+            <a:spLocks/>
+          </p:cNvSpPr>
+          <p:nvPr/>
+        </p:nvSpPr>
+        <p:spPr>
+          <a:xfrm>
+            <a:off x="213360" y="412222"/>
+            <a:ext cx="10515600" cy="776498"/>
+          </a:xfrm>
+          <a:prstGeom prst="rect">
+            <a:avLst/>
+          </a:prstGeom>
+        </p:spPr>
+        <p:txBody>
+          <a:bodyPr vert="horz" lIns="91440" tIns="45720" rIns="91440" bIns="45720" rtlCol="0" anchor="ctr">
+            <a:normAutofit/>
+          </a:bodyPr>
+          <a:lstStyle>
+            <a:lvl1pPr algn="l" defTabSz="914400" rtl="0" eaLnBrk="1" latinLnBrk="1" hangingPunct="1">
+              <a:lnSpc>
+                <a:spcPct val="90000"/>
+              </a:lnSpc>
+              <a:spcBef>
+                <a:spcPct val="0"/>
+              </a:spcBef>
+              <a:buNone/>
+              <a:defRPr sz="4400" kern="1200">
+                <a:solidFill>
+                  <a:schemeClr val="tx1"/>
+                </a:solidFill>
+                <a:latin typeface="+mj-lt"/>
+                <a:ea typeface="+mj-ea"/>
+                <a:cs typeface="+mj-cs"/>
+              </a:defRPr>
+            </a:lvl1pPr>
+          </a:lstStyle>
+          <a:p>
+            <a:r>
+              <a:rPr lang="en-US" altLang="ko-KR" dirty="0" err="1"/>
+              <a:t>PacketHandler</a:t>
+            </a:r>
+            <a:r>
+              <a:rPr lang="en-US" altLang="ko-KR" dirty="0"/>
+              <a:t> </a:t>
+            </a:r>
+            <a:r>
+              <a:rPr lang="en-US" altLang="ko-KR" dirty="0" err="1"/>
+              <a:t>AddHandler</a:t>
+            </a:r>
+            <a:r>
+              <a:rPr lang="en-US" altLang="ko-KR" dirty="0"/>
+              <a:t> 017</a:t>
+            </a:r>
+            <a:endParaRPr lang="ko-KR" altLang="en-US" dirty="0"/>
+          </a:p>
+        </p:txBody>
+      </p:sp>
+      <p:pic>
+        <p:nvPicPr>
+          <p:cNvPr id="5" name="그림 4">
+            <a:extLst>
+              <a:ext uri="{FF2B5EF4-FFF2-40B4-BE49-F238E27FC236}">
+                <a16:creationId xmlns:a16="http://schemas.microsoft.com/office/drawing/2014/main" id="{FB3981DD-8F75-258F-9A23-E249347F3CFB}"/>
+              </a:ext>
+            </a:extLst>
+          </p:cNvPr>
+          <p:cNvPicPr>
+            <a:picLocks noChangeAspect="1"/>
+          </p:cNvPicPr>
+          <p:nvPr/>
+        </p:nvPicPr>
+        <p:blipFill>
+          <a:blip r:embed="rId2"/>
+          <a:stretch>
+            <a:fillRect/>
+          </a:stretch>
+        </p:blipFill>
+        <p:spPr>
+          <a:xfrm>
+            <a:off x="213360" y="1089502"/>
+            <a:ext cx="8259328" cy="2953162"/>
+          </a:xfrm>
+          <a:prstGeom prst="rect">
+            <a:avLst/>
+          </a:prstGeom>
+        </p:spPr>
+      </p:pic>
+      <p:pic>
+        <p:nvPicPr>
+          <p:cNvPr id="4" name="그림 3">
+            <a:extLst>
+              <a:ext uri="{FF2B5EF4-FFF2-40B4-BE49-F238E27FC236}">
+                <a16:creationId xmlns:a16="http://schemas.microsoft.com/office/drawing/2014/main" id="{A69744F3-B514-202F-D2F0-BB4B419DA3D4}"/>
+              </a:ext>
+            </a:extLst>
+          </p:cNvPr>
+          <p:cNvPicPr>
+            <a:picLocks noChangeAspect="1"/>
+          </p:cNvPicPr>
+          <p:nvPr/>
+        </p:nvPicPr>
+        <p:blipFill>
+          <a:blip r:embed="rId3"/>
+          <a:stretch>
+            <a:fillRect/>
+          </a:stretch>
+        </p:blipFill>
+        <p:spPr>
+          <a:xfrm>
+            <a:off x="213360" y="3971522"/>
+            <a:ext cx="8964276" cy="2886478"/>
+          </a:xfrm>
+          <a:prstGeom prst="rect">
+            <a:avLst/>
+          </a:prstGeom>
+        </p:spPr>
+      </p:pic>
+    </p:spTree>
+    <p:extLst>
+      <p:ext uri="{BB962C8B-B14F-4D97-AF65-F5344CB8AC3E}">
+        <p14:creationId xmlns:p14="http://schemas.microsoft.com/office/powerpoint/2010/main" val="781776206"/>
+      </p:ext>
+    </p:extLst>
+  </p:cSld>
+  <p:clrMapOvr>
+    <a:masterClrMapping/>
+  </p:clrMapOvr>
+</p:sld>
+</file>
+
 <file path=ppt/slides/slide5.xml><?xml version="1.0" encoding="utf-8"?>
 <p:sld xmlns:a="http://schemas.openxmlformats.org/drawingml/2006/main" xmlns:r="http://schemas.openxmlformats.org/officeDocument/2006/relationships" xmlns:p="http://schemas.openxmlformats.org/presentationml/2006/main">
   <p:cSld>
@@ -6596,6 +10284,1356 @@
     <p:extLst>
       <p:ext uri="{BB962C8B-B14F-4D97-AF65-F5344CB8AC3E}">
         <p14:creationId xmlns:p14="http://schemas.microsoft.com/office/powerpoint/2010/main" val="3298848699"/>
+      </p:ext>
+    </p:extLst>
+  </p:cSld>
+  <p:clrMapOvr>
+    <a:masterClrMapping/>
+  </p:clrMapOvr>
+</p:sld>
+</file>
+
+<file path=ppt/slides/slide50.xml><?xml version="1.0" encoding="utf-8"?>
+<p:sld xmlns:a="http://schemas.openxmlformats.org/drawingml/2006/main" xmlns:r="http://schemas.openxmlformats.org/officeDocument/2006/relationships" xmlns:p="http://schemas.openxmlformats.org/presentationml/2006/main">
+  <p:cSld>
+    <p:spTree>
+      <p:nvGrpSpPr>
+        <p:cNvPr id="1" name=""/>
+        <p:cNvGrpSpPr/>
+        <p:nvPr/>
+      </p:nvGrpSpPr>
+      <p:grpSpPr>
+        <a:xfrm>
+          <a:off x="0" y="0"/>
+          <a:ext cx="0" cy="0"/>
+          <a:chOff x="0" y="0"/>
+          <a:chExt cx="0" cy="0"/>
+        </a:xfrm>
+      </p:grpSpPr>
+      <p:sp>
+        <p:nvSpPr>
+          <p:cNvPr id="2" name="제목 1">
+            <a:extLst>
+              <a:ext uri="{FF2B5EF4-FFF2-40B4-BE49-F238E27FC236}">
+                <a16:creationId xmlns:a16="http://schemas.microsoft.com/office/drawing/2014/main" id="{CFCDF4F8-40F6-C9DA-6B35-22C2B45B77EF}"/>
+              </a:ext>
+            </a:extLst>
+          </p:cNvPr>
+          <p:cNvSpPr txBox="1">
+            <a:spLocks/>
+          </p:cNvSpPr>
+          <p:nvPr/>
+        </p:nvSpPr>
+        <p:spPr>
+          <a:xfrm>
+            <a:off x="213360" y="412222"/>
+            <a:ext cx="10515600" cy="776498"/>
+          </a:xfrm>
+          <a:prstGeom prst="rect">
+            <a:avLst/>
+          </a:prstGeom>
+        </p:spPr>
+        <p:txBody>
+          <a:bodyPr vert="horz" lIns="91440" tIns="45720" rIns="91440" bIns="45720" rtlCol="0" anchor="ctr">
+            <a:normAutofit fontScale="85000" lnSpcReduction="10000"/>
+          </a:bodyPr>
+          <a:lstStyle>
+            <a:lvl1pPr algn="l" defTabSz="914400" rtl="0" eaLnBrk="1" latinLnBrk="1" hangingPunct="1">
+              <a:lnSpc>
+                <a:spcPct val="90000"/>
+              </a:lnSpc>
+              <a:spcBef>
+                <a:spcPct val="0"/>
+              </a:spcBef>
+              <a:buNone/>
+              <a:defRPr sz="4400" kern="1200">
+                <a:solidFill>
+                  <a:schemeClr val="tx1"/>
+                </a:solidFill>
+                <a:latin typeface="+mj-lt"/>
+                <a:ea typeface="+mj-ea"/>
+                <a:cs typeface="+mj-cs"/>
+              </a:defRPr>
+            </a:lvl1pPr>
+          </a:lstStyle>
+          <a:p>
+            <a:r>
+              <a:rPr lang="en-US" altLang="ko-KR" dirty="0" err="1"/>
+              <a:t>UIpNetDriver</a:t>
+            </a:r>
+            <a:r>
+              <a:rPr lang="en-US" altLang="ko-KR" dirty="0"/>
+              <a:t> </a:t>
+            </a:r>
+            <a:r>
+              <a:rPr lang="en-US" altLang="ko-KR" dirty="0" err="1"/>
+              <a:t>InitConnectionlessHandler</a:t>
+            </a:r>
+            <a:r>
+              <a:rPr lang="en-US" altLang="ko-KR" dirty="0"/>
+              <a:t> 015</a:t>
+            </a:r>
+            <a:endParaRPr lang="ko-KR" altLang="en-US" dirty="0"/>
+          </a:p>
+        </p:txBody>
+      </p:sp>
+      <p:pic>
+        <p:nvPicPr>
+          <p:cNvPr id="6" name="그림 5">
+            <a:extLst>
+              <a:ext uri="{FF2B5EF4-FFF2-40B4-BE49-F238E27FC236}">
+                <a16:creationId xmlns:a16="http://schemas.microsoft.com/office/drawing/2014/main" id="{A065422D-C7DD-3C09-3D09-0CAAE663A1DB}"/>
+              </a:ext>
+            </a:extLst>
+          </p:cNvPr>
+          <p:cNvPicPr>
+            <a:picLocks noChangeAspect="1"/>
+          </p:cNvPicPr>
+          <p:nvPr/>
+        </p:nvPicPr>
+        <p:blipFill>
+          <a:blip r:embed="rId2"/>
+          <a:stretch>
+            <a:fillRect/>
+          </a:stretch>
+        </p:blipFill>
+        <p:spPr>
+          <a:xfrm>
+            <a:off x="213360" y="1188720"/>
+            <a:ext cx="11145805" cy="3162741"/>
+          </a:xfrm>
+          <a:prstGeom prst="rect">
+            <a:avLst/>
+          </a:prstGeom>
+        </p:spPr>
+      </p:pic>
+    </p:spTree>
+    <p:extLst>
+      <p:ext uri="{BB962C8B-B14F-4D97-AF65-F5344CB8AC3E}">
+        <p14:creationId xmlns:p14="http://schemas.microsoft.com/office/powerpoint/2010/main" val="773053448"/>
+      </p:ext>
+    </p:extLst>
+  </p:cSld>
+  <p:clrMapOvr>
+    <a:masterClrMapping/>
+  </p:clrMapOvr>
+</p:sld>
+</file>
+
+<file path=ppt/slides/slide51.xml><?xml version="1.0" encoding="utf-8"?>
+<p:sld xmlns:a="http://schemas.openxmlformats.org/drawingml/2006/main" xmlns:r="http://schemas.openxmlformats.org/officeDocument/2006/relationships" xmlns:p="http://schemas.openxmlformats.org/presentationml/2006/main">
+  <p:cSld>
+    <p:spTree>
+      <p:nvGrpSpPr>
+        <p:cNvPr id="1" name=""/>
+        <p:cNvGrpSpPr/>
+        <p:nvPr/>
+      </p:nvGrpSpPr>
+      <p:grpSpPr>
+        <a:xfrm>
+          <a:off x="0" y="0"/>
+          <a:ext cx="0" cy="0"/>
+          <a:chOff x="0" y="0"/>
+          <a:chExt cx="0" cy="0"/>
+        </a:xfrm>
+      </p:grpSpPr>
+      <p:sp>
+        <p:nvSpPr>
+          <p:cNvPr id="2" name="제목 1">
+            <a:extLst>
+              <a:ext uri="{FF2B5EF4-FFF2-40B4-BE49-F238E27FC236}">
+                <a16:creationId xmlns:a16="http://schemas.microsoft.com/office/drawing/2014/main" id="{CFCDF4F8-40F6-C9DA-6B35-22C2B45B77EF}"/>
+              </a:ext>
+            </a:extLst>
+          </p:cNvPr>
+          <p:cNvSpPr txBox="1">
+            <a:spLocks/>
+          </p:cNvSpPr>
+          <p:nvPr/>
+        </p:nvSpPr>
+        <p:spPr>
+          <a:xfrm>
+            <a:off x="213360" y="412222"/>
+            <a:ext cx="10515600" cy="776498"/>
+          </a:xfrm>
+          <a:prstGeom prst="rect">
+            <a:avLst/>
+          </a:prstGeom>
+        </p:spPr>
+        <p:txBody>
+          <a:bodyPr vert="horz" lIns="91440" tIns="45720" rIns="91440" bIns="45720" rtlCol="0" anchor="ctr">
+            <a:normAutofit fontScale="92500"/>
+          </a:bodyPr>
+          <a:lstStyle>
+            <a:lvl1pPr algn="l" defTabSz="914400" rtl="0" eaLnBrk="1" latinLnBrk="1" hangingPunct="1">
+              <a:lnSpc>
+                <a:spcPct val="90000"/>
+              </a:lnSpc>
+              <a:spcBef>
+                <a:spcPct val="0"/>
+              </a:spcBef>
+              <a:buNone/>
+              <a:defRPr sz="4400" kern="1200">
+                <a:solidFill>
+                  <a:schemeClr val="tx1"/>
+                </a:solidFill>
+                <a:latin typeface="+mj-lt"/>
+                <a:ea typeface="+mj-ea"/>
+                <a:cs typeface="+mj-cs"/>
+              </a:defRPr>
+            </a:lvl1pPr>
+          </a:lstStyle>
+          <a:p>
+            <a:r>
+              <a:rPr lang="en-US" altLang="ko-KR" dirty="0" err="1"/>
+              <a:t>StatelessConnectHandlerComponent</a:t>
+            </a:r>
+            <a:r>
+              <a:rPr lang="en-US" altLang="ko-KR" dirty="0"/>
+              <a:t> 020</a:t>
+            </a:r>
+            <a:endParaRPr lang="ko-KR" altLang="en-US" dirty="0"/>
+          </a:p>
+        </p:txBody>
+      </p:sp>
+      <p:pic>
+        <p:nvPicPr>
+          <p:cNvPr id="4" name="그림 3">
+            <a:extLst>
+              <a:ext uri="{FF2B5EF4-FFF2-40B4-BE49-F238E27FC236}">
+                <a16:creationId xmlns:a16="http://schemas.microsoft.com/office/drawing/2014/main" id="{7BDB5794-2524-F9FD-E35E-6253BEF0C63E}"/>
+              </a:ext>
+            </a:extLst>
+          </p:cNvPr>
+          <p:cNvPicPr>
+            <a:picLocks noChangeAspect="1"/>
+          </p:cNvPicPr>
+          <p:nvPr/>
+        </p:nvPicPr>
+        <p:blipFill>
+          <a:blip r:embed="rId2"/>
+          <a:stretch>
+            <a:fillRect/>
+          </a:stretch>
+        </p:blipFill>
+        <p:spPr>
+          <a:xfrm>
+            <a:off x="213360" y="1188720"/>
+            <a:ext cx="8678486" cy="5220429"/>
+          </a:xfrm>
+          <a:prstGeom prst="rect">
+            <a:avLst/>
+          </a:prstGeom>
+        </p:spPr>
+      </p:pic>
+    </p:spTree>
+    <p:extLst>
+      <p:ext uri="{BB962C8B-B14F-4D97-AF65-F5344CB8AC3E}">
+        <p14:creationId xmlns:p14="http://schemas.microsoft.com/office/powerpoint/2010/main" val="859454862"/>
+      </p:ext>
+    </p:extLst>
+  </p:cSld>
+  <p:clrMapOvr>
+    <a:masterClrMapping/>
+  </p:clrMapOvr>
+</p:sld>
+</file>
+
+<file path=ppt/slides/slide52.xml><?xml version="1.0" encoding="utf-8"?>
+<p:sld xmlns:a="http://schemas.openxmlformats.org/drawingml/2006/main" xmlns:r="http://schemas.openxmlformats.org/officeDocument/2006/relationships" xmlns:p="http://schemas.openxmlformats.org/presentationml/2006/main">
+  <p:cSld>
+    <p:spTree>
+      <p:nvGrpSpPr>
+        <p:cNvPr id="1" name=""/>
+        <p:cNvGrpSpPr/>
+        <p:nvPr/>
+      </p:nvGrpSpPr>
+      <p:grpSpPr>
+        <a:xfrm>
+          <a:off x="0" y="0"/>
+          <a:ext cx="0" cy="0"/>
+          <a:chOff x="0" y="0"/>
+          <a:chExt cx="0" cy="0"/>
+        </a:xfrm>
+      </p:grpSpPr>
+      <p:sp>
+        <p:nvSpPr>
+          <p:cNvPr id="2" name="제목 1">
+            <a:extLst>
+              <a:ext uri="{FF2B5EF4-FFF2-40B4-BE49-F238E27FC236}">
+                <a16:creationId xmlns:a16="http://schemas.microsoft.com/office/drawing/2014/main" id="{CFCDF4F8-40F6-C9DA-6B35-22C2B45B77EF}"/>
+              </a:ext>
+            </a:extLst>
+          </p:cNvPr>
+          <p:cNvSpPr txBox="1">
+            <a:spLocks/>
+          </p:cNvSpPr>
+          <p:nvPr/>
+        </p:nvSpPr>
+        <p:spPr>
+          <a:xfrm>
+            <a:off x="213360" y="412222"/>
+            <a:ext cx="10515600" cy="776498"/>
+          </a:xfrm>
+          <a:prstGeom prst="rect">
+            <a:avLst/>
+          </a:prstGeom>
+        </p:spPr>
+        <p:txBody>
+          <a:bodyPr vert="horz" lIns="91440" tIns="45720" rIns="91440" bIns="45720" rtlCol="0" anchor="ctr">
+            <a:normAutofit/>
+          </a:bodyPr>
+          <a:lstStyle>
+            <a:lvl1pPr algn="l" defTabSz="914400" rtl="0" eaLnBrk="1" latinLnBrk="1" hangingPunct="1">
+              <a:lnSpc>
+                <a:spcPct val="90000"/>
+              </a:lnSpc>
+              <a:spcBef>
+                <a:spcPct val="0"/>
+              </a:spcBef>
+              <a:buNone/>
+              <a:defRPr sz="4400" kern="1200">
+                <a:solidFill>
+                  <a:schemeClr val="tx1"/>
+                </a:solidFill>
+                <a:latin typeface="+mj-lt"/>
+                <a:ea typeface="+mj-ea"/>
+                <a:cs typeface="+mj-cs"/>
+              </a:defRPr>
+            </a:lvl1pPr>
+          </a:lstStyle>
+          <a:p>
+            <a:r>
+              <a:rPr lang="en-US" altLang="ko-KR" dirty="0" err="1"/>
+              <a:t>PacketHandler</a:t>
+            </a:r>
+            <a:r>
+              <a:rPr lang="en-US" altLang="ko-KR" dirty="0"/>
+              <a:t> </a:t>
+            </a:r>
+            <a:r>
+              <a:rPr lang="en-US" altLang="ko-KR" dirty="0" err="1"/>
+              <a:t>InitializeComponent</a:t>
+            </a:r>
+            <a:r>
+              <a:rPr lang="en-US" altLang="ko-KR" dirty="0"/>
+              <a:t> 021</a:t>
+            </a:r>
+            <a:endParaRPr lang="ko-KR" altLang="en-US" dirty="0"/>
+          </a:p>
+        </p:txBody>
+      </p:sp>
+      <p:pic>
+        <p:nvPicPr>
+          <p:cNvPr id="5" name="그림 4">
+            <a:extLst>
+              <a:ext uri="{FF2B5EF4-FFF2-40B4-BE49-F238E27FC236}">
+                <a16:creationId xmlns:a16="http://schemas.microsoft.com/office/drawing/2014/main" id="{5A2EFB7C-ED3E-CAC4-F6B4-1EEA0801022C}"/>
+              </a:ext>
+            </a:extLst>
+          </p:cNvPr>
+          <p:cNvPicPr>
+            <a:picLocks noChangeAspect="1"/>
+          </p:cNvPicPr>
+          <p:nvPr/>
+        </p:nvPicPr>
+        <p:blipFill>
+          <a:blip r:embed="rId2"/>
+          <a:stretch>
+            <a:fillRect/>
+          </a:stretch>
+        </p:blipFill>
+        <p:spPr>
+          <a:xfrm>
+            <a:off x="213360" y="1145008"/>
+            <a:ext cx="10002356" cy="5712991"/>
+          </a:xfrm>
+          <a:prstGeom prst="rect">
+            <a:avLst/>
+          </a:prstGeom>
+        </p:spPr>
+      </p:pic>
+    </p:spTree>
+    <p:extLst>
+      <p:ext uri="{BB962C8B-B14F-4D97-AF65-F5344CB8AC3E}">
+        <p14:creationId xmlns:p14="http://schemas.microsoft.com/office/powerpoint/2010/main" val="767610444"/>
+      </p:ext>
+    </p:extLst>
+  </p:cSld>
+  <p:clrMapOvr>
+    <a:masterClrMapping/>
+  </p:clrMapOvr>
+</p:sld>
+</file>
+
+<file path=ppt/slides/slide53.xml><?xml version="1.0" encoding="utf-8"?>
+<p:sld xmlns:a="http://schemas.openxmlformats.org/drawingml/2006/main" xmlns:r="http://schemas.openxmlformats.org/officeDocument/2006/relationships" xmlns:p="http://schemas.openxmlformats.org/presentationml/2006/main">
+  <p:cSld>
+    <p:spTree>
+      <p:nvGrpSpPr>
+        <p:cNvPr id="1" name=""/>
+        <p:cNvGrpSpPr/>
+        <p:nvPr/>
+      </p:nvGrpSpPr>
+      <p:grpSpPr>
+        <a:xfrm>
+          <a:off x="0" y="0"/>
+          <a:ext cx="0" cy="0"/>
+          <a:chOff x="0" y="0"/>
+          <a:chExt cx="0" cy="0"/>
+        </a:xfrm>
+      </p:grpSpPr>
+      <p:sp>
+        <p:nvSpPr>
+          <p:cNvPr id="2" name="제목 1">
+            <a:extLst>
+              <a:ext uri="{FF2B5EF4-FFF2-40B4-BE49-F238E27FC236}">
+                <a16:creationId xmlns:a16="http://schemas.microsoft.com/office/drawing/2014/main" id="{CFCDF4F8-40F6-C9DA-6B35-22C2B45B77EF}"/>
+              </a:ext>
+            </a:extLst>
+          </p:cNvPr>
+          <p:cNvSpPr txBox="1">
+            <a:spLocks/>
+          </p:cNvSpPr>
+          <p:nvPr/>
+        </p:nvSpPr>
+        <p:spPr>
+          <a:xfrm>
+            <a:off x="213360" y="412222"/>
+            <a:ext cx="10515600" cy="776498"/>
+          </a:xfrm>
+          <a:prstGeom prst="rect">
+            <a:avLst/>
+          </a:prstGeom>
+        </p:spPr>
+        <p:txBody>
+          <a:bodyPr vert="horz" lIns="91440" tIns="45720" rIns="91440" bIns="45720" rtlCol="0" anchor="ctr">
+            <a:normAutofit fontScale="77500" lnSpcReduction="20000"/>
+          </a:bodyPr>
+          <a:lstStyle>
+            <a:lvl1pPr algn="l" defTabSz="914400" rtl="0" eaLnBrk="1" latinLnBrk="1" hangingPunct="1">
+              <a:lnSpc>
+                <a:spcPct val="90000"/>
+              </a:lnSpc>
+              <a:spcBef>
+                <a:spcPct val="0"/>
+              </a:spcBef>
+              <a:buNone/>
+              <a:defRPr sz="4400" kern="1200">
+                <a:solidFill>
+                  <a:schemeClr val="tx1"/>
+                </a:solidFill>
+                <a:latin typeface="+mj-lt"/>
+                <a:ea typeface="+mj-ea"/>
+                <a:cs typeface="+mj-cs"/>
+              </a:defRPr>
+            </a:lvl1pPr>
+          </a:lstStyle>
+          <a:p>
+            <a:r>
+              <a:rPr lang="en-US" altLang="ko-KR" dirty="0" err="1"/>
+              <a:t>StatelessConnectHandlerComponent</a:t>
+            </a:r>
+            <a:r>
+              <a:rPr lang="en-US" altLang="ko-KR" dirty="0"/>
+              <a:t> Initialize 022</a:t>
+            </a:r>
+            <a:endParaRPr lang="ko-KR" altLang="en-US" dirty="0"/>
+          </a:p>
+        </p:txBody>
+      </p:sp>
+      <p:pic>
+        <p:nvPicPr>
+          <p:cNvPr id="7" name="그림 6">
+            <a:extLst>
+              <a:ext uri="{FF2B5EF4-FFF2-40B4-BE49-F238E27FC236}">
+                <a16:creationId xmlns:a16="http://schemas.microsoft.com/office/drawing/2014/main" id="{286FF531-CACA-372C-3AC4-3EDD962FF080}"/>
+              </a:ext>
+            </a:extLst>
+          </p:cNvPr>
+          <p:cNvPicPr>
+            <a:picLocks noChangeAspect="1"/>
+          </p:cNvPicPr>
+          <p:nvPr/>
+        </p:nvPicPr>
+        <p:blipFill>
+          <a:blip r:embed="rId2"/>
+          <a:stretch>
+            <a:fillRect/>
+          </a:stretch>
+        </p:blipFill>
+        <p:spPr>
+          <a:xfrm>
+            <a:off x="213360" y="1188720"/>
+            <a:ext cx="9450119" cy="2734057"/>
+          </a:xfrm>
+          <a:prstGeom prst="rect">
+            <a:avLst/>
+          </a:prstGeom>
+        </p:spPr>
+      </p:pic>
+    </p:spTree>
+    <p:extLst>
+      <p:ext uri="{BB962C8B-B14F-4D97-AF65-F5344CB8AC3E}">
+        <p14:creationId xmlns:p14="http://schemas.microsoft.com/office/powerpoint/2010/main" val="874792893"/>
+      </p:ext>
+    </p:extLst>
+  </p:cSld>
+  <p:clrMapOvr>
+    <a:masterClrMapping/>
+  </p:clrMapOvr>
+</p:sld>
+</file>
+
+<file path=ppt/slides/slide54.xml><?xml version="1.0" encoding="utf-8"?>
+<p:sld xmlns:a="http://schemas.openxmlformats.org/drawingml/2006/main" xmlns:r="http://schemas.openxmlformats.org/officeDocument/2006/relationships" xmlns:p="http://schemas.openxmlformats.org/presentationml/2006/main">
+  <p:cSld>
+    <p:spTree>
+      <p:nvGrpSpPr>
+        <p:cNvPr id="1" name=""/>
+        <p:cNvGrpSpPr/>
+        <p:nvPr/>
+      </p:nvGrpSpPr>
+      <p:grpSpPr>
+        <a:xfrm>
+          <a:off x="0" y="0"/>
+          <a:ext cx="0" cy="0"/>
+          <a:chOff x="0" y="0"/>
+          <a:chExt cx="0" cy="0"/>
+        </a:xfrm>
+      </p:grpSpPr>
+      <p:sp>
+        <p:nvSpPr>
+          <p:cNvPr id="2" name="제목 1">
+            <a:extLst>
+              <a:ext uri="{FF2B5EF4-FFF2-40B4-BE49-F238E27FC236}">
+                <a16:creationId xmlns:a16="http://schemas.microsoft.com/office/drawing/2014/main" id="{CFCDF4F8-40F6-C9DA-6B35-22C2B45B77EF}"/>
+              </a:ext>
+            </a:extLst>
+          </p:cNvPr>
+          <p:cNvSpPr txBox="1">
+            <a:spLocks/>
+          </p:cNvSpPr>
+          <p:nvPr/>
+        </p:nvSpPr>
+        <p:spPr>
+          <a:xfrm>
+            <a:off x="213360" y="412222"/>
+            <a:ext cx="10515600" cy="776498"/>
+          </a:xfrm>
+          <a:prstGeom prst="rect">
+            <a:avLst/>
+          </a:prstGeom>
+        </p:spPr>
+        <p:txBody>
+          <a:bodyPr vert="horz" lIns="91440" tIns="45720" rIns="91440" bIns="45720" rtlCol="0" anchor="ctr">
+            <a:normAutofit/>
+          </a:bodyPr>
+          <a:lstStyle>
+            <a:lvl1pPr algn="l" defTabSz="914400" rtl="0" eaLnBrk="1" latinLnBrk="1" hangingPunct="1">
+              <a:lnSpc>
+                <a:spcPct val="90000"/>
+              </a:lnSpc>
+              <a:spcBef>
+                <a:spcPct val="0"/>
+              </a:spcBef>
+              <a:buNone/>
+              <a:defRPr sz="4400" kern="1200">
+                <a:solidFill>
+                  <a:schemeClr val="tx1"/>
+                </a:solidFill>
+                <a:latin typeface="+mj-lt"/>
+                <a:ea typeface="+mj-ea"/>
+                <a:cs typeface="+mj-cs"/>
+              </a:defRPr>
+            </a:lvl1pPr>
+          </a:lstStyle>
+          <a:p>
+            <a:r>
+              <a:rPr lang="en-US" altLang="ko-KR" dirty="0" err="1"/>
+              <a:t>HandlerComponent</a:t>
+            </a:r>
+            <a:r>
+              <a:rPr lang="en-US" altLang="ko-KR" dirty="0"/>
+              <a:t> Initialize 023</a:t>
+            </a:r>
+            <a:endParaRPr lang="ko-KR" altLang="en-US" dirty="0"/>
+          </a:p>
+        </p:txBody>
+      </p:sp>
+      <p:pic>
+        <p:nvPicPr>
+          <p:cNvPr id="4" name="그림 3">
+            <a:extLst>
+              <a:ext uri="{FF2B5EF4-FFF2-40B4-BE49-F238E27FC236}">
+                <a16:creationId xmlns:a16="http://schemas.microsoft.com/office/drawing/2014/main" id="{F1EC1237-4B24-7952-A62D-ED855D192CE6}"/>
+              </a:ext>
+            </a:extLst>
+          </p:cNvPr>
+          <p:cNvPicPr>
+            <a:picLocks noChangeAspect="1"/>
+          </p:cNvPicPr>
+          <p:nvPr/>
+        </p:nvPicPr>
+        <p:blipFill>
+          <a:blip r:embed="rId2"/>
+          <a:stretch>
+            <a:fillRect/>
+          </a:stretch>
+        </p:blipFill>
+        <p:spPr>
+          <a:xfrm>
+            <a:off x="213360" y="1202531"/>
+            <a:ext cx="8502923" cy="5655469"/>
+          </a:xfrm>
+          <a:prstGeom prst="rect">
+            <a:avLst/>
+          </a:prstGeom>
+        </p:spPr>
+      </p:pic>
+      <p:sp>
+        <p:nvSpPr>
+          <p:cNvPr id="3" name="직사각형 2">
+            <a:extLst>
+              <a:ext uri="{FF2B5EF4-FFF2-40B4-BE49-F238E27FC236}">
+                <a16:creationId xmlns:a16="http://schemas.microsoft.com/office/drawing/2014/main" id="{7D1C4639-4E1D-02FE-4C34-50CF627BD230}"/>
+              </a:ext>
+            </a:extLst>
+          </p:cNvPr>
+          <p:cNvSpPr/>
+          <p:nvPr/>
+        </p:nvSpPr>
+        <p:spPr>
+          <a:xfrm>
+            <a:off x="393290" y="2939845"/>
+            <a:ext cx="5948516" cy="1582994"/>
+          </a:xfrm>
+          <a:prstGeom prst="rect">
+            <a:avLst/>
+          </a:prstGeom>
+          <a:noFill/>
+          <a:ln w="38100">
+            <a:solidFill>
+              <a:srgbClr val="FF0000"/>
+            </a:solidFill>
+          </a:ln>
+        </p:spPr>
+        <p:style>
+          <a:lnRef idx="2">
+            <a:schemeClr val="accent1">
+              <a:shade val="15000"/>
+            </a:schemeClr>
+          </a:lnRef>
+          <a:fillRef idx="1">
+            <a:schemeClr val="accent1"/>
+          </a:fillRef>
+          <a:effectRef idx="0">
+            <a:schemeClr val="accent1"/>
+          </a:effectRef>
+          <a:fontRef idx="minor">
+            <a:schemeClr val="lt1"/>
+          </a:fontRef>
+        </p:style>
+        <p:txBody>
+          <a:bodyPr rtlCol="0" anchor="ctr"/>
+          <a:lstStyle/>
+          <a:p>
+            <a:pPr algn="ctr"/>
+            <a:endParaRPr lang="ko-KR" altLang="en-US"/>
+          </a:p>
+        </p:txBody>
+      </p:sp>
+    </p:spTree>
+    <p:extLst>
+      <p:ext uri="{BB962C8B-B14F-4D97-AF65-F5344CB8AC3E}">
+        <p14:creationId xmlns:p14="http://schemas.microsoft.com/office/powerpoint/2010/main" val="3333570281"/>
+      </p:ext>
+    </p:extLst>
+  </p:cSld>
+  <p:clrMapOvr>
+    <a:masterClrMapping/>
+  </p:clrMapOvr>
+</p:sld>
+</file>
+
+<file path=ppt/slides/slide55.xml><?xml version="1.0" encoding="utf-8"?>
+<p:sld xmlns:a="http://schemas.openxmlformats.org/drawingml/2006/main" xmlns:r="http://schemas.openxmlformats.org/officeDocument/2006/relationships" xmlns:p="http://schemas.openxmlformats.org/presentationml/2006/main">
+  <p:cSld>
+    <p:spTree>
+      <p:nvGrpSpPr>
+        <p:cNvPr id="1" name=""/>
+        <p:cNvGrpSpPr/>
+        <p:nvPr/>
+      </p:nvGrpSpPr>
+      <p:grpSpPr>
+        <a:xfrm>
+          <a:off x="0" y="0"/>
+          <a:ext cx="0" cy="0"/>
+          <a:chOff x="0" y="0"/>
+          <a:chExt cx="0" cy="0"/>
+        </a:xfrm>
+      </p:grpSpPr>
+      <p:sp>
+        <p:nvSpPr>
+          <p:cNvPr id="2" name="제목 1">
+            <a:extLst>
+              <a:ext uri="{FF2B5EF4-FFF2-40B4-BE49-F238E27FC236}">
+                <a16:creationId xmlns:a16="http://schemas.microsoft.com/office/drawing/2014/main" id="{CFCDF4F8-40F6-C9DA-6B35-22C2B45B77EF}"/>
+              </a:ext>
+            </a:extLst>
+          </p:cNvPr>
+          <p:cNvSpPr txBox="1">
+            <a:spLocks/>
+          </p:cNvSpPr>
+          <p:nvPr/>
+        </p:nvSpPr>
+        <p:spPr>
+          <a:xfrm>
+            <a:off x="213360" y="275554"/>
+            <a:ext cx="10515600" cy="776498"/>
+          </a:xfrm>
+          <a:prstGeom prst="rect">
+            <a:avLst/>
+          </a:prstGeom>
+        </p:spPr>
+        <p:txBody>
+          <a:bodyPr vert="horz" lIns="91440" tIns="45720" rIns="91440" bIns="45720" rtlCol="0" anchor="ctr">
+            <a:normAutofit fontScale="85000" lnSpcReduction="10000"/>
+          </a:bodyPr>
+          <a:lstStyle>
+            <a:lvl1pPr algn="l" defTabSz="914400" rtl="0" eaLnBrk="1" latinLnBrk="1" hangingPunct="1">
+              <a:lnSpc>
+                <a:spcPct val="90000"/>
+              </a:lnSpc>
+              <a:spcBef>
+                <a:spcPct val="0"/>
+              </a:spcBef>
+              <a:buNone/>
+              <a:defRPr sz="4400" kern="1200">
+                <a:solidFill>
+                  <a:schemeClr val="tx1"/>
+                </a:solidFill>
+                <a:latin typeface="+mj-lt"/>
+                <a:ea typeface="+mj-ea"/>
+                <a:cs typeface="+mj-cs"/>
+              </a:defRPr>
+            </a:lvl1pPr>
+          </a:lstStyle>
+          <a:p>
+            <a:r>
+              <a:rPr lang="en-US" altLang="ko-KR" dirty="0" err="1"/>
+              <a:t>PacketHandler</a:t>
+            </a:r>
+            <a:r>
+              <a:rPr lang="en-US" altLang="ko-KR" dirty="0"/>
+              <a:t> </a:t>
+            </a:r>
+            <a:r>
+              <a:rPr lang="en-US" altLang="ko-KR" dirty="0" err="1"/>
+              <a:t>HandlerComponentInitialize</a:t>
+            </a:r>
+            <a:r>
+              <a:rPr lang="en-US" altLang="ko-KR" dirty="0"/>
+              <a:t> 024</a:t>
+            </a:r>
+            <a:endParaRPr lang="ko-KR" altLang="en-US" dirty="0"/>
+          </a:p>
+        </p:txBody>
+      </p:sp>
+      <p:pic>
+        <p:nvPicPr>
+          <p:cNvPr id="6" name="그림 5">
+            <a:extLst>
+              <a:ext uri="{FF2B5EF4-FFF2-40B4-BE49-F238E27FC236}">
+                <a16:creationId xmlns:a16="http://schemas.microsoft.com/office/drawing/2014/main" id="{C476DBD8-45E2-3D3D-C601-6FB44506B855}"/>
+              </a:ext>
+            </a:extLst>
+          </p:cNvPr>
+          <p:cNvPicPr>
+            <a:picLocks noChangeAspect="1"/>
+          </p:cNvPicPr>
+          <p:nvPr/>
+        </p:nvPicPr>
+        <p:blipFill>
+          <a:blip r:embed="rId2"/>
+          <a:stretch>
+            <a:fillRect/>
+          </a:stretch>
+        </p:blipFill>
+        <p:spPr>
+          <a:xfrm>
+            <a:off x="213360" y="1052052"/>
+            <a:ext cx="7290336" cy="5869000"/>
+          </a:xfrm>
+          <a:prstGeom prst="rect">
+            <a:avLst/>
+          </a:prstGeom>
+        </p:spPr>
+      </p:pic>
+    </p:spTree>
+    <p:extLst>
+      <p:ext uri="{BB962C8B-B14F-4D97-AF65-F5344CB8AC3E}">
+        <p14:creationId xmlns:p14="http://schemas.microsoft.com/office/powerpoint/2010/main" val="3402464821"/>
+      </p:ext>
+    </p:extLst>
+  </p:cSld>
+  <p:clrMapOvr>
+    <a:masterClrMapping/>
+  </p:clrMapOvr>
+</p:sld>
+</file>
+
+<file path=ppt/slides/slide56.xml><?xml version="1.0" encoding="utf-8"?>
+<p:sld xmlns:a="http://schemas.openxmlformats.org/drawingml/2006/main" xmlns:r="http://schemas.openxmlformats.org/officeDocument/2006/relationships" xmlns:p="http://schemas.openxmlformats.org/presentationml/2006/main">
+  <p:cSld>
+    <p:spTree>
+      <p:nvGrpSpPr>
+        <p:cNvPr id="1" name=""/>
+        <p:cNvGrpSpPr/>
+        <p:nvPr/>
+      </p:nvGrpSpPr>
+      <p:grpSpPr>
+        <a:xfrm>
+          <a:off x="0" y="0"/>
+          <a:ext cx="0" cy="0"/>
+          <a:chOff x="0" y="0"/>
+          <a:chExt cx="0" cy="0"/>
+        </a:xfrm>
+      </p:grpSpPr>
+      <p:sp>
+        <p:nvSpPr>
+          <p:cNvPr id="2" name="제목 1">
+            <a:extLst>
+              <a:ext uri="{FF2B5EF4-FFF2-40B4-BE49-F238E27FC236}">
+                <a16:creationId xmlns:a16="http://schemas.microsoft.com/office/drawing/2014/main" id="{CFCDF4F8-40F6-C9DA-6B35-22C2B45B77EF}"/>
+              </a:ext>
+            </a:extLst>
+          </p:cNvPr>
+          <p:cNvSpPr txBox="1">
+            <a:spLocks/>
+          </p:cNvSpPr>
+          <p:nvPr/>
+        </p:nvSpPr>
+        <p:spPr>
+          <a:xfrm>
+            <a:off x="213360" y="275554"/>
+            <a:ext cx="10515600" cy="776498"/>
+          </a:xfrm>
+          <a:prstGeom prst="rect">
+            <a:avLst/>
+          </a:prstGeom>
+        </p:spPr>
+        <p:txBody>
+          <a:bodyPr vert="horz" lIns="91440" tIns="45720" rIns="91440" bIns="45720" rtlCol="0" anchor="ctr">
+            <a:normAutofit fontScale="85000" lnSpcReduction="10000"/>
+          </a:bodyPr>
+          <a:lstStyle>
+            <a:lvl1pPr algn="l" defTabSz="914400" rtl="0" eaLnBrk="1" latinLnBrk="1" hangingPunct="1">
+              <a:lnSpc>
+                <a:spcPct val="90000"/>
+              </a:lnSpc>
+              <a:spcBef>
+                <a:spcPct val="0"/>
+              </a:spcBef>
+              <a:buNone/>
+              <a:defRPr sz="4400" kern="1200">
+                <a:solidFill>
+                  <a:schemeClr val="tx1"/>
+                </a:solidFill>
+                <a:latin typeface="+mj-lt"/>
+                <a:ea typeface="+mj-ea"/>
+                <a:cs typeface="+mj-cs"/>
+              </a:defRPr>
+            </a:lvl1pPr>
+          </a:lstStyle>
+          <a:p>
+            <a:r>
+              <a:rPr lang="en-US" altLang="ko-KR" dirty="0" err="1"/>
+              <a:t>PacketHandler</a:t>
+            </a:r>
+            <a:r>
+              <a:rPr lang="en-US" altLang="ko-KR" dirty="0"/>
+              <a:t> </a:t>
+            </a:r>
+            <a:r>
+              <a:rPr lang="en-US" altLang="ko-KR" dirty="0" err="1"/>
+              <a:t>HandlerComponentInitialize</a:t>
+            </a:r>
+            <a:r>
+              <a:rPr lang="en-US" altLang="ko-KR" dirty="0"/>
+              <a:t> 024</a:t>
+            </a:r>
+            <a:endParaRPr lang="ko-KR" altLang="en-US" dirty="0"/>
+          </a:p>
+        </p:txBody>
+      </p:sp>
+      <p:pic>
+        <p:nvPicPr>
+          <p:cNvPr id="4" name="그림 3">
+            <a:extLst>
+              <a:ext uri="{FF2B5EF4-FFF2-40B4-BE49-F238E27FC236}">
+                <a16:creationId xmlns:a16="http://schemas.microsoft.com/office/drawing/2014/main" id="{80F41793-6E28-33B7-DDD1-F8C83961DC31}"/>
+              </a:ext>
+            </a:extLst>
+          </p:cNvPr>
+          <p:cNvPicPr>
+            <a:picLocks noChangeAspect="1"/>
+          </p:cNvPicPr>
+          <p:nvPr/>
+        </p:nvPicPr>
+        <p:blipFill>
+          <a:blip r:embed="rId2"/>
+          <a:stretch>
+            <a:fillRect/>
+          </a:stretch>
+        </p:blipFill>
+        <p:spPr>
+          <a:xfrm>
+            <a:off x="213360" y="951279"/>
+            <a:ext cx="9211961" cy="4286848"/>
+          </a:xfrm>
+          <a:prstGeom prst="rect">
+            <a:avLst/>
+          </a:prstGeom>
+        </p:spPr>
+      </p:pic>
+    </p:spTree>
+    <p:extLst>
+      <p:ext uri="{BB962C8B-B14F-4D97-AF65-F5344CB8AC3E}">
+        <p14:creationId xmlns:p14="http://schemas.microsoft.com/office/powerpoint/2010/main" val="1422236993"/>
+      </p:ext>
+    </p:extLst>
+  </p:cSld>
+  <p:clrMapOvr>
+    <a:masterClrMapping/>
+  </p:clrMapOvr>
+</p:sld>
+</file>
+
+<file path=ppt/slides/slide57.xml><?xml version="1.0" encoding="utf-8"?>
+<p:sld xmlns:a="http://schemas.openxmlformats.org/drawingml/2006/main" xmlns:r="http://schemas.openxmlformats.org/officeDocument/2006/relationships" xmlns:p="http://schemas.openxmlformats.org/presentationml/2006/main">
+  <p:cSld>
+    <p:spTree>
+      <p:nvGrpSpPr>
+        <p:cNvPr id="1" name=""/>
+        <p:cNvGrpSpPr/>
+        <p:nvPr/>
+      </p:nvGrpSpPr>
+      <p:grpSpPr>
+        <a:xfrm>
+          <a:off x="0" y="0"/>
+          <a:ext cx="0" cy="0"/>
+          <a:chOff x="0" y="0"/>
+          <a:chExt cx="0" cy="0"/>
+        </a:xfrm>
+      </p:grpSpPr>
+      <p:sp>
+        <p:nvSpPr>
+          <p:cNvPr id="2" name="제목 1">
+            <a:extLst>
+              <a:ext uri="{FF2B5EF4-FFF2-40B4-BE49-F238E27FC236}">
+                <a16:creationId xmlns:a16="http://schemas.microsoft.com/office/drawing/2014/main" id="{CFCDF4F8-40F6-C9DA-6B35-22C2B45B77EF}"/>
+              </a:ext>
+            </a:extLst>
+          </p:cNvPr>
+          <p:cNvSpPr txBox="1">
+            <a:spLocks/>
+          </p:cNvSpPr>
+          <p:nvPr/>
+        </p:nvSpPr>
+        <p:spPr>
+          <a:xfrm>
+            <a:off x="213360" y="412222"/>
+            <a:ext cx="10515600" cy="776498"/>
+          </a:xfrm>
+          <a:prstGeom prst="rect">
+            <a:avLst/>
+          </a:prstGeom>
+        </p:spPr>
+        <p:txBody>
+          <a:bodyPr vert="horz" lIns="91440" tIns="45720" rIns="91440" bIns="45720" rtlCol="0" anchor="ctr">
+            <a:normAutofit/>
+          </a:bodyPr>
+          <a:lstStyle>
+            <a:lvl1pPr algn="l" defTabSz="914400" rtl="0" eaLnBrk="1" latinLnBrk="1" hangingPunct="1">
+              <a:lnSpc>
+                <a:spcPct val="90000"/>
+              </a:lnSpc>
+              <a:spcBef>
+                <a:spcPct val="0"/>
+              </a:spcBef>
+              <a:buNone/>
+              <a:defRPr sz="4400" kern="1200">
+                <a:solidFill>
+                  <a:schemeClr val="tx1"/>
+                </a:solidFill>
+                <a:latin typeface="+mj-lt"/>
+                <a:ea typeface="+mj-ea"/>
+                <a:cs typeface="+mj-cs"/>
+              </a:defRPr>
+            </a:lvl1pPr>
+          </a:lstStyle>
+          <a:p>
+            <a:r>
+              <a:rPr lang="en-US" altLang="ko-KR" dirty="0" err="1"/>
+              <a:t>PacketHandler</a:t>
+            </a:r>
+            <a:r>
+              <a:rPr lang="en-US" altLang="ko-KR" dirty="0"/>
+              <a:t> </a:t>
+            </a:r>
+            <a:r>
+              <a:rPr lang="en-US" altLang="ko-KR" dirty="0" err="1"/>
+              <a:t>InitializeComponent</a:t>
+            </a:r>
+            <a:r>
+              <a:rPr lang="en-US" altLang="ko-KR" dirty="0"/>
+              <a:t> 021</a:t>
+            </a:r>
+            <a:endParaRPr lang="ko-KR" altLang="en-US" dirty="0"/>
+          </a:p>
+        </p:txBody>
+      </p:sp>
+      <p:pic>
+        <p:nvPicPr>
+          <p:cNvPr id="5" name="그림 4">
+            <a:extLst>
+              <a:ext uri="{FF2B5EF4-FFF2-40B4-BE49-F238E27FC236}">
+                <a16:creationId xmlns:a16="http://schemas.microsoft.com/office/drawing/2014/main" id="{5A2EFB7C-ED3E-CAC4-F6B4-1EEA0801022C}"/>
+              </a:ext>
+            </a:extLst>
+          </p:cNvPr>
+          <p:cNvPicPr>
+            <a:picLocks noChangeAspect="1"/>
+          </p:cNvPicPr>
+          <p:nvPr/>
+        </p:nvPicPr>
+        <p:blipFill>
+          <a:blip r:embed="rId2"/>
+          <a:stretch>
+            <a:fillRect/>
+          </a:stretch>
+        </p:blipFill>
+        <p:spPr>
+          <a:xfrm>
+            <a:off x="213360" y="1145008"/>
+            <a:ext cx="10002356" cy="5712991"/>
+          </a:xfrm>
+          <a:prstGeom prst="rect">
+            <a:avLst/>
+          </a:prstGeom>
+        </p:spPr>
+      </p:pic>
+      <p:sp>
+        <p:nvSpPr>
+          <p:cNvPr id="3" name="직사각형 2">
+            <a:extLst>
+              <a:ext uri="{FF2B5EF4-FFF2-40B4-BE49-F238E27FC236}">
+                <a16:creationId xmlns:a16="http://schemas.microsoft.com/office/drawing/2014/main" id="{CCCB4F7B-2C1F-FC37-9F6E-FFE88A871A15}"/>
+              </a:ext>
+            </a:extLst>
+          </p:cNvPr>
+          <p:cNvSpPr/>
+          <p:nvPr/>
+        </p:nvSpPr>
+        <p:spPr>
+          <a:xfrm>
+            <a:off x="727587" y="5447071"/>
+            <a:ext cx="8573729" cy="1209368"/>
+          </a:xfrm>
+          <a:prstGeom prst="rect">
+            <a:avLst/>
+          </a:prstGeom>
+          <a:noFill/>
+          <a:ln>
+            <a:solidFill>
+              <a:srgbClr val="FF0000"/>
+            </a:solidFill>
+          </a:ln>
+        </p:spPr>
+        <p:style>
+          <a:lnRef idx="2">
+            <a:schemeClr val="accent1">
+              <a:shade val="15000"/>
+            </a:schemeClr>
+          </a:lnRef>
+          <a:fillRef idx="1">
+            <a:schemeClr val="accent1"/>
+          </a:fillRef>
+          <a:effectRef idx="0">
+            <a:schemeClr val="accent1"/>
+          </a:effectRef>
+          <a:fontRef idx="minor">
+            <a:schemeClr val="lt1"/>
+          </a:fontRef>
+        </p:style>
+        <p:txBody>
+          <a:bodyPr rtlCol="0" anchor="ctr"/>
+          <a:lstStyle/>
+          <a:p>
+            <a:pPr algn="ctr"/>
+            <a:endParaRPr lang="ko-KR" altLang="en-US"/>
+          </a:p>
+        </p:txBody>
+      </p:sp>
+    </p:spTree>
+    <p:extLst>
+      <p:ext uri="{BB962C8B-B14F-4D97-AF65-F5344CB8AC3E}">
+        <p14:creationId xmlns:p14="http://schemas.microsoft.com/office/powerpoint/2010/main" val="1759696932"/>
+      </p:ext>
+    </p:extLst>
+  </p:cSld>
+  <p:clrMapOvr>
+    <a:masterClrMapping/>
+  </p:clrMapOvr>
+</p:sld>
+</file>
+
+<file path=ppt/slides/slide58.xml><?xml version="1.0" encoding="utf-8"?>
+<p:sld xmlns:a="http://schemas.openxmlformats.org/drawingml/2006/main" xmlns:r="http://schemas.openxmlformats.org/officeDocument/2006/relationships" xmlns:p="http://schemas.openxmlformats.org/presentationml/2006/main">
+  <p:cSld>
+    <p:spTree>
+      <p:nvGrpSpPr>
+        <p:cNvPr id="1" name=""/>
+        <p:cNvGrpSpPr/>
+        <p:nvPr/>
+      </p:nvGrpSpPr>
+      <p:grpSpPr>
+        <a:xfrm>
+          <a:off x="0" y="0"/>
+          <a:ext cx="0" cy="0"/>
+          <a:chOff x="0" y="0"/>
+          <a:chExt cx="0" cy="0"/>
+        </a:xfrm>
+      </p:grpSpPr>
+      <p:sp>
+        <p:nvSpPr>
+          <p:cNvPr id="2" name="제목 1">
+            <a:extLst>
+              <a:ext uri="{FF2B5EF4-FFF2-40B4-BE49-F238E27FC236}">
+                <a16:creationId xmlns:a16="http://schemas.microsoft.com/office/drawing/2014/main" id="{CFCDF4F8-40F6-C9DA-6B35-22C2B45B77EF}"/>
+              </a:ext>
+            </a:extLst>
+          </p:cNvPr>
+          <p:cNvSpPr txBox="1">
+            <a:spLocks/>
+          </p:cNvSpPr>
+          <p:nvPr/>
+        </p:nvSpPr>
+        <p:spPr>
+          <a:xfrm>
+            <a:off x="213360" y="412222"/>
+            <a:ext cx="10515600" cy="776498"/>
+          </a:xfrm>
+          <a:prstGeom prst="rect">
+            <a:avLst/>
+          </a:prstGeom>
+        </p:spPr>
+        <p:txBody>
+          <a:bodyPr vert="horz" lIns="91440" tIns="45720" rIns="91440" bIns="45720" rtlCol="0" anchor="ctr">
+            <a:normAutofit/>
+          </a:bodyPr>
+          <a:lstStyle>
+            <a:lvl1pPr algn="l" defTabSz="914400" rtl="0" eaLnBrk="1" latinLnBrk="1" hangingPunct="1">
+              <a:lnSpc>
+                <a:spcPct val="90000"/>
+              </a:lnSpc>
+              <a:spcBef>
+                <a:spcPct val="0"/>
+              </a:spcBef>
+              <a:buNone/>
+              <a:defRPr sz="4400" kern="1200">
+                <a:solidFill>
+                  <a:schemeClr val="tx1"/>
+                </a:solidFill>
+                <a:latin typeface="+mj-lt"/>
+                <a:ea typeface="+mj-ea"/>
+                <a:cs typeface="+mj-cs"/>
+              </a:defRPr>
+            </a:lvl1pPr>
+          </a:lstStyle>
+          <a:p>
+            <a:r>
+              <a:rPr lang="en-US" altLang="ko-KR" dirty="0" err="1"/>
+              <a:t>PacketHandler</a:t>
+            </a:r>
+            <a:r>
+              <a:rPr lang="en-US" altLang="ko-KR" dirty="0"/>
+              <a:t> </a:t>
+            </a:r>
+            <a:r>
+              <a:rPr lang="en-US" altLang="ko-KR" dirty="0" err="1"/>
+              <a:t>InitializeComponent</a:t>
+            </a:r>
+            <a:r>
+              <a:rPr lang="en-US" altLang="ko-KR" dirty="0"/>
+              <a:t> 021</a:t>
+            </a:r>
+            <a:endParaRPr lang="ko-KR" altLang="en-US" dirty="0"/>
+          </a:p>
+        </p:txBody>
+      </p:sp>
+      <p:pic>
+        <p:nvPicPr>
+          <p:cNvPr id="6" name="그림 5">
+            <a:extLst>
+              <a:ext uri="{FF2B5EF4-FFF2-40B4-BE49-F238E27FC236}">
+                <a16:creationId xmlns:a16="http://schemas.microsoft.com/office/drawing/2014/main" id="{4609F22F-9434-0B80-EE8C-1D0B1736D182}"/>
+              </a:ext>
+            </a:extLst>
+          </p:cNvPr>
+          <p:cNvPicPr>
+            <a:picLocks noChangeAspect="1"/>
+          </p:cNvPicPr>
+          <p:nvPr/>
+        </p:nvPicPr>
+        <p:blipFill>
+          <a:blip r:embed="rId2"/>
+          <a:stretch>
+            <a:fillRect/>
+          </a:stretch>
+        </p:blipFill>
+        <p:spPr>
+          <a:xfrm>
+            <a:off x="136797" y="1278891"/>
+            <a:ext cx="10050278" cy="5401429"/>
+          </a:xfrm>
+          <a:prstGeom prst="rect">
+            <a:avLst/>
+          </a:prstGeom>
+        </p:spPr>
+      </p:pic>
+    </p:spTree>
+    <p:extLst>
+      <p:ext uri="{BB962C8B-B14F-4D97-AF65-F5344CB8AC3E}">
+        <p14:creationId xmlns:p14="http://schemas.microsoft.com/office/powerpoint/2010/main" val="2414676426"/>
+      </p:ext>
+    </p:extLst>
+  </p:cSld>
+  <p:clrMapOvr>
+    <a:masterClrMapping/>
+  </p:clrMapOvr>
+</p:sld>
+</file>
+
+<file path=ppt/slides/slide59.xml><?xml version="1.0" encoding="utf-8"?>
+<p:sld xmlns:a="http://schemas.openxmlformats.org/drawingml/2006/main" xmlns:r="http://schemas.openxmlformats.org/officeDocument/2006/relationships" xmlns:p="http://schemas.openxmlformats.org/presentationml/2006/main">
+  <p:cSld>
+    <p:spTree>
+      <p:nvGrpSpPr>
+        <p:cNvPr id="1" name=""/>
+        <p:cNvGrpSpPr/>
+        <p:nvPr/>
+      </p:nvGrpSpPr>
+      <p:grpSpPr>
+        <a:xfrm>
+          <a:off x="0" y="0"/>
+          <a:ext cx="0" cy="0"/>
+          <a:chOff x="0" y="0"/>
+          <a:chExt cx="0" cy="0"/>
+        </a:xfrm>
+      </p:grpSpPr>
+      <p:sp>
+        <p:nvSpPr>
+          <p:cNvPr id="2" name="제목 1">
+            <a:extLst>
+              <a:ext uri="{FF2B5EF4-FFF2-40B4-BE49-F238E27FC236}">
+                <a16:creationId xmlns:a16="http://schemas.microsoft.com/office/drawing/2014/main" id="{CFCDF4F8-40F6-C9DA-6B35-22C2B45B77EF}"/>
+              </a:ext>
+            </a:extLst>
+          </p:cNvPr>
+          <p:cNvSpPr txBox="1">
+            <a:spLocks/>
+          </p:cNvSpPr>
+          <p:nvPr/>
+        </p:nvSpPr>
+        <p:spPr>
+          <a:xfrm>
+            <a:off x="213359" y="412222"/>
+            <a:ext cx="11693505" cy="776498"/>
+          </a:xfrm>
+          <a:prstGeom prst="rect">
+            <a:avLst/>
+          </a:prstGeom>
+        </p:spPr>
+        <p:txBody>
+          <a:bodyPr vert="horz" lIns="91440" tIns="45720" rIns="91440" bIns="45720" rtlCol="0" anchor="ctr">
+            <a:normAutofit fontScale="70000" lnSpcReduction="20000"/>
+          </a:bodyPr>
+          <a:lstStyle>
+            <a:lvl1pPr algn="l" defTabSz="914400" rtl="0" eaLnBrk="1" latinLnBrk="1" hangingPunct="1">
+              <a:lnSpc>
+                <a:spcPct val="90000"/>
+              </a:lnSpc>
+              <a:spcBef>
+                <a:spcPct val="0"/>
+              </a:spcBef>
+              <a:buNone/>
+              <a:defRPr sz="4400" kern="1200">
+                <a:solidFill>
+                  <a:schemeClr val="tx1"/>
+                </a:solidFill>
+                <a:latin typeface="+mj-lt"/>
+                <a:ea typeface="+mj-ea"/>
+                <a:cs typeface="+mj-cs"/>
+              </a:defRPr>
+            </a:lvl1pPr>
+          </a:lstStyle>
+          <a:p>
+            <a:r>
+              <a:rPr lang="en-US" altLang="ko-KR" dirty="0" err="1"/>
+              <a:t>StatelessConnectHandlerComponent</a:t>
+            </a:r>
+            <a:r>
+              <a:rPr lang="en-US" altLang="ko-KR" dirty="0"/>
+              <a:t> </a:t>
+            </a:r>
+            <a:r>
+              <a:rPr lang="en-US" altLang="ko-KR" dirty="0" err="1"/>
+              <a:t>GetReservedPacketBits</a:t>
+            </a:r>
+            <a:r>
+              <a:rPr lang="en-US" altLang="ko-KR" dirty="0"/>
+              <a:t> 025</a:t>
+            </a:r>
+            <a:endParaRPr lang="ko-KR" altLang="en-US" dirty="0"/>
+          </a:p>
+        </p:txBody>
+      </p:sp>
+      <p:pic>
+        <p:nvPicPr>
+          <p:cNvPr id="4" name="그림 3">
+            <a:extLst>
+              <a:ext uri="{FF2B5EF4-FFF2-40B4-BE49-F238E27FC236}">
+                <a16:creationId xmlns:a16="http://schemas.microsoft.com/office/drawing/2014/main" id="{4D6F65C7-DE4B-DC31-CF1C-C0D94D4FD750}"/>
+              </a:ext>
+            </a:extLst>
+          </p:cNvPr>
+          <p:cNvPicPr>
+            <a:picLocks noChangeAspect="1"/>
+          </p:cNvPicPr>
+          <p:nvPr/>
+        </p:nvPicPr>
+        <p:blipFill>
+          <a:blip r:embed="rId2"/>
+          <a:stretch>
+            <a:fillRect/>
+          </a:stretch>
+        </p:blipFill>
+        <p:spPr>
+          <a:xfrm>
+            <a:off x="227781" y="1188720"/>
+            <a:ext cx="11736438" cy="2029108"/>
+          </a:xfrm>
+          <a:prstGeom prst="rect">
+            <a:avLst/>
+          </a:prstGeom>
+        </p:spPr>
+      </p:pic>
+    </p:spTree>
+    <p:extLst>
+      <p:ext uri="{BB962C8B-B14F-4D97-AF65-F5344CB8AC3E}">
+        <p14:creationId xmlns:p14="http://schemas.microsoft.com/office/powerpoint/2010/main" val="4140011311"/>
       </p:ext>
     </p:extLst>
   </p:cSld>
@@ -6723,6 +11761,185 @@
     <p:extLst>
       <p:ext uri="{BB962C8B-B14F-4D97-AF65-F5344CB8AC3E}">
         <p14:creationId xmlns:p14="http://schemas.microsoft.com/office/powerpoint/2010/main" val="2222051016"/>
+      </p:ext>
+    </p:extLst>
+  </p:cSld>
+  <p:clrMapOvr>
+    <a:masterClrMapping/>
+  </p:clrMapOvr>
+</p:sld>
+</file>
+
+<file path=ppt/slides/slide60.xml><?xml version="1.0" encoding="utf-8"?>
+<p:sld xmlns:a="http://schemas.openxmlformats.org/drawingml/2006/main" xmlns:r="http://schemas.openxmlformats.org/officeDocument/2006/relationships" xmlns:p="http://schemas.openxmlformats.org/presentationml/2006/main">
+  <p:cSld>
+    <p:spTree>
+      <p:nvGrpSpPr>
+        <p:cNvPr id="1" name=""/>
+        <p:cNvGrpSpPr/>
+        <p:nvPr/>
+      </p:nvGrpSpPr>
+      <p:grpSpPr>
+        <a:xfrm>
+          <a:off x="0" y="0"/>
+          <a:ext cx="0" cy="0"/>
+          <a:chOff x="0" y="0"/>
+          <a:chExt cx="0" cy="0"/>
+        </a:xfrm>
+      </p:grpSpPr>
+      <p:sp>
+        <p:nvSpPr>
+          <p:cNvPr id="2" name="제목 1">
+            <a:extLst>
+              <a:ext uri="{FF2B5EF4-FFF2-40B4-BE49-F238E27FC236}">
+                <a16:creationId xmlns:a16="http://schemas.microsoft.com/office/drawing/2014/main" id="{CFCDF4F8-40F6-C9DA-6B35-22C2B45B77EF}"/>
+              </a:ext>
+            </a:extLst>
+          </p:cNvPr>
+          <p:cNvSpPr txBox="1">
+            <a:spLocks/>
+          </p:cNvSpPr>
+          <p:nvPr/>
+        </p:nvSpPr>
+        <p:spPr>
+          <a:xfrm>
+            <a:off x="213360" y="412222"/>
+            <a:ext cx="10515600" cy="776498"/>
+          </a:xfrm>
+          <a:prstGeom prst="rect">
+            <a:avLst/>
+          </a:prstGeom>
+        </p:spPr>
+        <p:txBody>
+          <a:bodyPr vert="horz" lIns="91440" tIns="45720" rIns="91440" bIns="45720" rtlCol="0" anchor="ctr">
+            <a:normAutofit fontScale="77500" lnSpcReduction="20000"/>
+          </a:bodyPr>
+          <a:lstStyle>
+            <a:lvl1pPr algn="l" defTabSz="914400" rtl="0" eaLnBrk="1" latinLnBrk="1" hangingPunct="1">
+              <a:lnSpc>
+                <a:spcPct val="90000"/>
+              </a:lnSpc>
+              <a:spcBef>
+                <a:spcPct val="0"/>
+              </a:spcBef>
+              <a:buNone/>
+              <a:defRPr sz="4400" kern="1200">
+                <a:solidFill>
+                  <a:schemeClr val="tx1"/>
+                </a:solidFill>
+                <a:latin typeface="+mj-lt"/>
+                <a:ea typeface="+mj-ea"/>
+                <a:cs typeface="+mj-cs"/>
+              </a:defRPr>
+            </a:lvl1pPr>
+          </a:lstStyle>
+          <a:p>
+            <a:r>
+              <a:rPr lang="en-US" altLang="ko-KR" dirty="0" err="1"/>
+              <a:t>GameInstance</a:t>
+            </a:r>
+            <a:r>
+              <a:rPr lang="en-US" altLang="ko-KR" dirty="0"/>
+              <a:t> </a:t>
+            </a:r>
+            <a:r>
+              <a:rPr lang="en-US" altLang="ko-KR" dirty="0" err="1"/>
+              <a:t>StartPlayInEditorGameInstance</a:t>
+            </a:r>
+            <a:r>
+              <a:rPr lang="en-US" altLang="ko-KR" dirty="0"/>
+              <a:t> 002</a:t>
+            </a:r>
+            <a:endParaRPr lang="ko-KR" altLang="en-US" dirty="0"/>
+          </a:p>
+        </p:txBody>
+      </p:sp>
+      <p:pic>
+        <p:nvPicPr>
+          <p:cNvPr id="4" name="그림 3">
+            <a:extLst>
+              <a:ext uri="{FF2B5EF4-FFF2-40B4-BE49-F238E27FC236}">
+                <a16:creationId xmlns:a16="http://schemas.microsoft.com/office/drawing/2014/main" id="{D9C2748B-7D4C-4E2B-77B1-F47D1BDF3537}"/>
+              </a:ext>
+            </a:extLst>
+          </p:cNvPr>
+          <p:cNvPicPr>
+            <a:picLocks noChangeAspect="1"/>
+          </p:cNvPicPr>
+          <p:nvPr/>
+        </p:nvPicPr>
+        <p:blipFill>
+          <a:blip r:embed="rId2"/>
+          <a:stretch>
+            <a:fillRect/>
+          </a:stretch>
+        </p:blipFill>
+        <p:spPr>
+          <a:xfrm>
+            <a:off x="213360" y="1058606"/>
+            <a:ext cx="8268854" cy="5153744"/>
+          </a:xfrm>
+          <a:prstGeom prst="rect">
+            <a:avLst/>
+          </a:prstGeom>
+        </p:spPr>
+      </p:pic>
+      <p:sp>
+        <p:nvSpPr>
+          <p:cNvPr id="5" name="직사각형 4">
+            <a:extLst>
+              <a:ext uri="{FF2B5EF4-FFF2-40B4-BE49-F238E27FC236}">
+                <a16:creationId xmlns:a16="http://schemas.microsoft.com/office/drawing/2014/main" id="{797B6709-A375-675D-12F5-5B4ABF827A4F}"/>
+              </a:ext>
+            </a:extLst>
+          </p:cNvPr>
+          <p:cNvSpPr/>
+          <p:nvPr/>
+        </p:nvSpPr>
+        <p:spPr>
+          <a:xfrm>
+            <a:off x="1317523" y="4513006"/>
+            <a:ext cx="5771535" cy="304799"/>
+          </a:xfrm>
+          <a:prstGeom prst="rect">
+            <a:avLst/>
+          </a:prstGeom>
+          <a:noFill/>
+          <a:ln w="38100">
+            <a:solidFill>
+              <a:srgbClr val="FF0000"/>
+            </a:solidFill>
+          </a:ln>
+        </p:spPr>
+        <p:style>
+          <a:lnRef idx="2">
+            <a:schemeClr val="accent1">
+              <a:shade val="15000"/>
+            </a:schemeClr>
+          </a:lnRef>
+          <a:fillRef idx="1">
+            <a:schemeClr val="accent1"/>
+          </a:fillRef>
+          <a:effectRef idx="0">
+            <a:schemeClr val="accent1"/>
+          </a:effectRef>
+          <a:fontRef idx="minor">
+            <a:schemeClr val="lt1"/>
+          </a:fontRef>
+        </p:style>
+        <p:txBody>
+          <a:bodyPr rtlCol="0" anchor="ctr"/>
+          <a:lstStyle/>
+          <a:p>
+            <a:pPr algn="ctr"/>
+            <a:endParaRPr lang="ko-KR" altLang="en-US"/>
+          </a:p>
+        </p:txBody>
+      </p:sp>
+    </p:spTree>
+    <p:extLst>
+      <p:ext uri="{BB962C8B-B14F-4D97-AF65-F5344CB8AC3E}">
+        <p14:creationId xmlns:p14="http://schemas.microsoft.com/office/powerpoint/2010/main" val="1424659521"/>
       </p:ext>
     </p:extLst>
   </p:cSld>
